--- a/media/offline_en.pptx
+++ b/media/offline_en.pptx
@@ -109,7 +109,18 @@
   </p:defaultTextStyle>
   <p:extLst>
     <p:ext uri="{EFAFB233-063F-42B5-8137-9DF3F51BA10A}">
-      <p15:sldGuideLst xmlns:p15="http://schemas.microsoft.com/office/powerpoint/2012/main"/>
+      <p15:sldGuideLst xmlns:p15="http://schemas.microsoft.com/office/powerpoint/2012/main">
+        <p15:guide id="1" orient="horz" pos="1298" userDrawn="1">
+          <p15:clr>
+            <a:srgbClr val="A4A3A4"/>
+          </p15:clr>
+        </p15:guide>
+        <p15:guide id="2" pos="3840">
+          <p15:clr>
+            <a:srgbClr val="A4A3A4"/>
+          </p15:clr>
+        </p15:guide>
+      </p15:sldGuideLst>
     </p:ext>
   </p:extLst>
 </p:presentation>
@@ -157,10 +168,9 @@
           </a:lstStyle>
           <a:p>
             <a:r>
-              <a:rPr lang="zh-CN" altLang="en-US" smtClean="0"/>
+              <a:rPr lang="zh-CN" altLang="en-US"/>
               <a:t>单击此处编辑母版标题样式</a:t>
             </a:r>
-            <a:endParaRPr lang="zh-CN" altLang="en-US"/>
           </a:p>
         </p:txBody>
       </p:sp>
@@ -222,10 +232,9 @@
           </a:lstStyle>
           <a:p>
             <a:r>
-              <a:rPr lang="zh-CN" altLang="en-US" smtClean="0"/>
+              <a:rPr lang="zh-CN" altLang="en-US"/>
               <a:t>单击以编辑母版副标题样式</a:t>
             </a:r>
-            <a:endParaRPr lang="zh-CN" altLang="en-US"/>
           </a:p>
         </p:txBody>
       </p:sp>
@@ -246,7 +255,7 @@
           <a:p>
             <a:fld id="{5DB3B267-654E-4BAE-9027-1C49D2B9171B}" type="datetimeFigureOut">
               <a:rPr lang="zh-CN" altLang="en-US" smtClean="0"/>
-              <a:t>2019/2/2</a:t>
+              <a:t>2019/4/2</a:t>
             </a:fld>
             <a:endParaRPr lang="zh-CN" altLang="en-US"/>
           </a:p>
@@ -340,10 +349,9 @@
           <a:lstStyle/>
           <a:p>
             <a:r>
-              <a:rPr lang="zh-CN" altLang="en-US" smtClean="0"/>
+              <a:rPr lang="zh-CN" altLang="en-US"/>
               <a:t>单击此处编辑母版标题样式</a:t>
             </a:r>
-            <a:endParaRPr lang="zh-CN" altLang="en-US"/>
           </a:p>
         </p:txBody>
       </p:sp>
@@ -364,38 +372,37 @@
           <a:p>
             <a:pPr lvl="0"/>
             <a:r>
-              <a:rPr lang="zh-CN" altLang="en-US" smtClean="0"/>
+              <a:rPr lang="zh-CN" altLang="en-US"/>
               <a:t>编辑母版文本样式</a:t>
             </a:r>
           </a:p>
           <a:p>
             <a:pPr lvl="1"/>
             <a:r>
-              <a:rPr lang="zh-CN" altLang="en-US" smtClean="0"/>
+              <a:rPr lang="zh-CN" altLang="en-US"/>
               <a:t>第二级</a:t>
             </a:r>
           </a:p>
           <a:p>
             <a:pPr lvl="2"/>
             <a:r>
-              <a:rPr lang="zh-CN" altLang="en-US" smtClean="0"/>
+              <a:rPr lang="zh-CN" altLang="en-US"/>
               <a:t>第三级</a:t>
             </a:r>
           </a:p>
           <a:p>
             <a:pPr lvl="3"/>
             <a:r>
-              <a:rPr lang="zh-CN" altLang="en-US" smtClean="0"/>
+              <a:rPr lang="zh-CN" altLang="en-US"/>
               <a:t>第四级</a:t>
             </a:r>
           </a:p>
           <a:p>
             <a:pPr lvl="4"/>
             <a:r>
-              <a:rPr lang="zh-CN" altLang="en-US" smtClean="0"/>
+              <a:rPr lang="zh-CN" altLang="en-US"/>
               <a:t>第五级</a:t>
             </a:r>
-            <a:endParaRPr lang="zh-CN" altLang="en-US"/>
           </a:p>
         </p:txBody>
       </p:sp>
@@ -416,7 +423,7 @@
           <a:p>
             <a:fld id="{5DB3B267-654E-4BAE-9027-1C49D2B9171B}" type="datetimeFigureOut">
               <a:rPr lang="zh-CN" altLang="en-US" smtClean="0"/>
-              <a:t>2019/2/2</a:t>
+              <a:t>2019/4/2</a:t>
             </a:fld>
             <a:endParaRPr lang="zh-CN" altLang="en-US"/>
           </a:p>
@@ -515,10 +522,9 @@
           <a:lstStyle/>
           <a:p>
             <a:r>
-              <a:rPr lang="zh-CN" altLang="en-US" smtClean="0"/>
+              <a:rPr lang="zh-CN" altLang="en-US"/>
               <a:t>单击此处编辑母版标题样式</a:t>
             </a:r>
-            <a:endParaRPr lang="zh-CN" altLang="en-US"/>
           </a:p>
         </p:txBody>
       </p:sp>
@@ -544,38 +550,37 @@
           <a:p>
             <a:pPr lvl="0"/>
             <a:r>
-              <a:rPr lang="zh-CN" altLang="en-US" smtClean="0"/>
+              <a:rPr lang="zh-CN" altLang="en-US"/>
               <a:t>编辑母版文本样式</a:t>
             </a:r>
           </a:p>
           <a:p>
             <a:pPr lvl="1"/>
             <a:r>
-              <a:rPr lang="zh-CN" altLang="en-US" smtClean="0"/>
+              <a:rPr lang="zh-CN" altLang="en-US"/>
               <a:t>第二级</a:t>
             </a:r>
           </a:p>
           <a:p>
             <a:pPr lvl="2"/>
             <a:r>
-              <a:rPr lang="zh-CN" altLang="en-US" smtClean="0"/>
+              <a:rPr lang="zh-CN" altLang="en-US"/>
               <a:t>第三级</a:t>
             </a:r>
           </a:p>
           <a:p>
             <a:pPr lvl="3"/>
             <a:r>
-              <a:rPr lang="zh-CN" altLang="en-US" smtClean="0"/>
+              <a:rPr lang="zh-CN" altLang="en-US"/>
               <a:t>第四级</a:t>
             </a:r>
           </a:p>
           <a:p>
             <a:pPr lvl="4"/>
             <a:r>
-              <a:rPr lang="zh-CN" altLang="en-US" smtClean="0"/>
+              <a:rPr lang="zh-CN" altLang="en-US"/>
               <a:t>第五级</a:t>
             </a:r>
-            <a:endParaRPr lang="zh-CN" altLang="en-US"/>
           </a:p>
         </p:txBody>
       </p:sp>
@@ -596,7 +601,7 @@
           <a:p>
             <a:fld id="{5DB3B267-654E-4BAE-9027-1C49D2B9171B}" type="datetimeFigureOut">
               <a:rPr lang="zh-CN" altLang="en-US" smtClean="0"/>
-              <a:t>2019/2/2</a:t>
+              <a:t>2019/4/2</a:t>
             </a:fld>
             <a:endParaRPr lang="zh-CN" altLang="en-US"/>
           </a:p>
@@ -690,10 +695,9 @@
           <a:lstStyle/>
           <a:p>
             <a:r>
-              <a:rPr lang="zh-CN" altLang="en-US" smtClean="0"/>
+              <a:rPr lang="zh-CN" altLang="en-US"/>
               <a:t>单击此处编辑母版标题样式</a:t>
             </a:r>
-            <a:endParaRPr lang="zh-CN" altLang="en-US"/>
           </a:p>
         </p:txBody>
       </p:sp>
@@ -714,38 +718,37 @@
           <a:p>
             <a:pPr lvl="0"/>
             <a:r>
-              <a:rPr lang="zh-CN" altLang="en-US" smtClean="0"/>
+              <a:rPr lang="zh-CN" altLang="en-US"/>
               <a:t>编辑母版文本样式</a:t>
             </a:r>
           </a:p>
           <a:p>
             <a:pPr lvl="1"/>
             <a:r>
-              <a:rPr lang="zh-CN" altLang="en-US" smtClean="0"/>
+              <a:rPr lang="zh-CN" altLang="en-US"/>
               <a:t>第二级</a:t>
             </a:r>
           </a:p>
           <a:p>
             <a:pPr lvl="2"/>
             <a:r>
-              <a:rPr lang="zh-CN" altLang="en-US" smtClean="0"/>
+              <a:rPr lang="zh-CN" altLang="en-US"/>
               <a:t>第三级</a:t>
             </a:r>
           </a:p>
           <a:p>
             <a:pPr lvl="3"/>
             <a:r>
-              <a:rPr lang="zh-CN" altLang="en-US" smtClean="0"/>
+              <a:rPr lang="zh-CN" altLang="en-US"/>
               <a:t>第四级</a:t>
             </a:r>
           </a:p>
           <a:p>
             <a:pPr lvl="4"/>
             <a:r>
-              <a:rPr lang="zh-CN" altLang="en-US" smtClean="0"/>
+              <a:rPr lang="zh-CN" altLang="en-US"/>
               <a:t>第五级</a:t>
             </a:r>
-            <a:endParaRPr lang="zh-CN" altLang="en-US"/>
           </a:p>
         </p:txBody>
       </p:sp>
@@ -766,7 +769,7 @@
           <a:p>
             <a:fld id="{5DB3B267-654E-4BAE-9027-1C49D2B9171B}" type="datetimeFigureOut">
               <a:rPr lang="zh-CN" altLang="en-US" smtClean="0"/>
-              <a:t>2019/2/2</a:t>
+              <a:t>2019/4/2</a:t>
             </a:fld>
             <a:endParaRPr lang="zh-CN" altLang="en-US"/>
           </a:p>
@@ -869,10 +872,9 @@
           </a:lstStyle>
           <a:p>
             <a:r>
-              <a:rPr lang="zh-CN" altLang="en-US" smtClean="0"/>
+              <a:rPr lang="zh-CN" altLang="en-US"/>
               <a:t>单击此处编辑母版标题样式</a:t>
             </a:r>
-            <a:endParaRPr lang="zh-CN" altLang="en-US"/>
           </a:p>
         </p:txBody>
       </p:sp>
@@ -989,7 +991,7 @@
           <a:p>
             <a:pPr lvl="0"/>
             <a:r>
-              <a:rPr lang="zh-CN" altLang="en-US" smtClean="0"/>
+              <a:rPr lang="zh-CN" altLang="en-US"/>
               <a:t>编辑母版文本样式</a:t>
             </a:r>
           </a:p>
@@ -1012,7 +1014,7 @@
           <a:p>
             <a:fld id="{5DB3B267-654E-4BAE-9027-1C49D2B9171B}" type="datetimeFigureOut">
               <a:rPr lang="zh-CN" altLang="en-US" smtClean="0"/>
-              <a:t>2019/2/2</a:t>
+              <a:t>2019/4/2</a:t>
             </a:fld>
             <a:endParaRPr lang="zh-CN" altLang="en-US"/>
           </a:p>
@@ -1106,10 +1108,9 @@
           <a:lstStyle/>
           <a:p>
             <a:r>
-              <a:rPr lang="zh-CN" altLang="en-US" smtClean="0"/>
+              <a:rPr lang="zh-CN" altLang="en-US"/>
               <a:t>单击此处编辑母版标题样式</a:t>
             </a:r>
-            <a:endParaRPr lang="zh-CN" altLang="en-US"/>
           </a:p>
         </p:txBody>
       </p:sp>
@@ -1135,38 +1136,37 @@
           <a:p>
             <a:pPr lvl="0"/>
             <a:r>
-              <a:rPr lang="zh-CN" altLang="en-US" smtClean="0"/>
+              <a:rPr lang="zh-CN" altLang="en-US"/>
               <a:t>编辑母版文本样式</a:t>
             </a:r>
           </a:p>
           <a:p>
             <a:pPr lvl="1"/>
             <a:r>
-              <a:rPr lang="zh-CN" altLang="en-US" smtClean="0"/>
+              <a:rPr lang="zh-CN" altLang="en-US"/>
               <a:t>第二级</a:t>
             </a:r>
           </a:p>
           <a:p>
             <a:pPr lvl="2"/>
             <a:r>
-              <a:rPr lang="zh-CN" altLang="en-US" smtClean="0"/>
+              <a:rPr lang="zh-CN" altLang="en-US"/>
               <a:t>第三级</a:t>
             </a:r>
           </a:p>
           <a:p>
             <a:pPr lvl="3"/>
             <a:r>
-              <a:rPr lang="zh-CN" altLang="en-US" smtClean="0"/>
+              <a:rPr lang="zh-CN" altLang="en-US"/>
               <a:t>第四级</a:t>
             </a:r>
           </a:p>
           <a:p>
             <a:pPr lvl="4"/>
             <a:r>
-              <a:rPr lang="zh-CN" altLang="en-US" smtClean="0"/>
+              <a:rPr lang="zh-CN" altLang="en-US"/>
               <a:t>第五级</a:t>
             </a:r>
-            <a:endParaRPr lang="zh-CN" altLang="en-US"/>
           </a:p>
         </p:txBody>
       </p:sp>
@@ -1192,38 +1192,37 @@
           <a:p>
             <a:pPr lvl="0"/>
             <a:r>
-              <a:rPr lang="zh-CN" altLang="en-US" smtClean="0"/>
+              <a:rPr lang="zh-CN" altLang="en-US"/>
               <a:t>编辑母版文本样式</a:t>
             </a:r>
           </a:p>
           <a:p>
             <a:pPr lvl="1"/>
             <a:r>
-              <a:rPr lang="zh-CN" altLang="en-US" smtClean="0"/>
+              <a:rPr lang="zh-CN" altLang="en-US"/>
               <a:t>第二级</a:t>
             </a:r>
           </a:p>
           <a:p>
             <a:pPr lvl="2"/>
             <a:r>
-              <a:rPr lang="zh-CN" altLang="en-US" smtClean="0"/>
+              <a:rPr lang="zh-CN" altLang="en-US"/>
               <a:t>第三级</a:t>
             </a:r>
           </a:p>
           <a:p>
             <a:pPr lvl="3"/>
             <a:r>
-              <a:rPr lang="zh-CN" altLang="en-US" smtClean="0"/>
+              <a:rPr lang="zh-CN" altLang="en-US"/>
               <a:t>第四级</a:t>
             </a:r>
           </a:p>
           <a:p>
             <a:pPr lvl="4"/>
             <a:r>
-              <a:rPr lang="zh-CN" altLang="en-US" smtClean="0"/>
+              <a:rPr lang="zh-CN" altLang="en-US"/>
               <a:t>第五级</a:t>
             </a:r>
-            <a:endParaRPr lang="zh-CN" altLang="en-US"/>
           </a:p>
         </p:txBody>
       </p:sp>
@@ -1244,7 +1243,7 @@
           <a:p>
             <a:fld id="{5DB3B267-654E-4BAE-9027-1C49D2B9171B}" type="datetimeFigureOut">
               <a:rPr lang="zh-CN" altLang="en-US" smtClean="0"/>
-              <a:t>2019/2/2</a:t>
+              <a:t>2019/4/2</a:t>
             </a:fld>
             <a:endParaRPr lang="zh-CN" altLang="en-US"/>
           </a:p>
@@ -1343,10 +1342,9 @@
           <a:lstStyle/>
           <a:p>
             <a:r>
-              <a:rPr lang="zh-CN" altLang="en-US" smtClean="0"/>
+              <a:rPr lang="zh-CN" altLang="en-US"/>
               <a:t>单击此处编辑母版标题样式</a:t>
             </a:r>
-            <a:endParaRPr lang="zh-CN" altLang="en-US"/>
           </a:p>
         </p:txBody>
       </p:sp>
@@ -1409,7 +1407,7 @@
           <a:p>
             <a:pPr lvl="0"/>
             <a:r>
-              <a:rPr lang="zh-CN" altLang="en-US" smtClean="0"/>
+              <a:rPr lang="zh-CN" altLang="en-US"/>
               <a:t>编辑母版文本样式</a:t>
             </a:r>
           </a:p>
@@ -1437,38 +1435,37 @@
           <a:p>
             <a:pPr lvl="0"/>
             <a:r>
-              <a:rPr lang="zh-CN" altLang="en-US" smtClean="0"/>
+              <a:rPr lang="zh-CN" altLang="en-US"/>
               <a:t>编辑母版文本样式</a:t>
             </a:r>
           </a:p>
           <a:p>
             <a:pPr lvl="1"/>
             <a:r>
-              <a:rPr lang="zh-CN" altLang="en-US" smtClean="0"/>
+              <a:rPr lang="zh-CN" altLang="en-US"/>
               <a:t>第二级</a:t>
             </a:r>
           </a:p>
           <a:p>
             <a:pPr lvl="2"/>
             <a:r>
-              <a:rPr lang="zh-CN" altLang="en-US" smtClean="0"/>
+              <a:rPr lang="zh-CN" altLang="en-US"/>
               <a:t>第三级</a:t>
             </a:r>
           </a:p>
           <a:p>
             <a:pPr lvl="3"/>
             <a:r>
-              <a:rPr lang="zh-CN" altLang="en-US" smtClean="0"/>
+              <a:rPr lang="zh-CN" altLang="en-US"/>
               <a:t>第四级</a:t>
             </a:r>
           </a:p>
           <a:p>
             <a:pPr lvl="4"/>
             <a:r>
-              <a:rPr lang="zh-CN" altLang="en-US" smtClean="0"/>
+              <a:rPr lang="zh-CN" altLang="en-US"/>
               <a:t>第五级</a:t>
             </a:r>
-            <a:endParaRPr lang="zh-CN" altLang="en-US"/>
           </a:p>
         </p:txBody>
       </p:sp>
@@ -1531,7 +1528,7 @@
           <a:p>
             <a:pPr lvl="0"/>
             <a:r>
-              <a:rPr lang="zh-CN" altLang="en-US" smtClean="0"/>
+              <a:rPr lang="zh-CN" altLang="en-US"/>
               <a:t>编辑母版文本样式</a:t>
             </a:r>
           </a:p>
@@ -1559,38 +1556,37 @@
           <a:p>
             <a:pPr lvl="0"/>
             <a:r>
-              <a:rPr lang="zh-CN" altLang="en-US" smtClean="0"/>
+              <a:rPr lang="zh-CN" altLang="en-US"/>
               <a:t>编辑母版文本样式</a:t>
             </a:r>
           </a:p>
           <a:p>
             <a:pPr lvl="1"/>
             <a:r>
-              <a:rPr lang="zh-CN" altLang="en-US" smtClean="0"/>
+              <a:rPr lang="zh-CN" altLang="en-US"/>
               <a:t>第二级</a:t>
             </a:r>
           </a:p>
           <a:p>
             <a:pPr lvl="2"/>
             <a:r>
-              <a:rPr lang="zh-CN" altLang="en-US" smtClean="0"/>
+              <a:rPr lang="zh-CN" altLang="en-US"/>
               <a:t>第三级</a:t>
             </a:r>
           </a:p>
           <a:p>
             <a:pPr lvl="3"/>
             <a:r>
-              <a:rPr lang="zh-CN" altLang="en-US" smtClean="0"/>
+              <a:rPr lang="zh-CN" altLang="en-US"/>
               <a:t>第四级</a:t>
             </a:r>
           </a:p>
           <a:p>
             <a:pPr lvl="4"/>
             <a:r>
-              <a:rPr lang="zh-CN" altLang="en-US" smtClean="0"/>
+              <a:rPr lang="zh-CN" altLang="en-US"/>
               <a:t>第五级</a:t>
             </a:r>
-            <a:endParaRPr lang="zh-CN" altLang="en-US"/>
           </a:p>
         </p:txBody>
       </p:sp>
@@ -1611,7 +1607,7 @@
           <a:p>
             <a:fld id="{5DB3B267-654E-4BAE-9027-1C49D2B9171B}" type="datetimeFigureOut">
               <a:rPr lang="zh-CN" altLang="en-US" smtClean="0"/>
-              <a:t>2019/2/2</a:t>
+              <a:t>2019/4/2</a:t>
             </a:fld>
             <a:endParaRPr lang="zh-CN" altLang="en-US"/>
           </a:p>
@@ -1705,10 +1701,9 @@
           <a:lstStyle/>
           <a:p>
             <a:r>
-              <a:rPr lang="zh-CN" altLang="en-US" smtClean="0"/>
+              <a:rPr lang="zh-CN" altLang="en-US"/>
               <a:t>单击此处编辑母版标题样式</a:t>
             </a:r>
-            <a:endParaRPr lang="zh-CN" altLang="en-US"/>
           </a:p>
         </p:txBody>
       </p:sp>
@@ -1729,7 +1724,7 @@
           <a:p>
             <a:fld id="{5DB3B267-654E-4BAE-9027-1C49D2B9171B}" type="datetimeFigureOut">
               <a:rPr lang="zh-CN" altLang="en-US" smtClean="0"/>
-              <a:t>2019/2/2</a:t>
+              <a:t>2019/4/2</a:t>
             </a:fld>
             <a:endParaRPr lang="zh-CN" altLang="en-US"/>
           </a:p>
@@ -1824,7 +1819,7 @@
           <a:p>
             <a:fld id="{5DB3B267-654E-4BAE-9027-1C49D2B9171B}" type="datetimeFigureOut">
               <a:rPr lang="zh-CN" altLang="en-US" smtClean="0"/>
-              <a:t>2019/2/2</a:t>
+              <a:t>2019/4/2</a:t>
             </a:fld>
             <a:endParaRPr lang="zh-CN" altLang="en-US"/>
           </a:p>
@@ -1927,10 +1922,9 @@
           </a:lstStyle>
           <a:p>
             <a:r>
-              <a:rPr lang="zh-CN" altLang="en-US" smtClean="0"/>
+              <a:rPr lang="zh-CN" altLang="en-US"/>
               <a:t>单击此处编辑母版标题样式</a:t>
             </a:r>
-            <a:endParaRPr lang="zh-CN" altLang="en-US"/>
           </a:p>
         </p:txBody>
       </p:sp>
@@ -1984,38 +1978,37 @@
           <a:p>
             <a:pPr lvl="0"/>
             <a:r>
-              <a:rPr lang="zh-CN" altLang="en-US" smtClean="0"/>
+              <a:rPr lang="zh-CN" altLang="en-US"/>
               <a:t>编辑母版文本样式</a:t>
             </a:r>
           </a:p>
           <a:p>
             <a:pPr lvl="1"/>
             <a:r>
-              <a:rPr lang="zh-CN" altLang="en-US" smtClean="0"/>
+              <a:rPr lang="zh-CN" altLang="en-US"/>
               <a:t>第二级</a:t>
             </a:r>
           </a:p>
           <a:p>
             <a:pPr lvl="2"/>
             <a:r>
-              <a:rPr lang="zh-CN" altLang="en-US" smtClean="0"/>
+              <a:rPr lang="zh-CN" altLang="en-US"/>
               <a:t>第三级</a:t>
             </a:r>
           </a:p>
           <a:p>
             <a:pPr lvl="3"/>
             <a:r>
-              <a:rPr lang="zh-CN" altLang="en-US" smtClean="0"/>
+              <a:rPr lang="zh-CN" altLang="en-US"/>
               <a:t>第四级</a:t>
             </a:r>
           </a:p>
           <a:p>
             <a:pPr lvl="4"/>
             <a:r>
-              <a:rPr lang="zh-CN" altLang="en-US" smtClean="0"/>
+              <a:rPr lang="zh-CN" altLang="en-US"/>
               <a:t>第五级</a:t>
             </a:r>
-            <a:endParaRPr lang="zh-CN" altLang="en-US"/>
           </a:p>
         </p:txBody>
       </p:sp>
@@ -2078,7 +2071,7 @@
           <a:p>
             <a:pPr lvl="0"/>
             <a:r>
-              <a:rPr lang="zh-CN" altLang="en-US" smtClean="0"/>
+              <a:rPr lang="zh-CN" altLang="en-US"/>
               <a:t>编辑母版文本样式</a:t>
             </a:r>
           </a:p>
@@ -2101,7 +2094,7 @@
           <a:p>
             <a:fld id="{5DB3B267-654E-4BAE-9027-1C49D2B9171B}" type="datetimeFigureOut">
               <a:rPr lang="zh-CN" altLang="en-US" smtClean="0"/>
-              <a:t>2019/2/2</a:t>
+              <a:t>2019/4/2</a:t>
             </a:fld>
             <a:endParaRPr lang="zh-CN" altLang="en-US"/>
           </a:p>
@@ -2204,10 +2197,9 @@
           </a:lstStyle>
           <a:p>
             <a:r>
-              <a:rPr lang="zh-CN" altLang="en-US" smtClean="0"/>
+              <a:rPr lang="zh-CN" altLang="en-US"/>
               <a:t>单击此处编辑母版标题样式</a:t>
             </a:r>
-            <a:endParaRPr lang="zh-CN" altLang="en-US"/>
           </a:p>
         </p:txBody>
       </p:sp>
@@ -2331,7 +2323,7 @@
           <a:p>
             <a:pPr lvl="0"/>
             <a:r>
-              <a:rPr lang="zh-CN" altLang="en-US" smtClean="0"/>
+              <a:rPr lang="zh-CN" altLang="en-US"/>
               <a:t>编辑母版文本样式</a:t>
             </a:r>
           </a:p>
@@ -2354,7 +2346,7 @@
           <a:p>
             <a:fld id="{5DB3B267-654E-4BAE-9027-1C49D2B9171B}" type="datetimeFigureOut">
               <a:rPr lang="zh-CN" altLang="en-US" smtClean="0"/>
-              <a:t>2019/2/2</a:t>
+              <a:t>2019/4/2</a:t>
             </a:fld>
             <a:endParaRPr lang="zh-CN" altLang="en-US"/>
           </a:p>
@@ -2463,10 +2455,9 @@
           <a:lstStyle/>
           <a:p>
             <a:r>
-              <a:rPr lang="zh-CN" altLang="en-US" smtClean="0"/>
+              <a:rPr lang="zh-CN" altLang="en-US"/>
               <a:t>单击此处编辑母版标题样式</a:t>
             </a:r>
-            <a:endParaRPr lang="zh-CN" altLang="en-US"/>
           </a:p>
         </p:txBody>
       </p:sp>
@@ -2497,38 +2488,37 @@
           <a:p>
             <a:pPr lvl="0"/>
             <a:r>
-              <a:rPr lang="zh-CN" altLang="en-US" smtClean="0"/>
+              <a:rPr lang="zh-CN" altLang="en-US"/>
               <a:t>编辑母版文本样式</a:t>
             </a:r>
           </a:p>
           <a:p>
             <a:pPr lvl="1"/>
             <a:r>
-              <a:rPr lang="zh-CN" altLang="en-US" smtClean="0"/>
+              <a:rPr lang="zh-CN" altLang="en-US"/>
               <a:t>第二级</a:t>
             </a:r>
           </a:p>
           <a:p>
             <a:pPr lvl="2"/>
             <a:r>
-              <a:rPr lang="zh-CN" altLang="en-US" smtClean="0"/>
+              <a:rPr lang="zh-CN" altLang="en-US"/>
               <a:t>第三级</a:t>
             </a:r>
           </a:p>
           <a:p>
             <a:pPr lvl="3"/>
             <a:r>
-              <a:rPr lang="zh-CN" altLang="en-US" smtClean="0"/>
+              <a:rPr lang="zh-CN" altLang="en-US"/>
               <a:t>第四级</a:t>
             </a:r>
           </a:p>
           <a:p>
             <a:pPr lvl="4"/>
             <a:r>
-              <a:rPr lang="zh-CN" altLang="en-US" smtClean="0"/>
+              <a:rPr lang="zh-CN" altLang="en-US"/>
               <a:t>第五级</a:t>
             </a:r>
-            <a:endParaRPr lang="zh-CN" altLang="en-US"/>
           </a:p>
         </p:txBody>
       </p:sp>
@@ -2567,7 +2557,7 @@
           <a:p>
             <a:fld id="{5DB3B267-654E-4BAE-9027-1C49D2B9171B}" type="datetimeFigureOut">
               <a:rPr lang="zh-CN" altLang="en-US" smtClean="0"/>
-              <a:t>2019/2/2</a:t>
+              <a:t>2019/4/2</a:t>
             </a:fld>
             <a:endParaRPr lang="zh-CN" altLang="en-US"/>
           </a:p>
@@ -2972,560 +2962,831 @@
           <a:chExt cx="0" cy="0"/>
         </a:xfrm>
       </p:grpSpPr>
-      <p:pic>
-        <p:nvPicPr>
-          <p:cNvPr id="5" name="图片 4"/>
-          <p:cNvPicPr>
-            <a:picLocks noChangeAspect="1"/>
-          </p:cNvPicPr>
+      <p:grpSp>
+        <p:nvGrpSpPr>
+          <p:cNvPr id="4" name="组合 3">
+            <a:extLst>
+              <a:ext uri="{FF2B5EF4-FFF2-40B4-BE49-F238E27FC236}">
+                <a16:creationId xmlns:a16="http://schemas.microsoft.com/office/drawing/2014/main" id="{67DA57E5-9B3A-454A-A78C-EB1EABE0D73F}"/>
+              </a:ext>
+            </a:extLst>
+          </p:cNvPr>
+          <p:cNvGrpSpPr/>
           <p:nvPr/>
-        </p:nvPicPr>
-        <p:blipFill>
-          <a:blip r:embed="rId2"/>
-          <a:stretch>
-            <a:fillRect/>
-          </a:stretch>
-        </p:blipFill>
-        <p:spPr>
+        </p:nvGrpSpPr>
+        <p:grpSpPr>
           <a:xfrm>
-            <a:off x="2385770" y="2672715"/>
-            <a:ext cx="694394" cy="720000"/>
+            <a:off x="507620" y="2074121"/>
+            <a:ext cx="8887122" cy="1694211"/>
+            <a:chOff x="1562856" y="2073125"/>
+            <a:chExt cx="8887122" cy="1694211"/>
           </a:xfrm>
-          <a:prstGeom prst="rect">
-            <a:avLst/>
-          </a:prstGeom>
-        </p:spPr>
-      </p:pic>
-      <p:pic>
-        <p:nvPicPr>
-          <p:cNvPr id="6" name="图片 5"/>
-          <p:cNvPicPr>
-            <a:picLocks noChangeAspect="1"/>
-          </p:cNvPicPr>
-          <p:nvPr/>
-        </p:nvPicPr>
-        <p:blipFill>
-          <a:blip r:embed="rId3"/>
-          <a:stretch>
-            <a:fillRect/>
-          </a:stretch>
-        </p:blipFill>
-        <p:spPr>
-          <a:xfrm>
-            <a:off x="4548294" y="2672715"/>
-            <a:ext cx="734638" cy="720000"/>
-          </a:xfrm>
-          <a:prstGeom prst="rect">
-            <a:avLst/>
-          </a:prstGeom>
-        </p:spPr>
-      </p:pic>
-      <p:pic>
-        <p:nvPicPr>
-          <p:cNvPr id="7" name="图片 6"/>
-          <p:cNvPicPr>
-            <a:picLocks noChangeAspect="1"/>
-          </p:cNvPicPr>
-          <p:nvPr/>
-        </p:nvPicPr>
-        <p:blipFill>
-          <a:blip r:embed="rId4"/>
-          <a:stretch>
-            <a:fillRect/>
-          </a:stretch>
-        </p:blipFill>
-        <p:spPr>
-          <a:xfrm>
-            <a:off x="6821968" y="2672715"/>
-            <a:ext cx="668242" cy="720000"/>
-          </a:xfrm>
-          <a:prstGeom prst="rect">
-            <a:avLst/>
-          </a:prstGeom>
-        </p:spPr>
-      </p:pic>
-      <p:pic>
-        <p:nvPicPr>
-          <p:cNvPr id="8" name="图片 7"/>
-          <p:cNvPicPr>
-            <a:picLocks noChangeAspect="1"/>
-          </p:cNvPicPr>
-          <p:nvPr/>
-        </p:nvPicPr>
-        <p:blipFill>
-          <a:blip r:embed="rId5"/>
-          <a:stretch>
-            <a:fillRect/>
-          </a:stretch>
-        </p:blipFill>
-        <p:spPr>
-          <a:xfrm>
-            <a:off x="9109466" y="2672715"/>
-            <a:ext cx="706562" cy="720000"/>
-          </a:xfrm>
-          <a:prstGeom prst="rect">
-            <a:avLst/>
-          </a:prstGeom>
-        </p:spPr>
-      </p:pic>
-      <p:sp>
-        <p:nvSpPr>
-          <p:cNvPr id="9" name="文本框 8"/>
-          <p:cNvSpPr txBox="1"/>
-          <p:nvPr/>
-        </p:nvSpPr>
-        <p:spPr>
-          <a:xfrm>
-            <a:off x="1562856" y="3459559"/>
-            <a:ext cx="2340222" cy="276999"/>
-          </a:xfrm>
-          <a:prstGeom prst="rect">
-            <a:avLst/>
-          </a:prstGeom>
-          <a:noFill/>
-        </p:spPr>
-        <p:txBody>
-          <a:bodyPr wrap="square" rtlCol="0">
-            <a:spAutoFit/>
-          </a:bodyPr>
-          <a:lstStyle/>
-          <a:p>
-            <a:pPr algn="ctr"/>
-            <a:r>
-              <a:rPr lang="en-US" altLang="zh-CN" sz="1200" dirty="0" smtClean="0"/>
-              <a:t>Prepare source and target</a:t>
-            </a:r>
-            <a:endParaRPr lang="zh-CN" altLang="en-US" sz="1200" dirty="0"/>
-          </a:p>
-        </p:txBody>
-      </p:sp>
-      <p:sp>
-        <p:nvSpPr>
-          <p:cNvPr id="10" name="文本框 9"/>
-          <p:cNvSpPr txBox="1"/>
-          <p:nvPr/>
-        </p:nvSpPr>
-        <p:spPr>
-          <a:xfrm>
-            <a:off x="3928382" y="3459559"/>
-            <a:ext cx="1974462" cy="276999"/>
-          </a:xfrm>
-          <a:prstGeom prst="rect">
-            <a:avLst/>
-          </a:prstGeom>
-          <a:noFill/>
-        </p:spPr>
-        <p:txBody>
-          <a:bodyPr wrap="square" rtlCol="0">
-            <a:spAutoFit/>
-          </a:bodyPr>
-          <a:lstStyle/>
-          <a:p>
-            <a:pPr algn="ctr"/>
-            <a:r>
-              <a:rPr lang="en-US" altLang="zh-CN" sz="1200" dirty="0" smtClean="0"/>
-              <a:t>Synchronize data</a:t>
-            </a:r>
-            <a:endParaRPr lang="zh-CN" altLang="en-US" sz="1200" dirty="0"/>
-          </a:p>
-        </p:txBody>
-      </p:sp>
-      <p:sp>
-        <p:nvSpPr>
-          <p:cNvPr id="11" name="文本框 10"/>
-          <p:cNvSpPr txBox="1"/>
-          <p:nvPr/>
-        </p:nvSpPr>
-        <p:spPr>
-          <a:xfrm>
-            <a:off x="6168858" y="3459559"/>
-            <a:ext cx="1974462" cy="276999"/>
-          </a:xfrm>
-          <a:prstGeom prst="rect">
-            <a:avLst/>
-          </a:prstGeom>
-          <a:noFill/>
-        </p:spPr>
-        <p:txBody>
-          <a:bodyPr wrap="square" rtlCol="0">
-            <a:spAutoFit/>
-          </a:bodyPr>
-          <a:lstStyle/>
-          <a:p>
-            <a:pPr algn="ctr"/>
-            <a:r>
-              <a:rPr lang="en-US" altLang="zh-CN" sz="1200" dirty="0" smtClean="0"/>
-              <a:t>Process data</a:t>
-            </a:r>
-            <a:endParaRPr lang="zh-CN" altLang="en-US" sz="1200" dirty="0"/>
-          </a:p>
-        </p:txBody>
-      </p:sp>
-      <p:sp>
-        <p:nvSpPr>
-          <p:cNvPr id="12" name="文本框 11"/>
-          <p:cNvSpPr txBox="1"/>
-          <p:nvPr/>
-        </p:nvSpPr>
-        <p:spPr>
-          <a:xfrm>
-            <a:off x="8475516" y="3459559"/>
-            <a:ext cx="1974462" cy="276999"/>
-          </a:xfrm>
-          <a:prstGeom prst="rect">
-            <a:avLst/>
-          </a:prstGeom>
-          <a:noFill/>
-        </p:spPr>
-        <p:txBody>
-          <a:bodyPr wrap="square" rtlCol="0">
-            <a:spAutoFit/>
-          </a:bodyPr>
-          <a:lstStyle/>
-          <a:p>
-            <a:pPr algn="ctr"/>
-            <a:r>
-              <a:rPr lang="en-US" altLang="zh-CN" sz="1200" dirty="0" smtClean="0"/>
-              <a:t>Explore data</a:t>
-            </a:r>
-            <a:endParaRPr lang="zh-CN" altLang="en-US" sz="1200" dirty="0"/>
-          </a:p>
-        </p:txBody>
-      </p:sp>
-      <p:sp>
-        <p:nvSpPr>
-          <p:cNvPr id="13" name="椭圆 12"/>
-          <p:cNvSpPr/>
-          <p:nvPr/>
-        </p:nvSpPr>
-        <p:spPr>
-          <a:xfrm>
-            <a:off x="2515991" y="2131017"/>
-            <a:ext cx="433952" cy="433952"/>
-          </a:xfrm>
-          <a:prstGeom prst="ellipse">
-            <a:avLst/>
-          </a:prstGeom>
-          <a:ln/>
-        </p:spPr>
-        <p:style>
-          <a:lnRef idx="0">
-            <a:schemeClr val="accent5"/>
-          </a:lnRef>
-          <a:fillRef idx="3">
-            <a:schemeClr val="accent5"/>
-          </a:fillRef>
-          <a:effectRef idx="3">
-            <a:schemeClr val="accent5"/>
-          </a:effectRef>
-          <a:fontRef idx="minor">
-            <a:schemeClr val="lt1"/>
-          </a:fontRef>
-        </p:style>
-        <p:txBody>
-          <a:bodyPr rtlCol="0" anchor="ctr"/>
-          <a:lstStyle/>
-          <a:p>
-            <a:pPr algn="ctr"/>
-            <a:r>
-              <a:rPr lang="en-US" altLang="zh-CN" dirty="0" smtClean="0">
-                <a:latin typeface="Arial" panose="020B0604020202020204" pitchFamily="34" charset="0"/>
-                <a:cs typeface="Arial" panose="020B0604020202020204" pitchFamily="34" charset="0"/>
-              </a:rPr>
-              <a:t>1</a:t>
-            </a:r>
-            <a:endParaRPr lang="zh-CN" altLang="en-US" dirty="0">
-              <a:latin typeface="Arial" panose="020B0604020202020204" pitchFamily="34" charset="0"/>
-              <a:cs typeface="Arial" panose="020B0604020202020204" pitchFamily="34" charset="0"/>
-            </a:endParaRPr>
-          </a:p>
-        </p:txBody>
-      </p:sp>
-      <p:sp>
-        <p:nvSpPr>
-          <p:cNvPr id="14" name="椭圆 13"/>
-          <p:cNvSpPr/>
-          <p:nvPr/>
-        </p:nvSpPr>
-        <p:spPr>
-          <a:xfrm>
-            <a:off x="4698637" y="2131017"/>
-            <a:ext cx="433952" cy="433952"/>
-          </a:xfrm>
-          <a:prstGeom prst="ellipse">
-            <a:avLst/>
-          </a:prstGeom>
-          <a:ln/>
-        </p:spPr>
-        <p:style>
-          <a:lnRef idx="0">
-            <a:schemeClr val="accent5"/>
-          </a:lnRef>
-          <a:fillRef idx="3">
-            <a:schemeClr val="accent5"/>
-          </a:fillRef>
-          <a:effectRef idx="3">
-            <a:schemeClr val="accent5"/>
-          </a:effectRef>
-          <a:fontRef idx="minor">
-            <a:schemeClr val="lt1"/>
-          </a:fontRef>
-        </p:style>
-        <p:txBody>
-          <a:bodyPr rtlCol="0" anchor="ctr"/>
-          <a:lstStyle/>
-          <a:p>
-            <a:pPr algn="ctr"/>
-            <a:r>
-              <a:rPr lang="en-US" altLang="zh-CN" dirty="0">
-                <a:latin typeface="Arial" panose="020B0604020202020204" pitchFamily="34" charset="0"/>
-                <a:cs typeface="Arial" panose="020B0604020202020204" pitchFamily="34" charset="0"/>
-              </a:rPr>
-              <a:t>2</a:t>
-            </a:r>
-            <a:endParaRPr lang="zh-CN" altLang="en-US" dirty="0">
-              <a:latin typeface="Arial" panose="020B0604020202020204" pitchFamily="34" charset="0"/>
-              <a:cs typeface="Arial" panose="020B0604020202020204" pitchFamily="34" charset="0"/>
-            </a:endParaRPr>
-          </a:p>
-        </p:txBody>
-      </p:sp>
-      <p:sp>
-        <p:nvSpPr>
-          <p:cNvPr id="15" name="椭圆 14"/>
-          <p:cNvSpPr/>
-          <p:nvPr/>
-        </p:nvSpPr>
-        <p:spPr>
-          <a:xfrm>
-            <a:off x="6939113" y="2131017"/>
-            <a:ext cx="433952" cy="433952"/>
-          </a:xfrm>
-          <a:prstGeom prst="ellipse">
-            <a:avLst/>
-          </a:prstGeom>
-          <a:ln/>
-        </p:spPr>
-        <p:style>
-          <a:lnRef idx="0">
-            <a:schemeClr val="accent5"/>
-          </a:lnRef>
-          <a:fillRef idx="3">
-            <a:schemeClr val="accent5"/>
-          </a:fillRef>
-          <a:effectRef idx="3">
-            <a:schemeClr val="accent5"/>
-          </a:effectRef>
-          <a:fontRef idx="minor">
-            <a:schemeClr val="lt1"/>
-          </a:fontRef>
-        </p:style>
-        <p:txBody>
-          <a:bodyPr rtlCol="0" anchor="ctr"/>
-          <a:lstStyle/>
-          <a:p>
-            <a:pPr algn="ctr"/>
-            <a:r>
-              <a:rPr lang="en-US" altLang="zh-CN" dirty="0" smtClean="0">
-                <a:latin typeface="Arial" panose="020B0604020202020204" pitchFamily="34" charset="0"/>
-                <a:cs typeface="Arial" panose="020B0604020202020204" pitchFamily="34" charset="0"/>
-              </a:rPr>
-              <a:t>3</a:t>
-            </a:r>
-            <a:endParaRPr lang="zh-CN" altLang="en-US" dirty="0">
-              <a:latin typeface="Arial" panose="020B0604020202020204" pitchFamily="34" charset="0"/>
-              <a:cs typeface="Arial" panose="020B0604020202020204" pitchFamily="34" charset="0"/>
-            </a:endParaRPr>
-          </a:p>
-        </p:txBody>
-      </p:sp>
-      <p:sp>
-        <p:nvSpPr>
-          <p:cNvPr id="16" name="椭圆 15"/>
-          <p:cNvSpPr/>
-          <p:nvPr/>
-        </p:nvSpPr>
-        <p:spPr>
-          <a:xfrm>
-            <a:off x="9245771" y="2131017"/>
-            <a:ext cx="433952" cy="433952"/>
-          </a:xfrm>
-          <a:prstGeom prst="ellipse">
-            <a:avLst/>
-          </a:prstGeom>
-          <a:ln/>
-        </p:spPr>
-        <p:style>
-          <a:lnRef idx="0">
-            <a:schemeClr val="accent5"/>
-          </a:lnRef>
-          <a:fillRef idx="3">
-            <a:schemeClr val="accent5"/>
-          </a:fillRef>
-          <a:effectRef idx="3">
-            <a:schemeClr val="accent5"/>
-          </a:effectRef>
-          <a:fontRef idx="minor">
-            <a:schemeClr val="lt1"/>
-          </a:fontRef>
-        </p:style>
-        <p:txBody>
-          <a:bodyPr rtlCol="0" anchor="ctr"/>
-          <a:lstStyle/>
-          <a:p>
-            <a:pPr algn="ctr"/>
-            <a:r>
-              <a:rPr lang="en-US" altLang="zh-CN" dirty="0" smtClean="0">
-                <a:latin typeface="Arial" panose="020B0604020202020204" pitchFamily="34" charset="0"/>
-                <a:cs typeface="Arial" panose="020B0604020202020204" pitchFamily="34" charset="0"/>
-              </a:rPr>
-              <a:t>4</a:t>
-            </a:r>
-            <a:endParaRPr lang="zh-CN" altLang="en-US" dirty="0">
-              <a:latin typeface="Arial" panose="020B0604020202020204" pitchFamily="34" charset="0"/>
-              <a:cs typeface="Arial" panose="020B0604020202020204" pitchFamily="34" charset="0"/>
-            </a:endParaRPr>
-          </a:p>
-        </p:txBody>
-      </p:sp>
-      <p:sp>
-        <p:nvSpPr>
-          <p:cNvPr id="17" name="右箭头 16"/>
-          <p:cNvSpPr/>
-          <p:nvPr/>
-        </p:nvSpPr>
-        <p:spPr>
-          <a:xfrm>
-            <a:off x="3680847" y="2836189"/>
-            <a:ext cx="247536" cy="379709"/>
-          </a:xfrm>
-          <a:prstGeom prst="rightArrow">
-            <a:avLst/>
-          </a:prstGeom>
-          <a:solidFill>
-            <a:schemeClr val="accent3">
-              <a:alpha val="50000"/>
-            </a:schemeClr>
-          </a:solidFill>
-          <a:ln>
+        </p:grpSpPr>
+        <p:pic>
+          <p:nvPicPr>
+            <p:cNvPr id="5" name="图片 4"/>
+            <p:cNvPicPr>
+              <a:picLocks noChangeAspect="1"/>
+            </p:cNvPicPr>
+            <p:nvPr/>
+          </p:nvPicPr>
+          <p:blipFill>
+            <a:blip r:embed="rId2"/>
+            <a:stretch>
+              <a:fillRect/>
+            </a:stretch>
+          </p:blipFill>
+          <p:spPr>
+            <a:xfrm>
+              <a:off x="2385770" y="2672715"/>
+              <a:ext cx="694394" cy="720000"/>
+            </a:xfrm>
+            <a:prstGeom prst="rect">
+              <a:avLst/>
+            </a:prstGeom>
+          </p:spPr>
+        </p:pic>
+        <p:pic>
+          <p:nvPicPr>
+            <p:cNvPr id="6" name="图片 5"/>
+            <p:cNvPicPr>
+              <a:picLocks noChangeAspect="1"/>
+            </p:cNvPicPr>
+            <p:nvPr/>
+          </p:nvPicPr>
+          <p:blipFill>
+            <a:blip r:embed="rId3"/>
+            <a:stretch>
+              <a:fillRect/>
+            </a:stretch>
+          </p:blipFill>
+          <p:spPr>
+            <a:xfrm>
+              <a:off x="4548294" y="2672715"/>
+              <a:ext cx="734638" cy="720000"/>
+            </a:xfrm>
+            <a:prstGeom prst="rect">
+              <a:avLst/>
+            </a:prstGeom>
+          </p:spPr>
+        </p:pic>
+        <p:pic>
+          <p:nvPicPr>
+            <p:cNvPr id="7" name="图片 6"/>
+            <p:cNvPicPr>
+              <a:picLocks noChangeAspect="1"/>
+            </p:cNvPicPr>
+            <p:nvPr/>
+          </p:nvPicPr>
+          <p:blipFill>
+            <a:blip r:embed="rId4"/>
+            <a:stretch>
+              <a:fillRect/>
+            </a:stretch>
+          </p:blipFill>
+          <p:spPr>
+            <a:xfrm>
+              <a:off x="6821968" y="2672715"/>
+              <a:ext cx="668242" cy="720000"/>
+            </a:xfrm>
+            <a:prstGeom prst="rect">
+              <a:avLst/>
+            </a:prstGeom>
+          </p:spPr>
+        </p:pic>
+        <p:pic>
+          <p:nvPicPr>
+            <p:cNvPr id="8" name="图片 7"/>
+            <p:cNvPicPr>
+              <a:picLocks noChangeAspect="1"/>
+            </p:cNvPicPr>
+            <p:nvPr/>
+          </p:nvPicPr>
+          <p:blipFill>
+            <a:blip r:embed="rId5"/>
+            <a:stretch>
+              <a:fillRect/>
+            </a:stretch>
+          </p:blipFill>
+          <p:spPr>
+            <a:xfrm>
+              <a:off x="9109466" y="2672715"/>
+              <a:ext cx="706562" cy="720000"/>
+            </a:xfrm>
+            <a:prstGeom prst="rect">
+              <a:avLst/>
+            </a:prstGeom>
+          </p:spPr>
+        </p:pic>
+        <p:sp>
+          <p:nvSpPr>
+            <p:cNvPr id="9" name="文本框 8"/>
+            <p:cNvSpPr txBox="1"/>
+            <p:nvPr/>
+          </p:nvSpPr>
+          <p:spPr>
+            <a:xfrm>
+              <a:off x="1562856" y="3459559"/>
+              <a:ext cx="2340222" cy="307777"/>
+            </a:xfrm>
+            <a:prstGeom prst="rect">
+              <a:avLst/>
+            </a:prstGeom>
             <a:noFill/>
-          </a:ln>
-        </p:spPr>
-        <p:style>
-          <a:lnRef idx="0">
-            <a:scrgbClr r="0" g="0" b="0"/>
-          </a:lnRef>
-          <a:fillRef idx="0">
-            <a:scrgbClr r="0" g="0" b="0"/>
-          </a:fillRef>
-          <a:effectRef idx="0">
-            <a:scrgbClr r="0" g="0" b="0"/>
-          </a:effectRef>
-          <a:fontRef idx="minor">
-            <a:schemeClr val="lt1"/>
-          </a:fontRef>
-        </p:style>
-        <p:txBody>
-          <a:bodyPr rtlCol="0" anchor="ctr"/>
-          <a:lstStyle/>
-          <a:p>
-            <a:pPr algn="ctr"/>
-            <a:endParaRPr lang="zh-CN" altLang="en-US"/>
-          </a:p>
-        </p:txBody>
-      </p:sp>
-      <p:sp>
-        <p:nvSpPr>
-          <p:cNvPr id="18" name="右箭头 17"/>
-          <p:cNvSpPr/>
-          <p:nvPr/>
-        </p:nvSpPr>
-        <p:spPr>
-          <a:xfrm>
-            <a:off x="5921322" y="2856574"/>
-            <a:ext cx="247536" cy="379709"/>
-          </a:xfrm>
-          <a:prstGeom prst="rightArrow">
-            <a:avLst/>
-          </a:prstGeom>
-          <a:solidFill>
-            <a:schemeClr val="accent3">
-              <a:alpha val="50000"/>
-            </a:schemeClr>
-          </a:solidFill>
-          <a:ln>
+          </p:spPr>
+          <p:txBody>
+            <a:bodyPr wrap="square" rtlCol="0">
+              <a:spAutoFit/>
+            </a:bodyPr>
+            <a:lstStyle/>
+            <a:p>
+              <a:pPr algn="ctr"/>
+              <a:r>
+                <a:rPr lang="en-US" altLang="zh-CN" sz="1400" dirty="0">
+                  <a:solidFill>
+                    <a:srgbClr val="383B55"/>
+                  </a:solidFill>
+                  <a:latin typeface="Helvetica" pitchFamily="2" charset="0"/>
+                </a:rPr>
+                <a:t>Prepare source and target</a:t>
+              </a:r>
+              <a:endParaRPr lang="zh-CN" altLang="en-US" sz="1400" dirty="0">
+                <a:solidFill>
+                  <a:srgbClr val="383B55"/>
+                </a:solidFill>
+                <a:latin typeface="Helvetica" pitchFamily="2" charset="0"/>
+              </a:endParaRPr>
+            </a:p>
+          </p:txBody>
+        </p:sp>
+        <p:sp>
+          <p:nvSpPr>
+            <p:cNvPr id="10" name="文本框 9"/>
+            <p:cNvSpPr txBox="1"/>
+            <p:nvPr/>
+          </p:nvSpPr>
+          <p:spPr>
+            <a:xfrm>
+              <a:off x="3928382" y="3459559"/>
+              <a:ext cx="1974462" cy="307777"/>
+            </a:xfrm>
+            <a:prstGeom prst="rect">
+              <a:avLst/>
+            </a:prstGeom>
             <a:noFill/>
-          </a:ln>
-        </p:spPr>
-        <p:style>
-          <a:lnRef idx="0">
-            <a:scrgbClr r="0" g="0" b="0"/>
-          </a:lnRef>
-          <a:fillRef idx="0">
-            <a:scrgbClr r="0" g="0" b="0"/>
-          </a:fillRef>
-          <a:effectRef idx="0">
-            <a:scrgbClr r="0" g="0" b="0"/>
-          </a:effectRef>
-          <a:fontRef idx="minor">
-            <a:schemeClr val="lt1"/>
-          </a:fontRef>
-        </p:style>
-        <p:txBody>
-          <a:bodyPr rtlCol="0" anchor="ctr"/>
-          <a:lstStyle/>
-          <a:p>
-            <a:pPr algn="ctr"/>
-            <a:endParaRPr lang="zh-CN" altLang="en-US"/>
-          </a:p>
-        </p:txBody>
-      </p:sp>
-      <p:sp>
-        <p:nvSpPr>
-          <p:cNvPr id="19" name="右箭头 18"/>
-          <p:cNvSpPr/>
-          <p:nvPr/>
-        </p:nvSpPr>
-        <p:spPr>
-          <a:xfrm>
-            <a:off x="8238197" y="2856574"/>
-            <a:ext cx="247536" cy="379709"/>
-          </a:xfrm>
-          <a:prstGeom prst="rightArrow">
-            <a:avLst/>
-          </a:prstGeom>
-          <a:solidFill>
-            <a:schemeClr val="accent3">
-              <a:alpha val="50000"/>
-            </a:schemeClr>
-          </a:solidFill>
-          <a:ln>
+          </p:spPr>
+          <p:txBody>
+            <a:bodyPr wrap="square" rtlCol="0">
+              <a:spAutoFit/>
+            </a:bodyPr>
+            <a:lstStyle/>
+            <a:p>
+              <a:pPr algn="ctr"/>
+              <a:r>
+                <a:rPr lang="en-US" altLang="zh-CN" sz="1400" dirty="0">
+                  <a:solidFill>
+                    <a:srgbClr val="383B55"/>
+                  </a:solidFill>
+                  <a:latin typeface="Helvetica" pitchFamily="2" charset="0"/>
+                </a:rPr>
+                <a:t>Synchronize data</a:t>
+              </a:r>
+              <a:endParaRPr lang="zh-CN" altLang="en-US" sz="1400" dirty="0">
+                <a:solidFill>
+                  <a:srgbClr val="383B55"/>
+                </a:solidFill>
+                <a:latin typeface="Helvetica" pitchFamily="2" charset="0"/>
+              </a:endParaRPr>
+            </a:p>
+          </p:txBody>
+        </p:sp>
+        <p:sp>
+          <p:nvSpPr>
+            <p:cNvPr id="11" name="文本框 10"/>
+            <p:cNvSpPr txBox="1"/>
+            <p:nvPr/>
+          </p:nvSpPr>
+          <p:spPr>
+            <a:xfrm>
+              <a:off x="6168858" y="3459559"/>
+              <a:ext cx="1974462" cy="307777"/>
+            </a:xfrm>
+            <a:prstGeom prst="rect">
+              <a:avLst/>
+            </a:prstGeom>
             <a:noFill/>
-          </a:ln>
-        </p:spPr>
-        <p:style>
-          <a:lnRef idx="0">
-            <a:scrgbClr r="0" g="0" b="0"/>
-          </a:lnRef>
-          <a:fillRef idx="0">
-            <a:scrgbClr r="0" g="0" b="0"/>
-          </a:fillRef>
-          <a:effectRef idx="0">
-            <a:scrgbClr r="0" g="0" b="0"/>
-          </a:effectRef>
-          <a:fontRef idx="minor">
-            <a:schemeClr val="lt1"/>
-          </a:fontRef>
-        </p:style>
-        <p:txBody>
-          <a:bodyPr rtlCol="0" anchor="ctr"/>
-          <a:lstStyle/>
-          <a:p>
-            <a:pPr algn="ctr"/>
-            <a:endParaRPr lang="zh-CN" altLang="en-US"/>
-          </a:p>
-        </p:txBody>
-      </p:sp>
+          </p:spPr>
+          <p:txBody>
+            <a:bodyPr wrap="square" rtlCol="0">
+              <a:spAutoFit/>
+            </a:bodyPr>
+            <a:lstStyle/>
+            <a:p>
+              <a:pPr algn="ctr"/>
+              <a:r>
+                <a:rPr lang="en-US" altLang="zh-CN" sz="1400" dirty="0">
+                  <a:solidFill>
+                    <a:srgbClr val="383B55"/>
+                  </a:solidFill>
+                  <a:latin typeface="Helvetica" pitchFamily="2" charset="0"/>
+                </a:rPr>
+                <a:t>Process data</a:t>
+              </a:r>
+              <a:endParaRPr lang="zh-CN" altLang="en-US" sz="1400" dirty="0">
+                <a:solidFill>
+                  <a:srgbClr val="383B55"/>
+                </a:solidFill>
+                <a:latin typeface="Helvetica" pitchFamily="2" charset="0"/>
+              </a:endParaRPr>
+            </a:p>
+          </p:txBody>
+        </p:sp>
+        <p:sp>
+          <p:nvSpPr>
+            <p:cNvPr id="12" name="文本框 11"/>
+            <p:cNvSpPr txBox="1"/>
+            <p:nvPr/>
+          </p:nvSpPr>
+          <p:spPr>
+            <a:xfrm>
+              <a:off x="8475516" y="3459559"/>
+              <a:ext cx="1974462" cy="307777"/>
+            </a:xfrm>
+            <a:prstGeom prst="rect">
+              <a:avLst/>
+            </a:prstGeom>
+            <a:noFill/>
+          </p:spPr>
+          <p:txBody>
+            <a:bodyPr wrap="square" rtlCol="0">
+              <a:spAutoFit/>
+            </a:bodyPr>
+            <a:lstStyle/>
+            <a:p>
+              <a:pPr algn="ctr"/>
+              <a:r>
+                <a:rPr lang="en-US" altLang="zh-CN" sz="1400" dirty="0">
+                  <a:solidFill>
+                    <a:srgbClr val="383B55"/>
+                  </a:solidFill>
+                  <a:latin typeface="Helvetica" pitchFamily="2" charset="0"/>
+                </a:rPr>
+                <a:t>Explore data</a:t>
+              </a:r>
+              <a:endParaRPr lang="zh-CN" altLang="en-US" sz="1400" dirty="0">
+                <a:solidFill>
+                  <a:srgbClr val="383B55"/>
+                </a:solidFill>
+                <a:latin typeface="Helvetica" pitchFamily="2" charset="0"/>
+              </a:endParaRPr>
+            </a:p>
+          </p:txBody>
+        </p:sp>
+        <p:sp>
+          <p:nvSpPr>
+            <p:cNvPr id="17" name="右箭头 16"/>
+            <p:cNvSpPr/>
+            <p:nvPr/>
+          </p:nvSpPr>
+          <p:spPr>
+            <a:xfrm>
+              <a:off x="3680847" y="2836189"/>
+              <a:ext cx="247536" cy="379709"/>
+            </a:xfrm>
+            <a:prstGeom prst="rightArrow">
+              <a:avLst/>
+            </a:prstGeom>
+            <a:solidFill>
+              <a:srgbClr val="A2A5BC"/>
+            </a:solidFill>
+            <a:ln>
+              <a:noFill/>
+            </a:ln>
+          </p:spPr>
+          <p:style>
+            <a:lnRef idx="0">
+              <a:scrgbClr r="0" g="0" b="0"/>
+            </a:lnRef>
+            <a:fillRef idx="0">
+              <a:scrgbClr r="0" g="0" b="0"/>
+            </a:fillRef>
+            <a:effectRef idx="0">
+              <a:scrgbClr r="0" g="0" b="0"/>
+            </a:effectRef>
+            <a:fontRef idx="minor">
+              <a:schemeClr val="lt1"/>
+            </a:fontRef>
+          </p:style>
+          <p:txBody>
+            <a:bodyPr rtlCol="0" anchor="ctr"/>
+            <a:lstStyle/>
+            <a:p>
+              <a:pPr algn="ctr"/>
+              <a:endParaRPr lang="zh-CN" altLang="en-US"/>
+            </a:p>
+          </p:txBody>
+        </p:sp>
+        <p:sp>
+          <p:nvSpPr>
+            <p:cNvPr id="18" name="右箭头 17"/>
+            <p:cNvSpPr/>
+            <p:nvPr/>
+          </p:nvSpPr>
+          <p:spPr>
+            <a:xfrm>
+              <a:off x="5921322" y="2856574"/>
+              <a:ext cx="247536" cy="379709"/>
+            </a:xfrm>
+            <a:prstGeom prst="rightArrow">
+              <a:avLst/>
+            </a:prstGeom>
+            <a:solidFill>
+              <a:srgbClr val="A2A5BC"/>
+            </a:solidFill>
+            <a:ln>
+              <a:noFill/>
+            </a:ln>
+          </p:spPr>
+          <p:style>
+            <a:lnRef idx="0">
+              <a:scrgbClr r="0" g="0" b="0"/>
+            </a:lnRef>
+            <a:fillRef idx="0">
+              <a:scrgbClr r="0" g="0" b="0"/>
+            </a:fillRef>
+            <a:effectRef idx="0">
+              <a:scrgbClr r="0" g="0" b="0"/>
+            </a:effectRef>
+            <a:fontRef idx="minor">
+              <a:schemeClr val="lt1"/>
+            </a:fontRef>
+          </p:style>
+          <p:txBody>
+            <a:bodyPr rtlCol="0" anchor="ctr"/>
+            <a:lstStyle/>
+            <a:p>
+              <a:pPr algn="ctr"/>
+              <a:endParaRPr lang="zh-CN" altLang="en-US"/>
+            </a:p>
+          </p:txBody>
+        </p:sp>
+        <p:sp>
+          <p:nvSpPr>
+            <p:cNvPr id="19" name="右箭头 18"/>
+            <p:cNvSpPr/>
+            <p:nvPr/>
+          </p:nvSpPr>
+          <p:spPr>
+            <a:xfrm>
+              <a:off x="8238197" y="2856574"/>
+              <a:ext cx="247536" cy="379709"/>
+            </a:xfrm>
+            <a:prstGeom prst="rightArrow">
+              <a:avLst/>
+            </a:prstGeom>
+            <a:solidFill>
+              <a:srgbClr val="A2A5BC"/>
+            </a:solidFill>
+            <a:ln>
+              <a:noFill/>
+            </a:ln>
+          </p:spPr>
+          <p:style>
+            <a:lnRef idx="0">
+              <a:scrgbClr r="0" g="0" b="0"/>
+            </a:lnRef>
+            <a:fillRef idx="0">
+              <a:scrgbClr r="0" g="0" b="0"/>
+            </a:fillRef>
+            <a:effectRef idx="0">
+              <a:scrgbClr r="0" g="0" b="0"/>
+            </a:effectRef>
+            <a:fontRef idx="minor">
+              <a:schemeClr val="lt1"/>
+            </a:fontRef>
+          </p:style>
+          <p:txBody>
+            <a:bodyPr rtlCol="0" anchor="ctr"/>
+            <a:lstStyle/>
+            <a:p>
+              <a:pPr algn="ctr"/>
+              <a:endParaRPr lang="zh-CN" altLang="en-US"/>
+            </a:p>
+          </p:txBody>
+        </p:sp>
+        <p:grpSp>
+          <p:nvGrpSpPr>
+            <p:cNvPr id="2" name="组合 1">
+              <a:extLst>
+                <a:ext uri="{FF2B5EF4-FFF2-40B4-BE49-F238E27FC236}">
+                  <a16:creationId xmlns:a16="http://schemas.microsoft.com/office/drawing/2014/main" id="{3009A71C-D136-1947-8DB4-565D2F263FBC}"/>
+                </a:ext>
+              </a:extLst>
+            </p:cNvPr>
+            <p:cNvGrpSpPr/>
+            <p:nvPr/>
+          </p:nvGrpSpPr>
+          <p:grpSpPr>
+            <a:xfrm>
+              <a:off x="2534346" y="2073125"/>
+              <a:ext cx="397241" cy="436185"/>
+              <a:chOff x="2042114" y="618732"/>
+              <a:chExt cx="397241" cy="436185"/>
+            </a:xfrm>
+          </p:grpSpPr>
+          <p:pic>
+            <p:nvPicPr>
+              <p:cNvPr id="65" name="图形 64">
+                <a:extLst>
+                  <a:ext uri="{FF2B5EF4-FFF2-40B4-BE49-F238E27FC236}">
+                    <a16:creationId xmlns:a16="http://schemas.microsoft.com/office/drawing/2014/main" id="{DCE10DAE-7D58-384E-98BE-DD789785048A}"/>
+                  </a:ext>
+                </a:extLst>
+              </p:cNvPr>
+              <p:cNvPicPr>
+                <a:picLocks noChangeAspect="1"/>
+              </p:cNvPicPr>
+              <p:nvPr/>
+            </p:nvPicPr>
+            <p:blipFill>
+              <a:blip r:embed="rId6">
+                <a:extLst>
+                  <a:ext uri="{96DAC541-7B7A-43D3-8B79-37D633B846F1}">
+                    <asvg:svgBlip xmlns:asvg="http://schemas.microsoft.com/office/drawing/2016/SVG/main" r:embed="rId7"/>
+                  </a:ext>
+                </a:extLst>
+              </a:blip>
+              <a:stretch>
+                <a:fillRect/>
+              </a:stretch>
+            </p:blipFill>
+            <p:spPr>
+              <a:xfrm rot="5400000">
+                <a:off x="2022642" y="638204"/>
+                <a:ext cx="436185" cy="397241"/>
+              </a:xfrm>
+              <a:prstGeom prst="rect">
+                <a:avLst/>
+              </a:prstGeom>
+            </p:spPr>
+          </p:pic>
+          <p:sp>
+            <p:nvSpPr>
+              <p:cNvPr id="66" name="文本框 65">
+                <a:extLst>
+                  <a:ext uri="{FF2B5EF4-FFF2-40B4-BE49-F238E27FC236}">
+                    <a16:creationId xmlns:a16="http://schemas.microsoft.com/office/drawing/2014/main" id="{51CBBA58-1BA7-1043-87D3-9C278071BEB3}"/>
+                  </a:ext>
+                </a:extLst>
+              </p:cNvPr>
+              <p:cNvSpPr txBox="1"/>
+              <p:nvPr/>
+            </p:nvSpPr>
+            <p:spPr>
+              <a:xfrm>
+                <a:off x="2092521" y="638314"/>
+                <a:ext cx="261576" cy="369332"/>
+              </a:xfrm>
+              <a:prstGeom prst="rect">
+                <a:avLst/>
+              </a:prstGeom>
+              <a:noFill/>
+            </p:spPr>
+            <p:txBody>
+              <a:bodyPr wrap="square" rtlCol="0">
+                <a:spAutoFit/>
+              </a:bodyPr>
+              <a:lstStyle/>
+              <a:p>
+                <a:r>
+                  <a:rPr kumimoji="1" lang="en-US" altLang="zh-CN" dirty="0">
+                    <a:solidFill>
+                      <a:schemeClr val="bg1"/>
+                    </a:solidFill>
+                    <a:latin typeface="Helvetica" pitchFamily="2" charset="0"/>
+                  </a:rPr>
+                  <a:t>1</a:t>
+                </a:r>
+                <a:endParaRPr kumimoji="1" lang="zh-CN" altLang="en-US" dirty="0">
+                  <a:solidFill>
+                    <a:schemeClr val="bg1"/>
+                  </a:solidFill>
+                  <a:latin typeface="Helvetica" pitchFamily="2" charset="0"/>
+                </a:endParaRPr>
+              </a:p>
+            </p:txBody>
+          </p:sp>
+        </p:grpSp>
+        <p:grpSp>
+          <p:nvGrpSpPr>
+            <p:cNvPr id="111" name="组合 110">
+              <a:extLst>
+                <a:ext uri="{FF2B5EF4-FFF2-40B4-BE49-F238E27FC236}">
+                  <a16:creationId xmlns:a16="http://schemas.microsoft.com/office/drawing/2014/main" id="{7D1773D0-C71C-544A-ACFF-9AE7A3246FD6}"/>
+                </a:ext>
+              </a:extLst>
+            </p:cNvPr>
+            <p:cNvGrpSpPr/>
+            <p:nvPr/>
+          </p:nvGrpSpPr>
+          <p:grpSpPr>
+            <a:xfrm>
+              <a:off x="4760531" y="2073125"/>
+              <a:ext cx="397241" cy="436185"/>
+              <a:chOff x="2042114" y="618732"/>
+              <a:chExt cx="397241" cy="436185"/>
+            </a:xfrm>
+          </p:grpSpPr>
+          <p:pic>
+            <p:nvPicPr>
+              <p:cNvPr id="112" name="图形 111">
+                <a:extLst>
+                  <a:ext uri="{FF2B5EF4-FFF2-40B4-BE49-F238E27FC236}">
+                    <a16:creationId xmlns:a16="http://schemas.microsoft.com/office/drawing/2014/main" id="{EFCC2B05-BF98-D34B-9CB2-0C298059EDA1}"/>
+                  </a:ext>
+                </a:extLst>
+              </p:cNvPr>
+              <p:cNvPicPr>
+                <a:picLocks noChangeAspect="1"/>
+              </p:cNvPicPr>
+              <p:nvPr/>
+            </p:nvPicPr>
+            <p:blipFill>
+              <a:blip r:embed="rId6">
+                <a:extLst>
+                  <a:ext uri="{96DAC541-7B7A-43D3-8B79-37D633B846F1}">
+                    <asvg:svgBlip xmlns:asvg="http://schemas.microsoft.com/office/drawing/2016/SVG/main" r:embed="rId7"/>
+                  </a:ext>
+                </a:extLst>
+              </a:blip>
+              <a:stretch>
+                <a:fillRect/>
+              </a:stretch>
+            </p:blipFill>
+            <p:spPr>
+              <a:xfrm rot="5400000">
+                <a:off x="2022642" y="638204"/>
+                <a:ext cx="436185" cy="397241"/>
+              </a:xfrm>
+              <a:prstGeom prst="rect">
+                <a:avLst/>
+              </a:prstGeom>
+            </p:spPr>
+          </p:pic>
+          <p:sp>
+            <p:nvSpPr>
+              <p:cNvPr id="113" name="文本框 112">
+                <a:extLst>
+                  <a:ext uri="{FF2B5EF4-FFF2-40B4-BE49-F238E27FC236}">
+                    <a16:creationId xmlns:a16="http://schemas.microsoft.com/office/drawing/2014/main" id="{CAA7C1DC-BE21-3A43-86DB-614CA1DCACB9}"/>
+                  </a:ext>
+                </a:extLst>
+              </p:cNvPr>
+              <p:cNvSpPr txBox="1"/>
+              <p:nvPr/>
+            </p:nvSpPr>
+            <p:spPr>
+              <a:xfrm>
+                <a:off x="2092521" y="638314"/>
+                <a:ext cx="261576" cy="369332"/>
+              </a:xfrm>
+              <a:prstGeom prst="rect">
+                <a:avLst/>
+              </a:prstGeom>
+              <a:noFill/>
+            </p:spPr>
+            <p:txBody>
+              <a:bodyPr wrap="square" rtlCol="0">
+                <a:spAutoFit/>
+              </a:bodyPr>
+              <a:lstStyle/>
+              <a:p>
+                <a:r>
+                  <a:rPr kumimoji="1" lang="en-US" altLang="zh-CN" dirty="0">
+                    <a:solidFill>
+                      <a:schemeClr val="bg1"/>
+                    </a:solidFill>
+                    <a:latin typeface="Helvetica" pitchFamily="2" charset="0"/>
+                  </a:rPr>
+                  <a:t>2</a:t>
+                </a:r>
+                <a:endParaRPr kumimoji="1" lang="zh-CN" altLang="en-US" dirty="0">
+                  <a:solidFill>
+                    <a:schemeClr val="bg1"/>
+                  </a:solidFill>
+                  <a:latin typeface="Helvetica" pitchFamily="2" charset="0"/>
+                </a:endParaRPr>
+              </a:p>
+            </p:txBody>
+          </p:sp>
+        </p:grpSp>
+        <p:grpSp>
+          <p:nvGrpSpPr>
+            <p:cNvPr id="114" name="组合 113">
+              <a:extLst>
+                <a:ext uri="{FF2B5EF4-FFF2-40B4-BE49-F238E27FC236}">
+                  <a16:creationId xmlns:a16="http://schemas.microsoft.com/office/drawing/2014/main" id="{775B1312-8A31-474A-9E7E-6DB33DE71C05}"/>
+                </a:ext>
+              </a:extLst>
+            </p:cNvPr>
+            <p:cNvGrpSpPr/>
+            <p:nvPr/>
+          </p:nvGrpSpPr>
+          <p:grpSpPr>
+            <a:xfrm>
+              <a:off x="6957468" y="2073125"/>
+              <a:ext cx="397241" cy="436185"/>
+              <a:chOff x="2042114" y="618732"/>
+              <a:chExt cx="397241" cy="436185"/>
+            </a:xfrm>
+          </p:grpSpPr>
+          <p:pic>
+            <p:nvPicPr>
+              <p:cNvPr id="115" name="图形 114">
+                <a:extLst>
+                  <a:ext uri="{FF2B5EF4-FFF2-40B4-BE49-F238E27FC236}">
+                    <a16:creationId xmlns:a16="http://schemas.microsoft.com/office/drawing/2014/main" id="{7519E624-EC30-FC4E-9AC5-C75FACD85E4F}"/>
+                  </a:ext>
+                </a:extLst>
+              </p:cNvPr>
+              <p:cNvPicPr>
+                <a:picLocks noChangeAspect="1"/>
+              </p:cNvPicPr>
+              <p:nvPr/>
+            </p:nvPicPr>
+            <p:blipFill>
+              <a:blip r:embed="rId6">
+                <a:extLst>
+                  <a:ext uri="{96DAC541-7B7A-43D3-8B79-37D633B846F1}">
+                    <asvg:svgBlip xmlns:asvg="http://schemas.microsoft.com/office/drawing/2016/SVG/main" r:embed="rId7"/>
+                  </a:ext>
+                </a:extLst>
+              </a:blip>
+              <a:stretch>
+                <a:fillRect/>
+              </a:stretch>
+            </p:blipFill>
+            <p:spPr>
+              <a:xfrm rot="5400000">
+                <a:off x="2022642" y="638204"/>
+                <a:ext cx="436185" cy="397241"/>
+              </a:xfrm>
+              <a:prstGeom prst="rect">
+                <a:avLst/>
+              </a:prstGeom>
+            </p:spPr>
+          </p:pic>
+          <p:sp>
+            <p:nvSpPr>
+              <p:cNvPr id="116" name="文本框 115">
+                <a:extLst>
+                  <a:ext uri="{FF2B5EF4-FFF2-40B4-BE49-F238E27FC236}">
+                    <a16:creationId xmlns:a16="http://schemas.microsoft.com/office/drawing/2014/main" id="{A1E9D85A-C5B6-CA43-A3FF-47DEF75ACA6E}"/>
+                  </a:ext>
+                </a:extLst>
+              </p:cNvPr>
+              <p:cNvSpPr txBox="1"/>
+              <p:nvPr/>
+            </p:nvSpPr>
+            <p:spPr>
+              <a:xfrm>
+                <a:off x="2092521" y="638314"/>
+                <a:ext cx="261576" cy="369332"/>
+              </a:xfrm>
+              <a:prstGeom prst="rect">
+                <a:avLst/>
+              </a:prstGeom>
+              <a:noFill/>
+            </p:spPr>
+            <p:txBody>
+              <a:bodyPr wrap="square" rtlCol="0">
+                <a:spAutoFit/>
+              </a:bodyPr>
+              <a:lstStyle/>
+              <a:p>
+                <a:r>
+                  <a:rPr kumimoji="1" lang="en-US" altLang="zh-CN" dirty="0">
+                    <a:solidFill>
+                      <a:schemeClr val="bg1"/>
+                    </a:solidFill>
+                    <a:latin typeface="Helvetica" pitchFamily="2" charset="0"/>
+                  </a:rPr>
+                  <a:t>3</a:t>
+                </a:r>
+                <a:endParaRPr kumimoji="1" lang="zh-CN" altLang="en-US" dirty="0">
+                  <a:solidFill>
+                    <a:schemeClr val="bg1"/>
+                  </a:solidFill>
+                  <a:latin typeface="Helvetica" pitchFamily="2" charset="0"/>
+                </a:endParaRPr>
+              </a:p>
+            </p:txBody>
+          </p:sp>
+        </p:grpSp>
+        <p:grpSp>
+          <p:nvGrpSpPr>
+            <p:cNvPr id="117" name="组合 116">
+              <a:extLst>
+                <a:ext uri="{FF2B5EF4-FFF2-40B4-BE49-F238E27FC236}">
+                  <a16:creationId xmlns:a16="http://schemas.microsoft.com/office/drawing/2014/main" id="{5B9180C1-DCBC-D94A-BCB4-A440043A25EB}"/>
+                </a:ext>
+              </a:extLst>
+            </p:cNvPr>
+            <p:cNvGrpSpPr/>
+            <p:nvPr/>
+          </p:nvGrpSpPr>
+          <p:grpSpPr>
+            <a:xfrm>
+              <a:off x="9247159" y="2073125"/>
+              <a:ext cx="397241" cy="436185"/>
+              <a:chOff x="2042114" y="618732"/>
+              <a:chExt cx="397241" cy="436185"/>
+            </a:xfrm>
+          </p:grpSpPr>
+          <p:pic>
+            <p:nvPicPr>
+              <p:cNvPr id="118" name="图形 117">
+                <a:extLst>
+                  <a:ext uri="{FF2B5EF4-FFF2-40B4-BE49-F238E27FC236}">
+                    <a16:creationId xmlns:a16="http://schemas.microsoft.com/office/drawing/2014/main" id="{56824C66-90CB-6448-B028-EE27CF3FA6CD}"/>
+                  </a:ext>
+                </a:extLst>
+              </p:cNvPr>
+              <p:cNvPicPr>
+                <a:picLocks noChangeAspect="1"/>
+              </p:cNvPicPr>
+              <p:nvPr/>
+            </p:nvPicPr>
+            <p:blipFill>
+              <a:blip r:embed="rId6">
+                <a:extLst>
+                  <a:ext uri="{96DAC541-7B7A-43D3-8B79-37D633B846F1}">
+                    <asvg:svgBlip xmlns:asvg="http://schemas.microsoft.com/office/drawing/2016/SVG/main" r:embed="rId7"/>
+                  </a:ext>
+                </a:extLst>
+              </a:blip>
+              <a:stretch>
+                <a:fillRect/>
+              </a:stretch>
+            </p:blipFill>
+            <p:spPr>
+              <a:xfrm rot="5400000">
+                <a:off x="2022642" y="638204"/>
+                <a:ext cx="436185" cy="397241"/>
+              </a:xfrm>
+              <a:prstGeom prst="rect">
+                <a:avLst/>
+              </a:prstGeom>
+            </p:spPr>
+          </p:pic>
+          <p:sp>
+            <p:nvSpPr>
+              <p:cNvPr id="119" name="文本框 118">
+                <a:extLst>
+                  <a:ext uri="{FF2B5EF4-FFF2-40B4-BE49-F238E27FC236}">
+                    <a16:creationId xmlns:a16="http://schemas.microsoft.com/office/drawing/2014/main" id="{C6392F70-D6AD-1A4B-8DD0-9F17352DD57F}"/>
+                  </a:ext>
+                </a:extLst>
+              </p:cNvPr>
+              <p:cNvSpPr txBox="1"/>
+              <p:nvPr/>
+            </p:nvSpPr>
+            <p:spPr>
+              <a:xfrm>
+                <a:off x="2092521" y="638314"/>
+                <a:ext cx="261576" cy="369332"/>
+              </a:xfrm>
+              <a:prstGeom prst="rect">
+                <a:avLst/>
+              </a:prstGeom>
+              <a:noFill/>
+            </p:spPr>
+            <p:txBody>
+              <a:bodyPr wrap="square" rtlCol="0">
+                <a:spAutoFit/>
+              </a:bodyPr>
+              <a:lstStyle/>
+              <a:p>
+                <a:r>
+                  <a:rPr kumimoji="1" lang="en-US" altLang="zh-CN" dirty="0">
+                    <a:solidFill>
+                      <a:schemeClr val="bg1"/>
+                    </a:solidFill>
+                    <a:latin typeface="Helvetica" pitchFamily="2" charset="0"/>
+                  </a:rPr>
+                  <a:t>4</a:t>
+                </a:r>
+                <a:endParaRPr kumimoji="1" lang="zh-CN" altLang="en-US" dirty="0">
+                  <a:solidFill>
+                    <a:schemeClr val="bg1"/>
+                  </a:solidFill>
+                  <a:latin typeface="Helvetica" pitchFamily="2" charset="0"/>
+                </a:endParaRPr>
+              </a:p>
+            </p:txBody>
+          </p:sp>
+        </p:grpSp>
+      </p:grpSp>
     </p:spTree>
     <p:extLst>
       <p:ext uri="{BB962C8B-B14F-4D97-AF65-F5344CB8AC3E}">
@@ -3556,488 +3817,709 @@
           <a:chExt cx="0" cy="0"/>
         </a:xfrm>
       </p:grpSpPr>
-      <p:sp>
-        <p:nvSpPr>
-          <p:cNvPr id="6" name="矩形 5"/>
-          <p:cNvSpPr/>
+      <p:grpSp>
+        <p:nvGrpSpPr>
+          <p:cNvPr id="3" name="组合 2">
+            <a:extLst>
+              <a:ext uri="{FF2B5EF4-FFF2-40B4-BE49-F238E27FC236}">
+                <a16:creationId xmlns:a16="http://schemas.microsoft.com/office/drawing/2014/main" id="{7130C145-9136-384A-B788-5BFE3505717F}"/>
+              </a:ext>
+            </a:extLst>
+          </p:cNvPr>
+          <p:cNvGrpSpPr/>
           <p:nvPr/>
-        </p:nvSpPr>
-        <p:spPr>
+        </p:nvGrpSpPr>
+        <p:grpSpPr>
           <a:xfrm>
-            <a:off x="2078182" y="2392680"/>
-            <a:ext cx="6391564" cy="2522220"/>
+            <a:off x="1617905" y="2502932"/>
+            <a:ext cx="4828421" cy="3022532"/>
+            <a:chOff x="1617905" y="2502932"/>
+            <a:chExt cx="4828421" cy="3022532"/>
           </a:xfrm>
-          <a:prstGeom prst="rect">
-            <a:avLst/>
-          </a:prstGeom>
-          <a:solidFill>
-            <a:schemeClr val="accent3">
-              <a:alpha val="20000"/>
-            </a:schemeClr>
-          </a:solidFill>
-          <a:ln>
+        </p:grpSpPr>
+        <p:sp>
+          <p:nvSpPr>
+            <p:cNvPr id="2" name="文本框 1">
+              <a:extLst>
+                <a:ext uri="{FF2B5EF4-FFF2-40B4-BE49-F238E27FC236}">
+                  <a16:creationId xmlns:a16="http://schemas.microsoft.com/office/drawing/2014/main" id="{76E5D0E7-FFFE-B148-ABB9-E8C0209434B5}"/>
+                </a:ext>
+              </a:extLst>
+            </p:cNvPr>
+            <p:cNvSpPr txBox="1"/>
+            <p:nvPr/>
+          </p:nvSpPr>
+          <p:spPr>
+            <a:xfrm>
+              <a:off x="2727133" y="5186910"/>
+              <a:ext cx="2734659" cy="338554"/>
+            </a:xfrm>
+            <a:prstGeom prst="rect">
+              <a:avLst/>
+            </a:prstGeom>
             <a:noFill/>
-          </a:ln>
-        </p:spPr>
-        <p:style>
-          <a:lnRef idx="0">
-            <a:scrgbClr r="0" g="0" b="0"/>
-          </a:lnRef>
-          <a:fillRef idx="0">
-            <a:scrgbClr r="0" g="0" b="0"/>
-          </a:fillRef>
-          <a:effectRef idx="0">
-            <a:scrgbClr r="0" g="0" b="0"/>
-          </a:effectRef>
-          <a:fontRef idx="minor">
-            <a:schemeClr val="lt1"/>
-          </a:fontRef>
-        </p:style>
-        <p:txBody>
-          <a:bodyPr rtlCol="0" anchor="ctr"/>
-          <a:lstStyle/>
-          <a:p>
-            <a:pPr algn="ctr"/>
-            <a:endParaRPr lang="zh-CN" altLang="en-US" sz="1200"/>
-          </a:p>
-        </p:txBody>
-      </p:sp>
-      <p:sp>
-        <p:nvSpPr>
-          <p:cNvPr id="7" name="矩形 6"/>
-          <p:cNvSpPr/>
-          <p:nvPr/>
-        </p:nvSpPr>
-        <p:spPr>
-          <a:xfrm>
-            <a:off x="4640811" y="2539999"/>
-            <a:ext cx="1265382" cy="434110"/>
-          </a:xfrm>
-          <a:prstGeom prst="rect">
-            <a:avLst/>
-          </a:prstGeom>
-          <a:ln/>
-        </p:spPr>
-        <p:style>
-          <a:lnRef idx="0">
-            <a:schemeClr val="accent1"/>
-          </a:lnRef>
-          <a:fillRef idx="3">
-            <a:schemeClr val="accent1"/>
-          </a:fillRef>
-          <a:effectRef idx="3">
-            <a:schemeClr val="accent1"/>
-          </a:effectRef>
-          <a:fontRef idx="minor">
-            <a:schemeClr val="lt1"/>
-          </a:fontRef>
-        </p:style>
-        <p:txBody>
-          <a:bodyPr rtlCol="0" anchor="ctr"/>
-          <a:lstStyle/>
-          <a:p>
-            <a:pPr algn="ctr"/>
-            <a:r>
-              <a:rPr lang="en-US" altLang="zh-CN" sz="1200" dirty="0" smtClean="0"/>
-              <a:t>Task 0</a:t>
-            </a:r>
-            <a:endParaRPr lang="zh-CN" altLang="en-US" sz="1200" dirty="0"/>
-          </a:p>
-        </p:txBody>
-      </p:sp>
-      <p:sp>
-        <p:nvSpPr>
-          <p:cNvPr id="8" name="矩形 7"/>
-          <p:cNvSpPr/>
-          <p:nvPr/>
-        </p:nvSpPr>
-        <p:spPr>
-          <a:xfrm>
-            <a:off x="3375429" y="3408217"/>
-            <a:ext cx="1265382" cy="434110"/>
-          </a:xfrm>
-          <a:prstGeom prst="rect">
-            <a:avLst/>
-          </a:prstGeom>
-          <a:ln/>
-        </p:spPr>
-        <p:style>
-          <a:lnRef idx="0">
-            <a:schemeClr val="accent1"/>
-          </a:lnRef>
-          <a:fillRef idx="3">
-            <a:schemeClr val="accent1"/>
-          </a:fillRef>
-          <a:effectRef idx="3">
-            <a:schemeClr val="accent1"/>
-          </a:effectRef>
-          <a:fontRef idx="minor">
-            <a:schemeClr val="lt1"/>
-          </a:fontRef>
-        </p:style>
-        <p:txBody>
-          <a:bodyPr rtlCol="0" anchor="ctr"/>
-          <a:lstStyle/>
-          <a:p>
-            <a:pPr algn="ctr"/>
-            <a:r>
-              <a:rPr lang="en-US" altLang="zh-CN" sz="1200" dirty="0" smtClean="0"/>
-              <a:t>Task 1</a:t>
-            </a:r>
-            <a:endParaRPr lang="zh-CN" altLang="en-US" sz="1200" dirty="0"/>
-          </a:p>
-        </p:txBody>
-      </p:sp>
-      <p:sp>
-        <p:nvSpPr>
-          <p:cNvPr id="9" name="矩形 8"/>
-          <p:cNvSpPr/>
-          <p:nvPr/>
-        </p:nvSpPr>
-        <p:spPr>
-          <a:xfrm>
-            <a:off x="5900192" y="3408217"/>
-            <a:ext cx="1265382" cy="434110"/>
-          </a:xfrm>
-          <a:prstGeom prst="rect">
-            <a:avLst/>
-          </a:prstGeom>
-          <a:ln/>
-        </p:spPr>
-        <p:style>
-          <a:lnRef idx="0">
-            <a:schemeClr val="accent1"/>
-          </a:lnRef>
-          <a:fillRef idx="3">
-            <a:schemeClr val="accent1"/>
-          </a:fillRef>
-          <a:effectRef idx="3">
-            <a:schemeClr val="accent1"/>
-          </a:effectRef>
-          <a:fontRef idx="minor">
-            <a:schemeClr val="lt1"/>
-          </a:fontRef>
-        </p:style>
-        <p:txBody>
-          <a:bodyPr rtlCol="0" anchor="ctr"/>
-          <a:lstStyle/>
-          <a:p>
-            <a:pPr algn="ctr"/>
-            <a:r>
-              <a:rPr lang="en-US" altLang="zh-CN" sz="1200" dirty="0" smtClean="0"/>
-              <a:t>Task 2</a:t>
-            </a:r>
-            <a:endParaRPr lang="zh-CN" altLang="en-US" sz="1200" dirty="0"/>
-          </a:p>
-        </p:txBody>
-      </p:sp>
-      <p:sp>
-        <p:nvSpPr>
-          <p:cNvPr id="10" name="矩形 9"/>
-          <p:cNvSpPr/>
-          <p:nvPr/>
-        </p:nvSpPr>
-        <p:spPr>
-          <a:xfrm>
-            <a:off x="5900192" y="4276435"/>
-            <a:ext cx="1265382" cy="434110"/>
-          </a:xfrm>
-          <a:prstGeom prst="rect">
-            <a:avLst/>
-          </a:prstGeom>
-          <a:ln/>
-        </p:spPr>
-        <p:style>
-          <a:lnRef idx="0">
-            <a:schemeClr val="accent1"/>
-          </a:lnRef>
-          <a:fillRef idx="3">
-            <a:schemeClr val="accent1"/>
-          </a:fillRef>
-          <a:effectRef idx="3">
-            <a:schemeClr val="accent1"/>
-          </a:effectRef>
-          <a:fontRef idx="minor">
-            <a:schemeClr val="lt1"/>
-          </a:fontRef>
-        </p:style>
-        <p:txBody>
-          <a:bodyPr rtlCol="0" anchor="ctr"/>
-          <a:lstStyle/>
-          <a:p>
-            <a:pPr algn="ctr"/>
-            <a:r>
-              <a:rPr lang="en-US" altLang="zh-CN" sz="1200" dirty="0" smtClean="0"/>
-              <a:t>Task 3</a:t>
-            </a:r>
-            <a:endParaRPr lang="zh-CN" altLang="en-US" sz="1200" dirty="0"/>
-          </a:p>
-        </p:txBody>
-      </p:sp>
-      <p:cxnSp>
-        <p:nvCxnSpPr>
-          <p:cNvPr id="12" name="直接箭头连接符 11"/>
-          <p:cNvCxnSpPr>
-            <a:stCxn id="7" idx="2"/>
-            <a:endCxn id="8" idx="0"/>
-          </p:cNvCxnSpPr>
-          <p:nvPr/>
-        </p:nvCxnSpPr>
-        <p:spPr>
-          <a:xfrm flipH="1">
-            <a:off x="4008120" y="2974109"/>
-            <a:ext cx="1265382" cy="434108"/>
-          </a:xfrm>
-          <a:prstGeom prst="straightConnector1">
-            <a:avLst/>
-          </a:prstGeom>
-          <a:ln w="19050" cap="flat" cmpd="sng" algn="ctr">
-            <a:solidFill>
-              <a:schemeClr val="accent3"/>
-            </a:solidFill>
-            <a:prstDash val="solid"/>
-            <a:round/>
-            <a:headEnd type="none" w="med" len="med"/>
-            <a:tailEnd type="arrow" w="med" len="med"/>
-          </a:ln>
-        </p:spPr>
-        <p:style>
-          <a:lnRef idx="0">
-            <a:scrgbClr r="0" g="0" b="0"/>
-          </a:lnRef>
-          <a:fillRef idx="0">
-            <a:scrgbClr r="0" g="0" b="0"/>
-          </a:fillRef>
-          <a:effectRef idx="0">
-            <a:scrgbClr r="0" g="0" b="0"/>
-          </a:effectRef>
-          <a:fontRef idx="minor">
-            <a:schemeClr val="tx1"/>
-          </a:fontRef>
-        </p:style>
-      </p:cxnSp>
-      <p:cxnSp>
-        <p:nvCxnSpPr>
-          <p:cNvPr id="14" name="直接箭头连接符 13"/>
-          <p:cNvCxnSpPr>
-            <a:stCxn id="7" idx="2"/>
-            <a:endCxn id="9" idx="0"/>
-          </p:cNvCxnSpPr>
-          <p:nvPr/>
-        </p:nvCxnSpPr>
-        <p:spPr>
-          <a:xfrm>
-            <a:off x="5273502" y="2974109"/>
-            <a:ext cx="1259381" cy="434108"/>
-          </a:xfrm>
-          <a:prstGeom prst="straightConnector1">
-            <a:avLst/>
-          </a:prstGeom>
-          <a:ln w="19050" cap="flat" cmpd="sng" algn="ctr">
-            <a:solidFill>
-              <a:schemeClr val="accent3"/>
-            </a:solidFill>
-            <a:prstDash val="solid"/>
-            <a:round/>
-            <a:headEnd type="none" w="med" len="med"/>
-            <a:tailEnd type="arrow" w="med" len="med"/>
-          </a:ln>
-        </p:spPr>
-        <p:style>
-          <a:lnRef idx="0">
-            <a:scrgbClr r="0" g="0" b="0"/>
-          </a:lnRef>
-          <a:fillRef idx="0">
-            <a:scrgbClr r="0" g="0" b="0"/>
-          </a:fillRef>
-          <a:effectRef idx="0">
-            <a:scrgbClr r="0" g="0" b="0"/>
-          </a:effectRef>
-          <a:fontRef idx="minor">
-            <a:schemeClr val="tx1"/>
-          </a:fontRef>
-        </p:style>
-      </p:cxnSp>
-      <p:cxnSp>
-        <p:nvCxnSpPr>
-          <p:cNvPr id="16" name="直接箭头连接符 15"/>
-          <p:cNvCxnSpPr>
-            <a:stCxn id="9" idx="2"/>
-            <a:endCxn id="10" idx="0"/>
-          </p:cNvCxnSpPr>
-          <p:nvPr/>
-        </p:nvCxnSpPr>
-        <p:spPr>
-          <a:xfrm>
-            <a:off x="6532883" y="3842327"/>
-            <a:ext cx="0" cy="434108"/>
-          </a:xfrm>
-          <a:prstGeom prst="straightConnector1">
-            <a:avLst/>
-          </a:prstGeom>
-          <a:ln w="19050" cap="flat" cmpd="sng" algn="ctr">
-            <a:solidFill>
-              <a:schemeClr val="accent3"/>
-            </a:solidFill>
-            <a:prstDash val="solid"/>
-            <a:round/>
-            <a:headEnd type="none" w="med" len="med"/>
-            <a:tailEnd type="arrow" w="med" len="med"/>
-          </a:ln>
-        </p:spPr>
-        <p:style>
-          <a:lnRef idx="0">
-            <a:scrgbClr r="0" g="0" b="0"/>
-          </a:lnRef>
-          <a:fillRef idx="0">
-            <a:scrgbClr r="0" g="0" b="0"/>
-          </a:fillRef>
-          <a:effectRef idx="0">
-            <a:scrgbClr r="0" g="0" b="0"/>
-          </a:effectRef>
-          <a:fontRef idx="minor">
-            <a:schemeClr val="tx1"/>
-          </a:fontRef>
-        </p:style>
-      </p:cxnSp>
-      <p:sp>
-        <p:nvSpPr>
-          <p:cNvPr id="19" name="文本框 18"/>
-          <p:cNvSpPr txBox="1"/>
-          <p:nvPr/>
-        </p:nvSpPr>
-        <p:spPr>
-          <a:xfrm>
-            <a:off x="2078182" y="2023348"/>
-            <a:ext cx="4027054" cy="369332"/>
-          </a:xfrm>
-          <a:prstGeom prst="rect">
-            <a:avLst/>
-          </a:prstGeom>
-          <a:noFill/>
-        </p:spPr>
-        <p:txBody>
-          <a:bodyPr wrap="square" rtlCol="0">
-            <a:spAutoFit/>
-          </a:bodyPr>
-          <a:lstStyle/>
-          <a:p>
-            <a:r>
-              <a:rPr lang="en-US" altLang="zh-CN" b="1" dirty="0" smtClean="0">
+          </p:spPr>
+          <p:txBody>
+            <a:bodyPr wrap="none" rtlCol="0">
+              <a:spAutoFit/>
+            </a:bodyPr>
+            <a:lstStyle/>
+            <a:p>
+              <a:r>
+                <a:rPr lang="en-US" altLang="zh-CN" sz="1600" dirty="0">
+                  <a:solidFill>
+                    <a:schemeClr val="tx1">
+                      <a:lumMod val="75000"/>
+                      <a:lumOff val="25000"/>
+                    </a:schemeClr>
+                  </a:solidFill>
+                  <a:latin typeface="Helvetica" pitchFamily="2" charset="0"/>
+                  <a:cs typeface="Arial" panose="020B0604020202020204" pitchFamily="34" charset="0"/>
+                </a:rPr>
+                <a:t>Workflow without Reference</a:t>
+              </a:r>
+              <a:endParaRPr lang="zh-CN" altLang="en-US" sz="1600" dirty="0">
                 <a:solidFill>
                   <a:schemeClr val="tx1">
                     <a:lumMod val="75000"/>
                     <a:lumOff val="25000"/>
                   </a:schemeClr>
                 </a:solidFill>
-                <a:latin typeface="Arial" panose="020B0604020202020204" pitchFamily="34" charset="0"/>
+                <a:latin typeface="Helvetica" pitchFamily="2" charset="0"/>
                 <a:cs typeface="Arial" panose="020B0604020202020204" pitchFamily="34" charset="0"/>
-              </a:rPr>
-              <a:t>Workflow without Reference</a:t>
-            </a:r>
-            <a:endParaRPr lang="zh-CN" altLang="en-US" b="1" dirty="0">
-              <a:solidFill>
-                <a:schemeClr val="tx1">
-                  <a:lumMod val="75000"/>
-                  <a:lumOff val="25000"/>
+              </a:endParaRPr>
+            </a:p>
+          </p:txBody>
+        </p:sp>
+        <p:grpSp>
+          <p:nvGrpSpPr>
+            <p:cNvPr id="31" name="组合 30">
+              <a:extLst>
+                <a:ext uri="{FF2B5EF4-FFF2-40B4-BE49-F238E27FC236}">
+                  <a16:creationId xmlns:a16="http://schemas.microsoft.com/office/drawing/2014/main" id="{8487459F-511B-B04E-932C-FB0C03B70B87}"/>
+                </a:ext>
+              </a:extLst>
+            </p:cNvPr>
+            <p:cNvGrpSpPr/>
+            <p:nvPr/>
+          </p:nvGrpSpPr>
+          <p:grpSpPr>
+            <a:xfrm>
+              <a:off x="1617905" y="2502932"/>
+              <a:ext cx="4828421" cy="2424613"/>
+              <a:chOff x="6102820" y="587046"/>
+              <a:chExt cx="4828421" cy="2424613"/>
+            </a:xfrm>
+          </p:grpSpPr>
+          <p:sp>
+            <p:nvSpPr>
+              <p:cNvPr id="25" name="文本框 24"/>
+              <p:cNvSpPr txBox="1"/>
+              <p:nvPr/>
+            </p:nvSpPr>
+            <p:spPr>
+              <a:xfrm>
+                <a:off x="6346901" y="1103655"/>
+                <a:ext cx="777240" cy="276999"/>
+              </a:xfrm>
+              <a:prstGeom prst="rect">
+                <a:avLst/>
+              </a:prstGeom>
+              <a:noFill/>
+            </p:spPr>
+            <p:txBody>
+              <a:bodyPr wrap="square" rtlCol="0">
+                <a:spAutoFit/>
+              </a:bodyPr>
+              <a:lstStyle/>
+              <a:p>
+                <a:r>
+                  <a:rPr lang="en-US" altLang="zh-CN" sz="1200" dirty="0">
+                    <a:solidFill>
+                      <a:srgbClr val="383B55"/>
+                    </a:solidFill>
+                    <a:latin typeface="Helvetica" pitchFamily="2" charset="0"/>
+                  </a:rPr>
+                  <a:t>True</a:t>
+                </a:r>
+                <a:endParaRPr lang="zh-CN" altLang="en-US" sz="1200" dirty="0">
+                  <a:solidFill>
+                    <a:srgbClr val="383B55"/>
+                  </a:solidFill>
+                  <a:latin typeface="Helvetica" pitchFamily="2" charset="0"/>
+                </a:endParaRPr>
+              </a:p>
+            </p:txBody>
+          </p:sp>
+          <p:sp>
+            <p:nvSpPr>
+              <p:cNvPr id="26" name="文本框 25"/>
+              <p:cNvSpPr txBox="1"/>
+              <p:nvPr/>
+            </p:nvSpPr>
+            <p:spPr>
+              <a:xfrm>
+                <a:off x="10154001" y="1103654"/>
+                <a:ext cx="777240" cy="276999"/>
+              </a:xfrm>
+              <a:prstGeom prst="rect">
+                <a:avLst/>
+              </a:prstGeom>
+              <a:noFill/>
+            </p:spPr>
+            <p:txBody>
+              <a:bodyPr wrap="square" rtlCol="0">
+                <a:spAutoFit/>
+              </a:bodyPr>
+              <a:lstStyle/>
+              <a:p>
+                <a:r>
+                  <a:rPr lang="en-US" altLang="zh-CN" sz="1200" dirty="0">
+                    <a:solidFill>
+                      <a:srgbClr val="383B55"/>
+                    </a:solidFill>
+                    <a:latin typeface="Helvetica" pitchFamily="2" charset="0"/>
+                  </a:rPr>
+                  <a:t>True</a:t>
+                </a:r>
+                <a:endParaRPr lang="zh-CN" altLang="en-US" sz="1200" dirty="0">
+                  <a:solidFill>
+                    <a:srgbClr val="383B55"/>
+                  </a:solidFill>
+                  <a:latin typeface="Helvetica" pitchFamily="2" charset="0"/>
+                </a:endParaRPr>
+              </a:p>
+            </p:txBody>
+          </p:sp>
+          <p:sp>
+            <p:nvSpPr>
+              <p:cNvPr id="27" name="文本框 26"/>
+              <p:cNvSpPr txBox="1"/>
+              <p:nvPr/>
+            </p:nvSpPr>
+            <p:spPr>
+              <a:xfrm>
+                <a:off x="10154001" y="2136395"/>
+                <a:ext cx="777240" cy="276999"/>
+              </a:xfrm>
+              <a:prstGeom prst="rect">
+                <a:avLst/>
+              </a:prstGeom>
+              <a:noFill/>
+            </p:spPr>
+            <p:txBody>
+              <a:bodyPr wrap="square" rtlCol="0">
+                <a:spAutoFit/>
+              </a:bodyPr>
+              <a:lstStyle/>
+              <a:p>
+                <a:r>
+                  <a:rPr lang="en-US" altLang="zh-CN" sz="1200" dirty="0">
+                    <a:solidFill>
+                      <a:srgbClr val="383B55"/>
+                    </a:solidFill>
+                    <a:latin typeface="Helvetica" pitchFamily="2" charset="0"/>
+                  </a:rPr>
+                  <a:t>False</a:t>
+                </a:r>
+                <a:endParaRPr lang="zh-CN" altLang="en-US" sz="1200" dirty="0">
+                  <a:solidFill>
+                    <a:srgbClr val="383B55"/>
+                  </a:solidFill>
+                  <a:latin typeface="Helvetica" pitchFamily="2" charset="0"/>
+                </a:endParaRPr>
+              </a:p>
+            </p:txBody>
+          </p:sp>
+          <p:sp>
+            <p:nvSpPr>
+              <p:cNvPr id="18" name="矩形 17">
+                <a:extLst>
+                  <a:ext uri="{FF2B5EF4-FFF2-40B4-BE49-F238E27FC236}">
+                    <a16:creationId xmlns:a16="http://schemas.microsoft.com/office/drawing/2014/main" id="{ED0C576F-3C45-3C4A-A87C-376D96C96039}"/>
+                  </a:ext>
+                </a:extLst>
+              </p:cNvPr>
+              <p:cNvSpPr/>
+              <p:nvPr/>
+            </p:nvSpPr>
+            <p:spPr>
+              <a:xfrm>
+                <a:off x="7672980" y="587046"/>
+                <a:ext cx="1570160" cy="522443"/>
+              </a:xfrm>
+              <a:prstGeom prst="rect">
+                <a:avLst/>
+              </a:prstGeom>
+              <a:noFill/>
+              <a:ln w="19050">
+                <a:solidFill>
+                  <a:srgbClr val="0A6EFA"/>
+                </a:solidFill>
+              </a:ln>
+            </p:spPr>
+            <p:style>
+              <a:lnRef idx="2">
+                <a:schemeClr val="accent1">
+                  <a:shade val="50000"/>
                 </a:schemeClr>
-              </a:solidFill>
-              <a:latin typeface="Arial" panose="020B0604020202020204" pitchFamily="34" charset="0"/>
-              <a:cs typeface="Arial" panose="020B0604020202020204" pitchFamily="34" charset="0"/>
-            </a:endParaRPr>
-          </a:p>
-        </p:txBody>
-      </p:sp>
-      <p:sp>
-        <p:nvSpPr>
-          <p:cNvPr id="25" name="文本框 24"/>
-          <p:cNvSpPr txBox="1"/>
-          <p:nvPr/>
-        </p:nvSpPr>
-        <p:spPr>
-          <a:xfrm>
-            <a:off x="3932845" y="2931342"/>
-            <a:ext cx="777240" cy="276999"/>
-          </a:xfrm>
-          <a:prstGeom prst="rect">
-            <a:avLst/>
-          </a:prstGeom>
-          <a:noFill/>
-        </p:spPr>
-        <p:txBody>
-          <a:bodyPr wrap="square" rtlCol="0">
-            <a:spAutoFit/>
-          </a:bodyPr>
-          <a:lstStyle/>
-          <a:p>
-            <a:r>
-              <a:rPr lang="en-US" altLang="zh-CN" sz="1200" dirty="0" smtClean="0"/>
-              <a:t>True</a:t>
-            </a:r>
-            <a:endParaRPr lang="zh-CN" altLang="en-US" sz="1200" dirty="0"/>
-          </a:p>
-        </p:txBody>
-      </p:sp>
-      <p:sp>
-        <p:nvSpPr>
-          <p:cNvPr id="26" name="文本框 25"/>
-          <p:cNvSpPr txBox="1"/>
-          <p:nvPr/>
-        </p:nvSpPr>
-        <p:spPr>
-          <a:xfrm>
-            <a:off x="5830918" y="2931342"/>
-            <a:ext cx="777240" cy="276999"/>
-          </a:xfrm>
-          <a:prstGeom prst="rect">
-            <a:avLst/>
-          </a:prstGeom>
-          <a:noFill/>
-        </p:spPr>
-        <p:txBody>
-          <a:bodyPr wrap="square" rtlCol="0">
-            <a:spAutoFit/>
-          </a:bodyPr>
-          <a:lstStyle/>
-          <a:p>
-            <a:r>
-              <a:rPr lang="en-US" altLang="zh-CN" sz="1200" dirty="0" smtClean="0"/>
-              <a:t>True</a:t>
-            </a:r>
-            <a:endParaRPr lang="zh-CN" altLang="en-US" sz="1200" dirty="0"/>
-          </a:p>
-        </p:txBody>
-      </p:sp>
-      <p:sp>
-        <p:nvSpPr>
-          <p:cNvPr id="27" name="文本框 26"/>
-          <p:cNvSpPr txBox="1"/>
-          <p:nvPr/>
-        </p:nvSpPr>
-        <p:spPr>
-          <a:xfrm>
-            <a:off x="6532883" y="3874715"/>
-            <a:ext cx="777240" cy="276999"/>
-          </a:xfrm>
-          <a:prstGeom prst="rect">
-            <a:avLst/>
-          </a:prstGeom>
-          <a:noFill/>
-        </p:spPr>
-        <p:txBody>
-          <a:bodyPr wrap="square" rtlCol="0">
-            <a:spAutoFit/>
-          </a:bodyPr>
-          <a:lstStyle/>
-          <a:p>
-            <a:r>
-              <a:rPr lang="en-US" altLang="zh-CN" sz="1200" dirty="0" smtClean="0"/>
-              <a:t>False</a:t>
-            </a:r>
-            <a:endParaRPr lang="zh-CN" altLang="en-US" sz="1200" dirty="0"/>
-          </a:p>
-        </p:txBody>
-      </p:sp>
+              </a:lnRef>
+              <a:fillRef idx="1">
+                <a:schemeClr val="accent1"/>
+              </a:fillRef>
+              <a:effectRef idx="0">
+                <a:schemeClr val="accent1"/>
+              </a:effectRef>
+              <a:fontRef idx="minor">
+                <a:schemeClr val="lt1"/>
+              </a:fontRef>
+            </p:style>
+            <p:txBody>
+              <a:bodyPr rtlCol="0" anchor="ctr"/>
+              <a:lstStyle/>
+              <a:p>
+                <a:pPr algn="ctr"/>
+                <a:r>
+                  <a:rPr lang="en-US" altLang="zh-CN" sz="1600" dirty="0">
+                    <a:solidFill>
+                      <a:srgbClr val="383B55"/>
+                    </a:solidFill>
+                    <a:latin typeface="Helvetica" pitchFamily="2" charset="0"/>
+                    <a:ea typeface="微软雅黑" panose="020B0503020204020204" pitchFamily="34" charset="-122"/>
+                  </a:rPr>
+                  <a:t>Task</a:t>
+                </a:r>
+                <a:r>
+                  <a:rPr lang="zh-CN" altLang="en-US" sz="1600" dirty="0">
+                    <a:solidFill>
+                      <a:srgbClr val="383B55"/>
+                    </a:solidFill>
+                    <a:latin typeface="Helvetica" pitchFamily="2" charset="0"/>
+                    <a:ea typeface="微软雅黑" panose="020B0503020204020204" pitchFamily="34" charset="-122"/>
+                  </a:rPr>
+                  <a:t> </a:t>
+                </a:r>
+                <a:r>
+                  <a:rPr lang="en-US" altLang="zh-CN" sz="1600" dirty="0">
+                    <a:solidFill>
+                      <a:srgbClr val="383B55"/>
+                    </a:solidFill>
+                    <a:latin typeface="Helvetica" pitchFamily="2" charset="0"/>
+                    <a:ea typeface="微软雅黑" panose="020B0503020204020204" pitchFamily="34" charset="-122"/>
+                  </a:rPr>
+                  <a:t>0</a:t>
+                </a:r>
+                <a:endParaRPr lang="zh-CN" altLang="en-US" sz="1600" dirty="0">
+                  <a:solidFill>
+                    <a:srgbClr val="383B55"/>
+                  </a:solidFill>
+                  <a:latin typeface="Helvetica" pitchFamily="2" charset="0"/>
+                  <a:ea typeface="微软雅黑" panose="020B0503020204020204" pitchFamily="34" charset="-122"/>
+                </a:endParaRPr>
+              </a:p>
+            </p:txBody>
+          </p:sp>
+          <p:sp>
+            <p:nvSpPr>
+              <p:cNvPr id="20" name="矩形 19">
+                <a:extLst>
+                  <a:ext uri="{FF2B5EF4-FFF2-40B4-BE49-F238E27FC236}">
+                    <a16:creationId xmlns:a16="http://schemas.microsoft.com/office/drawing/2014/main" id="{D486357A-9BB5-2945-AFB8-771940F9B5B6}"/>
+                  </a:ext>
+                </a:extLst>
+              </p:cNvPr>
+              <p:cNvSpPr/>
+              <p:nvPr/>
+            </p:nvSpPr>
+            <p:spPr>
+              <a:xfrm>
+                <a:off x="6102820" y="1538132"/>
+                <a:ext cx="1570160" cy="522443"/>
+              </a:xfrm>
+              <a:prstGeom prst="rect">
+                <a:avLst/>
+              </a:prstGeom>
+              <a:noFill/>
+              <a:ln w="19050">
+                <a:solidFill>
+                  <a:srgbClr val="0A6EFA"/>
+                </a:solidFill>
+              </a:ln>
+            </p:spPr>
+            <p:style>
+              <a:lnRef idx="2">
+                <a:schemeClr val="accent1">
+                  <a:shade val="50000"/>
+                </a:schemeClr>
+              </a:lnRef>
+              <a:fillRef idx="1">
+                <a:schemeClr val="accent1"/>
+              </a:fillRef>
+              <a:effectRef idx="0">
+                <a:schemeClr val="accent1"/>
+              </a:effectRef>
+              <a:fontRef idx="minor">
+                <a:schemeClr val="lt1"/>
+              </a:fontRef>
+            </p:style>
+            <p:txBody>
+              <a:bodyPr rtlCol="0" anchor="ctr"/>
+              <a:lstStyle/>
+              <a:p>
+                <a:pPr algn="ctr"/>
+                <a:r>
+                  <a:rPr lang="en-US" altLang="zh-CN" sz="1600" dirty="0">
+                    <a:solidFill>
+                      <a:srgbClr val="383B55"/>
+                    </a:solidFill>
+                    <a:latin typeface="Helvetica" pitchFamily="2" charset="0"/>
+                    <a:ea typeface="微软雅黑" panose="020B0503020204020204" pitchFamily="34" charset="-122"/>
+                  </a:rPr>
+                  <a:t>Task</a:t>
+                </a:r>
+                <a:r>
+                  <a:rPr lang="zh-CN" altLang="en-US" sz="1600" dirty="0">
+                    <a:solidFill>
+                      <a:srgbClr val="383B55"/>
+                    </a:solidFill>
+                    <a:latin typeface="Helvetica" pitchFamily="2" charset="0"/>
+                    <a:ea typeface="微软雅黑" panose="020B0503020204020204" pitchFamily="34" charset="-122"/>
+                  </a:rPr>
+                  <a:t> </a:t>
+                </a:r>
+                <a:r>
+                  <a:rPr lang="en-US" altLang="zh-CN" sz="1600" dirty="0">
+                    <a:solidFill>
+                      <a:srgbClr val="383B55"/>
+                    </a:solidFill>
+                    <a:latin typeface="Helvetica" pitchFamily="2" charset="0"/>
+                    <a:ea typeface="微软雅黑" panose="020B0503020204020204" pitchFamily="34" charset="-122"/>
+                  </a:rPr>
+                  <a:t>1</a:t>
+                </a:r>
+                <a:endParaRPr lang="zh-CN" altLang="en-US" sz="1600" dirty="0">
+                  <a:solidFill>
+                    <a:srgbClr val="383B55"/>
+                  </a:solidFill>
+                  <a:latin typeface="Helvetica" pitchFamily="2" charset="0"/>
+                  <a:ea typeface="微软雅黑" panose="020B0503020204020204" pitchFamily="34" charset="-122"/>
+                </a:endParaRPr>
+              </a:p>
+            </p:txBody>
+          </p:sp>
+          <p:sp>
+            <p:nvSpPr>
+              <p:cNvPr id="21" name="矩形 20">
+                <a:extLst>
+                  <a:ext uri="{FF2B5EF4-FFF2-40B4-BE49-F238E27FC236}">
+                    <a16:creationId xmlns:a16="http://schemas.microsoft.com/office/drawing/2014/main" id="{1D3C1D99-65B2-E445-B347-FCBFE07427FE}"/>
+                  </a:ext>
+                </a:extLst>
+              </p:cNvPr>
+              <p:cNvSpPr/>
+              <p:nvPr/>
+            </p:nvSpPr>
+            <p:spPr>
+              <a:xfrm>
+                <a:off x="9243140" y="1538131"/>
+                <a:ext cx="1570160" cy="522443"/>
+              </a:xfrm>
+              <a:prstGeom prst="rect">
+                <a:avLst/>
+              </a:prstGeom>
+              <a:noFill/>
+              <a:ln w="19050">
+                <a:solidFill>
+                  <a:srgbClr val="0A6EFA"/>
+                </a:solidFill>
+              </a:ln>
+            </p:spPr>
+            <p:style>
+              <a:lnRef idx="2">
+                <a:schemeClr val="accent1">
+                  <a:shade val="50000"/>
+                </a:schemeClr>
+              </a:lnRef>
+              <a:fillRef idx="1">
+                <a:schemeClr val="accent1"/>
+              </a:fillRef>
+              <a:effectRef idx="0">
+                <a:schemeClr val="accent1"/>
+              </a:effectRef>
+              <a:fontRef idx="minor">
+                <a:schemeClr val="lt1"/>
+              </a:fontRef>
+            </p:style>
+            <p:txBody>
+              <a:bodyPr rtlCol="0" anchor="ctr"/>
+              <a:lstStyle/>
+              <a:p>
+                <a:pPr algn="ctr"/>
+                <a:r>
+                  <a:rPr lang="en-US" altLang="zh-CN" sz="1600" dirty="0">
+                    <a:solidFill>
+                      <a:srgbClr val="383B55"/>
+                    </a:solidFill>
+                    <a:latin typeface="Helvetica" pitchFamily="2" charset="0"/>
+                    <a:ea typeface="微软雅黑" panose="020B0503020204020204" pitchFamily="34" charset="-122"/>
+                  </a:rPr>
+                  <a:t>Task</a:t>
+                </a:r>
+                <a:r>
+                  <a:rPr lang="zh-CN" altLang="en-US" sz="1600" dirty="0">
+                    <a:solidFill>
+                      <a:srgbClr val="383B55"/>
+                    </a:solidFill>
+                    <a:latin typeface="Helvetica" pitchFamily="2" charset="0"/>
+                    <a:ea typeface="微软雅黑" panose="020B0503020204020204" pitchFamily="34" charset="-122"/>
+                  </a:rPr>
+                  <a:t> </a:t>
+                </a:r>
+                <a:r>
+                  <a:rPr lang="en-US" altLang="zh-CN" sz="1600" dirty="0">
+                    <a:solidFill>
+                      <a:srgbClr val="383B55"/>
+                    </a:solidFill>
+                    <a:latin typeface="Helvetica" pitchFamily="2" charset="0"/>
+                    <a:ea typeface="微软雅黑" panose="020B0503020204020204" pitchFamily="34" charset="-122"/>
+                  </a:rPr>
+                  <a:t>2</a:t>
+                </a:r>
+                <a:endParaRPr lang="zh-CN" altLang="en-US" sz="1600" dirty="0">
+                  <a:solidFill>
+                    <a:srgbClr val="383B55"/>
+                  </a:solidFill>
+                  <a:latin typeface="Helvetica" pitchFamily="2" charset="0"/>
+                  <a:ea typeface="微软雅黑" panose="020B0503020204020204" pitchFamily="34" charset="-122"/>
+                </a:endParaRPr>
+              </a:p>
+            </p:txBody>
+          </p:sp>
+          <p:sp>
+            <p:nvSpPr>
+              <p:cNvPr id="22" name="矩形 21">
+                <a:extLst>
+                  <a:ext uri="{FF2B5EF4-FFF2-40B4-BE49-F238E27FC236}">
+                    <a16:creationId xmlns:a16="http://schemas.microsoft.com/office/drawing/2014/main" id="{823CC518-F59A-3840-8F42-7813114BF52C}"/>
+                  </a:ext>
+                </a:extLst>
+              </p:cNvPr>
+              <p:cNvSpPr/>
+              <p:nvPr/>
+            </p:nvSpPr>
+            <p:spPr>
+              <a:xfrm>
+                <a:off x="9243140" y="2489216"/>
+                <a:ext cx="1570160" cy="522443"/>
+              </a:xfrm>
+              <a:prstGeom prst="rect">
+                <a:avLst/>
+              </a:prstGeom>
+              <a:noFill/>
+              <a:ln w="19050">
+                <a:solidFill>
+                  <a:srgbClr val="0A6EFA"/>
+                </a:solidFill>
+              </a:ln>
+            </p:spPr>
+            <p:style>
+              <a:lnRef idx="2">
+                <a:schemeClr val="accent1">
+                  <a:shade val="50000"/>
+                </a:schemeClr>
+              </a:lnRef>
+              <a:fillRef idx="1">
+                <a:schemeClr val="accent1"/>
+              </a:fillRef>
+              <a:effectRef idx="0">
+                <a:schemeClr val="accent1"/>
+              </a:effectRef>
+              <a:fontRef idx="minor">
+                <a:schemeClr val="lt1"/>
+              </a:fontRef>
+            </p:style>
+            <p:txBody>
+              <a:bodyPr rtlCol="0" anchor="ctr"/>
+              <a:lstStyle/>
+              <a:p>
+                <a:pPr algn="ctr"/>
+                <a:r>
+                  <a:rPr lang="en-US" altLang="zh-CN" sz="1600" dirty="0">
+                    <a:solidFill>
+                      <a:srgbClr val="383B55"/>
+                    </a:solidFill>
+                    <a:latin typeface="Helvetica" pitchFamily="2" charset="0"/>
+                    <a:ea typeface="微软雅黑" panose="020B0503020204020204" pitchFamily="34" charset="-122"/>
+                  </a:rPr>
+                  <a:t>Task</a:t>
+                </a:r>
+                <a:r>
+                  <a:rPr lang="zh-CN" altLang="en-US" sz="1600" dirty="0">
+                    <a:solidFill>
+                      <a:srgbClr val="383B55"/>
+                    </a:solidFill>
+                    <a:latin typeface="Helvetica" pitchFamily="2" charset="0"/>
+                    <a:ea typeface="微软雅黑" panose="020B0503020204020204" pitchFamily="34" charset="-122"/>
+                  </a:rPr>
+                  <a:t> </a:t>
+                </a:r>
+                <a:r>
+                  <a:rPr lang="en-US" altLang="zh-CN" sz="1600" dirty="0">
+                    <a:solidFill>
+                      <a:srgbClr val="383B55"/>
+                    </a:solidFill>
+                    <a:latin typeface="Helvetica" pitchFamily="2" charset="0"/>
+                    <a:ea typeface="微软雅黑" panose="020B0503020204020204" pitchFamily="34" charset="-122"/>
+                  </a:rPr>
+                  <a:t>3</a:t>
+                </a:r>
+                <a:endParaRPr lang="zh-CN" altLang="en-US" sz="1600" dirty="0">
+                  <a:solidFill>
+                    <a:srgbClr val="383B55"/>
+                  </a:solidFill>
+                  <a:latin typeface="Helvetica" pitchFamily="2" charset="0"/>
+                  <a:ea typeface="微软雅黑" panose="020B0503020204020204" pitchFamily="34" charset="-122"/>
+                </a:endParaRPr>
+              </a:p>
+            </p:txBody>
+          </p:sp>
+          <p:cxnSp>
+            <p:nvCxnSpPr>
+              <p:cNvPr id="4" name="肘形连接符 3">
+                <a:extLst>
+                  <a:ext uri="{FF2B5EF4-FFF2-40B4-BE49-F238E27FC236}">
+                    <a16:creationId xmlns:a16="http://schemas.microsoft.com/office/drawing/2014/main" id="{8AB4ACD0-DD2E-AD49-8B87-67B87D6E52D9}"/>
+                  </a:ext>
+                </a:extLst>
+              </p:cNvPr>
+              <p:cNvCxnSpPr>
+                <a:stCxn id="18" idx="1"/>
+                <a:endCxn id="20" idx="0"/>
+              </p:cNvCxnSpPr>
+              <p:nvPr/>
+            </p:nvCxnSpPr>
+            <p:spPr>
+              <a:xfrm rot="10800000" flipV="1">
+                <a:off x="6887900" y="848268"/>
+                <a:ext cx="785080" cy="689864"/>
+              </a:xfrm>
+              <a:prstGeom prst="bentConnector2">
+                <a:avLst/>
+              </a:prstGeom>
+              <a:ln w="19050">
+                <a:solidFill>
+                  <a:srgbClr val="A2A5BC"/>
+                </a:solidFill>
+                <a:tailEnd type="triangle"/>
+              </a:ln>
+            </p:spPr>
+            <p:style>
+              <a:lnRef idx="1">
+                <a:schemeClr val="accent1"/>
+              </a:lnRef>
+              <a:fillRef idx="0">
+                <a:schemeClr val="accent1"/>
+              </a:fillRef>
+              <a:effectRef idx="0">
+                <a:schemeClr val="accent1"/>
+              </a:effectRef>
+              <a:fontRef idx="minor">
+                <a:schemeClr val="tx1"/>
+              </a:fontRef>
+            </p:style>
+          </p:cxnSp>
+          <p:cxnSp>
+            <p:nvCxnSpPr>
+              <p:cNvPr id="11" name="肘形连接符 10">
+                <a:extLst>
+                  <a:ext uri="{FF2B5EF4-FFF2-40B4-BE49-F238E27FC236}">
+                    <a16:creationId xmlns:a16="http://schemas.microsoft.com/office/drawing/2014/main" id="{6DA49248-D10F-934C-83E9-39C784755B52}"/>
+                  </a:ext>
+                </a:extLst>
+              </p:cNvPr>
+              <p:cNvCxnSpPr>
+                <a:stCxn id="18" idx="3"/>
+                <a:endCxn id="21" idx="0"/>
+              </p:cNvCxnSpPr>
+              <p:nvPr/>
+            </p:nvCxnSpPr>
+            <p:spPr>
+              <a:xfrm>
+                <a:off x="9243140" y="848268"/>
+                <a:ext cx="785080" cy="689863"/>
+              </a:xfrm>
+              <a:prstGeom prst="bentConnector2">
+                <a:avLst/>
+              </a:prstGeom>
+              <a:ln w="19050">
+                <a:solidFill>
+                  <a:srgbClr val="A2A5BC"/>
+                </a:solidFill>
+                <a:tailEnd type="triangle"/>
+              </a:ln>
+            </p:spPr>
+            <p:style>
+              <a:lnRef idx="1">
+                <a:schemeClr val="accent1"/>
+              </a:lnRef>
+              <a:fillRef idx="0">
+                <a:schemeClr val="accent1"/>
+              </a:fillRef>
+              <a:effectRef idx="0">
+                <a:schemeClr val="accent1"/>
+              </a:effectRef>
+              <a:fontRef idx="minor">
+                <a:schemeClr val="tx1"/>
+              </a:fontRef>
+            </p:style>
+          </p:cxnSp>
+          <p:cxnSp>
+            <p:nvCxnSpPr>
+              <p:cNvPr id="24" name="直线箭头连接符 23">
+                <a:extLst>
+                  <a:ext uri="{FF2B5EF4-FFF2-40B4-BE49-F238E27FC236}">
+                    <a16:creationId xmlns:a16="http://schemas.microsoft.com/office/drawing/2014/main" id="{3BE72C4E-BF36-C94A-B85E-014DC8DCE83A}"/>
+                  </a:ext>
+                </a:extLst>
+              </p:cNvPr>
+              <p:cNvCxnSpPr>
+                <a:stCxn id="21" idx="2"/>
+                <a:endCxn id="22" idx="0"/>
+              </p:cNvCxnSpPr>
+              <p:nvPr/>
+            </p:nvCxnSpPr>
+            <p:spPr>
+              <a:xfrm>
+                <a:off x="10028220" y="2060574"/>
+                <a:ext cx="0" cy="428642"/>
+              </a:xfrm>
+              <a:prstGeom prst="straightConnector1">
+                <a:avLst/>
+              </a:prstGeom>
+              <a:ln w="19050">
+                <a:solidFill>
+                  <a:srgbClr val="A2A5BC"/>
+                </a:solidFill>
+                <a:tailEnd type="triangle"/>
+              </a:ln>
+            </p:spPr>
+            <p:style>
+              <a:lnRef idx="1">
+                <a:schemeClr val="accent1"/>
+              </a:lnRef>
+              <a:fillRef idx="0">
+                <a:schemeClr val="accent1"/>
+              </a:fillRef>
+              <a:effectRef idx="0">
+                <a:schemeClr val="accent1"/>
+              </a:effectRef>
+              <a:fontRef idx="minor">
+                <a:schemeClr val="tx1"/>
+              </a:fontRef>
+            </p:style>
+          </p:cxnSp>
+        </p:grpSp>
+      </p:grpSp>
     </p:spTree>
     <p:extLst>
       <p:ext uri="{BB962C8B-B14F-4D97-AF65-F5344CB8AC3E}">
@@ -4068,522 +4550,701 @@
           <a:chExt cx="0" cy="0"/>
         </a:xfrm>
       </p:grpSpPr>
-      <p:sp>
-        <p:nvSpPr>
-          <p:cNvPr id="4" name="矩形 3"/>
-          <p:cNvSpPr/>
+      <p:grpSp>
+        <p:nvGrpSpPr>
+          <p:cNvPr id="2" name="组合 1">
+            <a:extLst>
+              <a:ext uri="{FF2B5EF4-FFF2-40B4-BE49-F238E27FC236}">
+                <a16:creationId xmlns:a16="http://schemas.microsoft.com/office/drawing/2014/main" id="{4488160D-0534-2E4E-AC5D-F22F9251EC1B}"/>
+              </a:ext>
+            </a:extLst>
+          </p:cNvPr>
+          <p:cNvGrpSpPr/>
           <p:nvPr/>
-        </p:nvSpPr>
-        <p:spPr>
+        </p:nvGrpSpPr>
+        <p:grpSpPr>
           <a:xfrm>
-            <a:off x="2078182" y="2392680"/>
-            <a:ext cx="6391564" cy="2522220"/>
+            <a:off x="1774308" y="2381956"/>
+            <a:ext cx="4828421" cy="2827189"/>
+            <a:chOff x="1774308" y="2381956"/>
+            <a:chExt cx="4828421" cy="2827189"/>
           </a:xfrm>
-          <a:prstGeom prst="rect">
-            <a:avLst/>
-          </a:prstGeom>
-          <a:solidFill>
-            <a:schemeClr val="accent3">
-              <a:alpha val="20000"/>
-            </a:schemeClr>
-          </a:solidFill>
-          <a:ln>
+        </p:grpSpPr>
+        <p:sp>
+          <p:nvSpPr>
+            <p:cNvPr id="12" name="文本框 11"/>
+            <p:cNvSpPr txBox="1"/>
+            <p:nvPr/>
+          </p:nvSpPr>
+          <p:spPr>
+            <a:xfrm>
+              <a:off x="2951927" y="4870591"/>
+              <a:ext cx="2747781" cy="338554"/>
+            </a:xfrm>
+            <a:prstGeom prst="rect">
+              <a:avLst/>
+            </a:prstGeom>
             <a:noFill/>
-          </a:ln>
-        </p:spPr>
-        <p:style>
-          <a:lnRef idx="0">
-            <a:scrgbClr r="0" g="0" b="0"/>
-          </a:lnRef>
-          <a:fillRef idx="0">
-            <a:scrgbClr r="0" g="0" b="0"/>
-          </a:fillRef>
-          <a:effectRef idx="0">
-            <a:scrgbClr r="0" g="0" b="0"/>
-          </a:effectRef>
-          <a:fontRef idx="minor">
-            <a:schemeClr val="lt1"/>
-          </a:fontRef>
-        </p:style>
-        <p:txBody>
-          <a:bodyPr rtlCol="0" anchor="ctr"/>
-          <a:lstStyle/>
-          <a:p>
-            <a:pPr algn="ctr"/>
-            <a:endParaRPr lang="zh-CN" altLang="en-US" sz="1200"/>
-          </a:p>
-        </p:txBody>
-      </p:sp>
-      <p:cxnSp>
-        <p:nvCxnSpPr>
-          <p:cNvPr id="9" name="直接箭头连接符 8"/>
-          <p:cNvCxnSpPr/>
-          <p:nvPr/>
-        </p:nvCxnSpPr>
-        <p:spPr>
-          <a:xfrm flipH="1">
-            <a:off x="4008120" y="2974109"/>
-            <a:ext cx="1265382" cy="434108"/>
-          </a:xfrm>
-          <a:prstGeom prst="straightConnector1">
-            <a:avLst/>
-          </a:prstGeom>
-          <a:ln w="19050" cap="flat" cmpd="sng" algn="ctr">
-            <a:solidFill>
-              <a:schemeClr val="accent3"/>
-            </a:solidFill>
-            <a:prstDash val="solid"/>
-            <a:round/>
-            <a:headEnd type="none" w="med" len="med"/>
-            <a:tailEnd type="arrow" w="med" len="med"/>
-          </a:ln>
-        </p:spPr>
-        <p:style>
-          <a:lnRef idx="0">
-            <a:scrgbClr r="0" g="0" b="0"/>
-          </a:lnRef>
-          <a:fillRef idx="0">
-            <a:scrgbClr r="0" g="0" b="0"/>
-          </a:fillRef>
-          <a:effectRef idx="0">
-            <a:scrgbClr r="0" g="0" b="0"/>
-          </a:effectRef>
-          <a:fontRef idx="minor">
-            <a:schemeClr val="tx1"/>
-          </a:fontRef>
-        </p:style>
-      </p:cxnSp>
-      <p:cxnSp>
-        <p:nvCxnSpPr>
-          <p:cNvPr id="10" name="直接箭头连接符 9"/>
-          <p:cNvCxnSpPr/>
-          <p:nvPr/>
-        </p:nvCxnSpPr>
-        <p:spPr>
-          <a:xfrm>
-            <a:off x="5273502" y="2974109"/>
-            <a:ext cx="1259381" cy="434108"/>
-          </a:xfrm>
-          <a:prstGeom prst="straightConnector1">
-            <a:avLst/>
-          </a:prstGeom>
-          <a:ln w="19050" cap="flat" cmpd="sng" algn="ctr">
-            <a:solidFill>
-              <a:schemeClr val="accent3"/>
-            </a:solidFill>
-            <a:prstDash val="solid"/>
-            <a:round/>
-            <a:headEnd type="none" w="med" len="med"/>
-            <a:tailEnd type="arrow" w="med" len="med"/>
-          </a:ln>
-        </p:spPr>
-        <p:style>
-          <a:lnRef idx="0">
-            <a:scrgbClr r="0" g="0" b="0"/>
-          </a:lnRef>
-          <a:fillRef idx="0">
-            <a:scrgbClr r="0" g="0" b="0"/>
-          </a:fillRef>
-          <a:effectRef idx="0">
-            <a:scrgbClr r="0" g="0" b="0"/>
-          </a:effectRef>
-          <a:fontRef idx="minor">
-            <a:schemeClr val="tx1"/>
-          </a:fontRef>
-        </p:style>
-      </p:cxnSp>
-      <p:cxnSp>
-        <p:nvCxnSpPr>
-          <p:cNvPr id="11" name="直接箭头连接符 10"/>
-          <p:cNvCxnSpPr/>
-          <p:nvPr/>
-        </p:nvCxnSpPr>
-        <p:spPr>
-          <a:xfrm>
-            <a:off x="6532883" y="3842327"/>
-            <a:ext cx="0" cy="434108"/>
-          </a:xfrm>
-          <a:prstGeom prst="straightConnector1">
-            <a:avLst/>
-          </a:prstGeom>
-          <a:ln w="19050" cap="flat" cmpd="sng" algn="ctr">
-            <a:solidFill>
-              <a:schemeClr val="accent3"/>
-            </a:solidFill>
-            <a:prstDash val="solid"/>
-            <a:round/>
-            <a:headEnd type="none" w="med" len="med"/>
-            <a:tailEnd type="arrow" w="med" len="med"/>
-          </a:ln>
-        </p:spPr>
-        <p:style>
-          <a:lnRef idx="0">
-            <a:scrgbClr r="0" g="0" b="0"/>
-          </a:lnRef>
-          <a:fillRef idx="0">
-            <a:scrgbClr r="0" g="0" b="0"/>
-          </a:fillRef>
-          <a:effectRef idx="0">
-            <a:scrgbClr r="0" g="0" b="0"/>
-          </a:effectRef>
-          <a:fontRef idx="minor">
-            <a:schemeClr val="tx1"/>
-          </a:fontRef>
-        </p:style>
-      </p:cxnSp>
-      <p:sp>
-        <p:nvSpPr>
-          <p:cNvPr id="12" name="文本框 11"/>
-          <p:cNvSpPr txBox="1"/>
-          <p:nvPr/>
-        </p:nvSpPr>
-        <p:spPr>
-          <a:xfrm>
-            <a:off x="2078182" y="2023348"/>
-            <a:ext cx="4027054" cy="369332"/>
-          </a:xfrm>
-          <a:prstGeom prst="rect">
-            <a:avLst/>
-          </a:prstGeom>
-          <a:noFill/>
-        </p:spPr>
-        <p:txBody>
-          <a:bodyPr wrap="square" rtlCol="0">
-            <a:spAutoFit/>
-          </a:bodyPr>
-          <a:lstStyle/>
-          <a:p>
-            <a:r>
-              <a:rPr lang="en-US" altLang="zh-CN" b="1" dirty="0" smtClean="0">
+          </p:spPr>
+          <p:txBody>
+            <a:bodyPr wrap="square" rtlCol="0">
+              <a:spAutoFit/>
+            </a:bodyPr>
+            <a:lstStyle/>
+            <a:p>
+              <a:r>
+                <a:rPr lang="en-US" altLang="zh-CN" sz="1600" dirty="0">
+                  <a:solidFill>
+                    <a:schemeClr val="tx1">
+                      <a:lumMod val="75000"/>
+                      <a:lumOff val="25000"/>
+                    </a:schemeClr>
+                  </a:solidFill>
+                  <a:latin typeface="Helvetica" pitchFamily="2" charset="0"/>
+                  <a:cs typeface="Arial" panose="020B0604020202020204" pitchFamily="34" charset="0"/>
+                </a:rPr>
+                <a:t>Workflow with Reference</a:t>
+              </a:r>
+              <a:endParaRPr lang="zh-CN" altLang="en-US" sz="1600" dirty="0">
                 <a:solidFill>
                   <a:schemeClr val="tx1">
                     <a:lumMod val="75000"/>
                     <a:lumOff val="25000"/>
                   </a:schemeClr>
                 </a:solidFill>
-                <a:latin typeface="Arial" panose="020B0604020202020204" pitchFamily="34" charset="0"/>
+                <a:latin typeface="Helvetica" pitchFamily="2" charset="0"/>
                 <a:cs typeface="Arial" panose="020B0604020202020204" pitchFamily="34" charset="0"/>
-              </a:rPr>
-              <a:t>Workflow with Reference</a:t>
-            </a:r>
-            <a:endParaRPr lang="zh-CN" altLang="en-US" b="1" dirty="0">
-              <a:solidFill>
-                <a:schemeClr val="tx1">
-                  <a:lumMod val="75000"/>
-                  <a:lumOff val="25000"/>
+              </a:endParaRPr>
+            </a:p>
+          </p:txBody>
+        </p:sp>
+        <p:grpSp>
+          <p:nvGrpSpPr>
+            <p:cNvPr id="42" name="组合 41">
+              <a:extLst>
+                <a:ext uri="{FF2B5EF4-FFF2-40B4-BE49-F238E27FC236}">
+                  <a16:creationId xmlns:a16="http://schemas.microsoft.com/office/drawing/2014/main" id="{AB981B51-D332-AF47-B55E-D73615F2793B}"/>
+                </a:ext>
+              </a:extLst>
+            </p:cNvPr>
+            <p:cNvGrpSpPr/>
+            <p:nvPr/>
+          </p:nvGrpSpPr>
+          <p:grpSpPr>
+            <a:xfrm>
+              <a:off x="1774308" y="2381956"/>
+              <a:ext cx="4828421" cy="2424613"/>
+              <a:chOff x="6102820" y="587046"/>
+              <a:chExt cx="4828421" cy="2424613"/>
+            </a:xfrm>
+          </p:grpSpPr>
+          <p:sp>
+            <p:nvSpPr>
+              <p:cNvPr id="43" name="文本框 42">
+                <a:extLst>
+                  <a:ext uri="{FF2B5EF4-FFF2-40B4-BE49-F238E27FC236}">
+                    <a16:creationId xmlns:a16="http://schemas.microsoft.com/office/drawing/2014/main" id="{4BF536A0-0A5D-B347-A9E2-90417A691AE6}"/>
+                  </a:ext>
+                </a:extLst>
+              </p:cNvPr>
+              <p:cNvSpPr txBox="1"/>
+              <p:nvPr/>
+            </p:nvSpPr>
+            <p:spPr>
+              <a:xfrm>
+                <a:off x="6346901" y="1103655"/>
+                <a:ext cx="777240" cy="276999"/>
+              </a:xfrm>
+              <a:prstGeom prst="rect">
+                <a:avLst/>
+              </a:prstGeom>
+              <a:noFill/>
+            </p:spPr>
+            <p:txBody>
+              <a:bodyPr wrap="square" rtlCol="0">
+                <a:spAutoFit/>
+              </a:bodyPr>
+              <a:lstStyle/>
+              <a:p>
+                <a:r>
+                  <a:rPr lang="en-US" altLang="zh-CN" sz="1200" dirty="0">
+                    <a:solidFill>
+                      <a:srgbClr val="383B55"/>
+                    </a:solidFill>
+                    <a:latin typeface="Helvetica" pitchFamily="2" charset="0"/>
+                  </a:rPr>
+                  <a:t>True</a:t>
+                </a:r>
+                <a:endParaRPr lang="zh-CN" altLang="en-US" sz="1200" dirty="0">
+                  <a:solidFill>
+                    <a:srgbClr val="383B55"/>
+                  </a:solidFill>
+                  <a:latin typeface="Helvetica" pitchFamily="2" charset="0"/>
+                </a:endParaRPr>
+              </a:p>
+            </p:txBody>
+          </p:sp>
+          <p:sp>
+            <p:nvSpPr>
+              <p:cNvPr id="44" name="文本框 43">
+                <a:extLst>
+                  <a:ext uri="{FF2B5EF4-FFF2-40B4-BE49-F238E27FC236}">
+                    <a16:creationId xmlns:a16="http://schemas.microsoft.com/office/drawing/2014/main" id="{A49A9D33-5079-A545-A06B-A38318B68BBC}"/>
+                  </a:ext>
+                </a:extLst>
+              </p:cNvPr>
+              <p:cNvSpPr txBox="1"/>
+              <p:nvPr/>
+            </p:nvSpPr>
+            <p:spPr>
+              <a:xfrm>
+                <a:off x="10154001" y="1103654"/>
+                <a:ext cx="777240" cy="276999"/>
+              </a:xfrm>
+              <a:prstGeom prst="rect">
+                <a:avLst/>
+              </a:prstGeom>
+              <a:noFill/>
+            </p:spPr>
+            <p:txBody>
+              <a:bodyPr wrap="square" rtlCol="0">
+                <a:spAutoFit/>
+              </a:bodyPr>
+              <a:lstStyle/>
+              <a:p>
+                <a:r>
+                  <a:rPr lang="en-US" altLang="zh-CN" sz="1200" dirty="0">
+                    <a:solidFill>
+                      <a:srgbClr val="383B55"/>
+                    </a:solidFill>
+                    <a:latin typeface="Helvetica" pitchFamily="2" charset="0"/>
+                  </a:rPr>
+                  <a:t>True</a:t>
+                </a:r>
+                <a:endParaRPr lang="zh-CN" altLang="en-US" sz="1200" dirty="0">
+                  <a:solidFill>
+                    <a:srgbClr val="383B55"/>
+                  </a:solidFill>
+                  <a:latin typeface="Helvetica" pitchFamily="2" charset="0"/>
+                </a:endParaRPr>
+              </a:p>
+            </p:txBody>
+          </p:sp>
+          <p:sp>
+            <p:nvSpPr>
+              <p:cNvPr id="45" name="文本框 44">
+                <a:extLst>
+                  <a:ext uri="{FF2B5EF4-FFF2-40B4-BE49-F238E27FC236}">
+                    <a16:creationId xmlns:a16="http://schemas.microsoft.com/office/drawing/2014/main" id="{7CAAFE9B-1D9C-384D-91BA-5CCF04441135}"/>
+                  </a:ext>
+                </a:extLst>
+              </p:cNvPr>
+              <p:cNvSpPr txBox="1"/>
+              <p:nvPr/>
+            </p:nvSpPr>
+            <p:spPr>
+              <a:xfrm>
+                <a:off x="10154001" y="2136395"/>
+                <a:ext cx="777240" cy="276999"/>
+              </a:xfrm>
+              <a:prstGeom prst="rect">
+                <a:avLst/>
+              </a:prstGeom>
+              <a:noFill/>
+            </p:spPr>
+            <p:txBody>
+              <a:bodyPr wrap="square" rtlCol="0">
+                <a:spAutoFit/>
+              </a:bodyPr>
+              <a:lstStyle/>
+              <a:p>
+                <a:r>
+                  <a:rPr lang="en-US" altLang="zh-CN" sz="1200" dirty="0">
+                    <a:solidFill>
+                      <a:srgbClr val="383B55"/>
+                    </a:solidFill>
+                    <a:latin typeface="Helvetica" pitchFamily="2" charset="0"/>
+                  </a:rPr>
+                  <a:t>False</a:t>
+                </a:r>
+                <a:endParaRPr lang="zh-CN" altLang="en-US" sz="1200" dirty="0">
+                  <a:solidFill>
+                    <a:srgbClr val="383B55"/>
+                  </a:solidFill>
+                  <a:latin typeface="Helvetica" pitchFamily="2" charset="0"/>
+                </a:endParaRPr>
+              </a:p>
+            </p:txBody>
+          </p:sp>
+          <p:sp>
+            <p:nvSpPr>
+              <p:cNvPr id="46" name="矩形 45">
+                <a:extLst>
+                  <a:ext uri="{FF2B5EF4-FFF2-40B4-BE49-F238E27FC236}">
+                    <a16:creationId xmlns:a16="http://schemas.microsoft.com/office/drawing/2014/main" id="{15804AF3-DB4C-6E43-8AF2-634CA8521BE9}"/>
+                  </a:ext>
+                </a:extLst>
+              </p:cNvPr>
+              <p:cNvSpPr/>
+              <p:nvPr/>
+            </p:nvSpPr>
+            <p:spPr>
+              <a:xfrm>
+                <a:off x="7672980" y="587046"/>
+                <a:ext cx="1570160" cy="522443"/>
+              </a:xfrm>
+              <a:prstGeom prst="rect">
+                <a:avLst/>
+              </a:prstGeom>
+              <a:noFill/>
+              <a:ln w="19050">
+                <a:solidFill>
+                  <a:srgbClr val="0A6EFA"/>
+                </a:solidFill>
+              </a:ln>
+            </p:spPr>
+            <p:style>
+              <a:lnRef idx="2">
+                <a:schemeClr val="accent1">
+                  <a:shade val="50000"/>
                 </a:schemeClr>
-              </a:solidFill>
-              <a:latin typeface="Arial" panose="020B0604020202020204" pitchFamily="34" charset="0"/>
-              <a:cs typeface="Arial" panose="020B0604020202020204" pitchFamily="34" charset="0"/>
-            </a:endParaRPr>
-          </a:p>
-        </p:txBody>
-      </p:sp>
-      <p:sp>
-        <p:nvSpPr>
-          <p:cNvPr id="13" name="文本框 12"/>
-          <p:cNvSpPr txBox="1"/>
-          <p:nvPr/>
-        </p:nvSpPr>
-        <p:spPr>
-          <a:xfrm>
-            <a:off x="3932845" y="2931342"/>
-            <a:ext cx="777240" cy="276999"/>
-          </a:xfrm>
-          <a:prstGeom prst="rect">
-            <a:avLst/>
-          </a:prstGeom>
-          <a:noFill/>
-        </p:spPr>
-        <p:txBody>
-          <a:bodyPr wrap="square" rtlCol="0">
-            <a:spAutoFit/>
-          </a:bodyPr>
-          <a:lstStyle/>
-          <a:p>
-            <a:r>
-              <a:rPr lang="en-US" altLang="zh-CN" sz="1200" dirty="0" smtClean="0"/>
-              <a:t>True</a:t>
-            </a:r>
-            <a:endParaRPr lang="zh-CN" altLang="en-US" sz="1200" dirty="0"/>
-          </a:p>
-        </p:txBody>
-      </p:sp>
-      <p:sp>
-        <p:nvSpPr>
-          <p:cNvPr id="14" name="文本框 13"/>
-          <p:cNvSpPr txBox="1"/>
-          <p:nvPr/>
-        </p:nvSpPr>
-        <p:spPr>
-          <a:xfrm>
-            <a:off x="5830918" y="2931342"/>
-            <a:ext cx="777240" cy="276999"/>
-          </a:xfrm>
-          <a:prstGeom prst="rect">
-            <a:avLst/>
-          </a:prstGeom>
-          <a:noFill/>
-        </p:spPr>
-        <p:txBody>
-          <a:bodyPr wrap="square" rtlCol="0">
-            <a:spAutoFit/>
-          </a:bodyPr>
-          <a:lstStyle/>
-          <a:p>
-            <a:r>
-              <a:rPr lang="en-US" altLang="zh-CN" sz="1200" dirty="0" smtClean="0"/>
-              <a:t>True</a:t>
-            </a:r>
-            <a:endParaRPr lang="zh-CN" altLang="en-US" sz="1200" dirty="0"/>
-          </a:p>
-        </p:txBody>
-      </p:sp>
-      <p:sp>
-        <p:nvSpPr>
-          <p:cNvPr id="15" name="文本框 14"/>
-          <p:cNvSpPr txBox="1"/>
-          <p:nvPr/>
-        </p:nvSpPr>
-        <p:spPr>
-          <a:xfrm>
-            <a:off x="6532883" y="3874715"/>
-            <a:ext cx="777240" cy="276999"/>
-          </a:xfrm>
-          <a:prstGeom prst="rect">
-            <a:avLst/>
-          </a:prstGeom>
-          <a:noFill/>
-        </p:spPr>
-        <p:txBody>
-          <a:bodyPr wrap="square" rtlCol="0">
-            <a:spAutoFit/>
-          </a:bodyPr>
-          <a:lstStyle/>
-          <a:p>
-            <a:r>
-              <a:rPr lang="en-US" altLang="zh-CN" sz="1200" dirty="0" smtClean="0"/>
-              <a:t>False</a:t>
-            </a:r>
-            <a:endParaRPr lang="zh-CN" altLang="en-US" sz="1200" dirty="0"/>
-          </a:p>
-        </p:txBody>
-      </p:sp>
-      <p:sp>
-        <p:nvSpPr>
-          <p:cNvPr id="21" name="圆角矩形 20"/>
-          <p:cNvSpPr/>
-          <p:nvPr/>
-        </p:nvSpPr>
-        <p:spPr>
-          <a:xfrm>
-            <a:off x="4644273" y="2529622"/>
-            <a:ext cx="1259381" cy="434108"/>
-          </a:xfrm>
-          <a:prstGeom prst="roundRect">
-            <a:avLst>
-              <a:gd name="adj" fmla="val 50000"/>
-            </a:avLst>
-          </a:prstGeom>
-        </p:spPr>
-        <p:style>
-          <a:lnRef idx="0">
-            <a:schemeClr val="accent1"/>
-          </a:lnRef>
-          <a:fillRef idx="3">
-            <a:schemeClr val="accent1"/>
-          </a:fillRef>
-          <a:effectRef idx="3">
-            <a:schemeClr val="accent1"/>
-          </a:effectRef>
-          <a:fontRef idx="minor">
-            <a:schemeClr val="lt1"/>
-          </a:fontRef>
-        </p:style>
-        <p:txBody>
-          <a:bodyPr rtlCol="0" anchor="ctr"/>
-          <a:lstStyle/>
-          <a:p>
-            <a:pPr algn="ctr"/>
-            <a:r>
-              <a:rPr lang="en-US" altLang="zh-CN" sz="1200" dirty="0" smtClean="0"/>
-              <a:t>Reference</a:t>
-            </a:r>
-            <a:endParaRPr lang="zh-CN" altLang="en-US" sz="1200" dirty="0"/>
-          </a:p>
-        </p:txBody>
-      </p:sp>
-      <p:sp>
-        <p:nvSpPr>
-          <p:cNvPr id="16" name="Rectangle 9">
-            <a:extLst>
-              <a:ext uri="{FF2B5EF4-FFF2-40B4-BE49-F238E27FC236}">
-                <a16:creationId xmlns:a16="http://schemas.microsoft.com/office/drawing/2014/main" id="{3F633B44-BF29-DA48-9C0D-5DDF063079E3}"/>
-              </a:ext>
-            </a:extLst>
-          </p:cNvPr>
-          <p:cNvSpPr/>
-          <p:nvPr/>
-        </p:nvSpPr>
-        <p:spPr>
-          <a:xfrm>
-            <a:off x="3375429" y="3418596"/>
-            <a:ext cx="1265382" cy="435405"/>
-          </a:xfrm>
-          <a:prstGeom prst="rect">
-            <a:avLst/>
-          </a:prstGeom>
-          <a:ln/>
-        </p:spPr>
-        <p:style>
-          <a:lnRef idx="0">
-            <a:schemeClr val="accent1"/>
-          </a:lnRef>
-          <a:fillRef idx="3">
-            <a:schemeClr val="accent1"/>
-          </a:fillRef>
-          <a:effectRef idx="3">
-            <a:schemeClr val="accent1"/>
-          </a:effectRef>
-          <a:fontRef idx="minor">
-            <a:schemeClr val="lt1"/>
-          </a:fontRef>
-        </p:style>
-        <p:txBody>
-          <a:bodyPr rtlCol="0" anchor="ctr"/>
-          <a:lstStyle/>
-          <a:p>
-            <a:pPr algn="ctr"/>
-            <a:r>
-              <a:rPr lang="en-US" altLang="zh-CN" sz="1400" dirty="0" smtClean="0">
+              </a:lnRef>
+              <a:fillRef idx="1">
+                <a:schemeClr val="accent1"/>
+              </a:fillRef>
+              <a:effectRef idx="0">
+                <a:schemeClr val="accent1"/>
+              </a:effectRef>
+              <a:fontRef idx="minor">
+                <a:schemeClr val="lt1"/>
+              </a:fontRef>
+            </p:style>
+            <p:txBody>
+              <a:bodyPr rtlCol="0" anchor="ctr"/>
+              <a:lstStyle/>
+              <a:p>
+                <a:pPr algn="ctr"/>
+                <a:r>
+                  <a:rPr lang="en-US" altLang="zh-CN" sz="1600" dirty="0">
+                    <a:solidFill>
+                      <a:srgbClr val="383B55"/>
+                    </a:solidFill>
+                    <a:latin typeface="Helvetica" pitchFamily="2" charset="0"/>
+                    <a:ea typeface="微软雅黑" panose="020B0503020204020204" pitchFamily="34" charset="-122"/>
+                  </a:rPr>
+                  <a:t>Reference</a:t>
+                </a:r>
+                <a:endParaRPr lang="zh-CN" altLang="en-US" sz="1600" dirty="0">
+                  <a:solidFill>
+                    <a:srgbClr val="383B55"/>
+                  </a:solidFill>
+                  <a:latin typeface="Helvetica" pitchFamily="2" charset="0"/>
+                  <a:ea typeface="微软雅黑" panose="020B0503020204020204" pitchFamily="34" charset="-122"/>
+                </a:endParaRPr>
+              </a:p>
+            </p:txBody>
+          </p:sp>
+          <p:sp>
+            <p:nvSpPr>
+              <p:cNvPr id="47" name="矩形 46">
+                <a:extLst>
+                  <a:ext uri="{FF2B5EF4-FFF2-40B4-BE49-F238E27FC236}">
+                    <a16:creationId xmlns:a16="http://schemas.microsoft.com/office/drawing/2014/main" id="{D6C58F37-7351-C24E-A4EA-B1A3147B2F48}"/>
+                  </a:ext>
+                </a:extLst>
+              </p:cNvPr>
+              <p:cNvSpPr/>
+              <p:nvPr/>
+            </p:nvSpPr>
+            <p:spPr>
+              <a:xfrm>
+                <a:off x="6102820" y="1538132"/>
+                <a:ext cx="1570160" cy="522443"/>
+              </a:xfrm>
+              <a:prstGeom prst="rect">
+                <a:avLst/>
+              </a:prstGeom>
+              <a:noFill/>
+              <a:ln w="19050">
                 <a:solidFill>
-                  <a:schemeClr val="bg1"/>
+                  <a:srgbClr val="0A6EFA"/>
                 </a:solidFill>
-              </a:rPr>
-              <a:t>Task 1</a:t>
-            </a:r>
-            <a:endParaRPr lang="en-US" sz="1400" dirty="0">
-              <a:solidFill>
-                <a:schemeClr val="bg1"/>
-              </a:solidFill>
-            </a:endParaRPr>
-          </a:p>
-        </p:txBody>
-      </p:sp>
-      <p:sp>
-        <p:nvSpPr>
-          <p:cNvPr id="17" name="Rectangle 9">
-            <a:extLst>
-              <a:ext uri="{FF2B5EF4-FFF2-40B4-BE49-F238E27FC236}">
-                <a16:creationId xmlns:a16="http://schemas.microsoft.com/office/drawing/2014/main" id="{3F633B44-BF29-DA48-9C0D-5DDF063079E3}"/>
-              </a:ext>
-            </a:extLst>
-          </p:cNvPr>
-          <p:cNvSpPr/>
-          <p:nvPr/>
-        </p:nvSpPr>
-        <p:spPr>
-          <a:xfrm>
-            <a:off x="5830918" y="3398683"/>
-            <a:ext cx="1265382" cy="435405"/>
-          </a:xfrm>
-          <a:prstGeom prst="rect">
-            <a:avLst/>
-          </a:prstGeom>
-          <a:ln/>
-        </p:spPr>
-        <p:style>
-          <a:lnRef idx="0">
-            <a:schemeClr val="accent1"/>
-          </a:lnRef>
-          <a:fillRef idx="3">
-            <a:schemeClr val="accent1"/>
-          </a:fillRef>
-          <a:effectRef idx="3">
-            <a:schemeClr val="accent1"/>
-          </a:effectRef>
-          <a:fontRef idx="minor">
-            <a:schemeClr val="lt1"/>
-          </a:fontRef>
-        </p:style>
-        <p:txBody>
-          <a:bodyPr rtlCol="0" anchor="ctr"/>
-          <a:lstStyle/>
-          <a:p>
-            <a:pPr algn="ctr"/>
-            <a:r>
-              <a:rPr lang="en-US" altLang="zh-CN" sz="1400" dirty="0" smtClean="0">
+              </a:ln>
+            </p:spPr>
+            <p:style>
+              <a:lnRef idx="2">
+                <a:schemeClr val="accent1">
+                  <a:shade val="50000"/>
+                </a:schemeClr>
+              </a:lnRef>
+              <a:fillRef idx="1">
+                <a:schemeClr val="accent1"/>
+              </a:fillRef>
+              <a:effectRef idx="0">
+                <a:schemeClr val="accent1"/>
+              </a:effectRef>
+              <a:fontRef idx="minor">
+                <a:schemeClr val="lt1"/>
+              </a:fontRef>
+            </p:style>
+            <p:txBody>
+              <a:bodyPr rtlCol="0" anchor="ctr"/>
+              <a:lstStyle/>
+              <a:p>
+                <a:pPr algn="ctr"/>
+                <a:r>
+                  <a:rPr lang="en-US" altLang="zh-CN" sz="1600" dirty="0">
+                    <a:solidFill>
+                      <a:srgbClr val="383B55"/>
+                    </a:solidFill>
+                    <a:latin typeface="Helvetica" pitchFamily="2" charset="0"/>
+                    <a:ea typeface="微软雅黑" panose="020B0503020204020204" pitchFamily="34" charset="-122"/>
+                  </a:rPr>
+                  <a:t>Task</a:t>
+                </a:r>
+                <a:r>
+                  <a:rPr lang="zh-CN" altLang="en-US" sz="1600" dirty="0">
+                    <a:solidFill>
+                      <a:srgbClr val="383B55"/>
+                    </a:solidFill>
+                    <a:latin typeface="Helvetica" pitchFamily="2" charset="0"/>
+                    <a:ea typeface="微软雅黑" panose="020B0503020204020204" pitchFamily="34" charset="-122"/>
+                  </a:rPr>
+                  <a:t> </a:t>
+                </a:r>
+                <a:r>
+                  <a:rPr lang="en-US" altLang="zh-CN" sz="1600" dirty="0">
+                    <a:solidFill>
+                      <a:srgbClr val="383B55"/>
+                    </a:solidFill>
+                    <a:latin typeface="Helvetica" pitchFamily="2" charset="0"/>
+                    <a:ea typeface="微软雅黑" panose="020B0503020204020204" pitchFamily="34" charset="-122"/>
+                  </a:rPr>
+                  <a:t>1</a:t>
+                </a:r>
+                <a:endParaRPr lang="zh-CN" altLang="en-US" sz="1600" dirty="0">
+                  <a:solidFill>
+                    <a:srgbClr val="383B55"/>
+                  </a:solidFill>
+                  <a:latin typeface="Helvetica" pitchFamily="2" charset="0"/>
+                  <a:ea typeface="微软雅黑" panose="020B0503020204020204" pitchFamily="34" charset="-122"/>
+                </a:endParaRPr>
+              </a:p>
+            </p:txBody>
+          </p:sp>
+          <p:sp>
+            <p:nvSpPr>
+              <p:cNvPr id="48" name="矩形 47">
+                <a:extLst>
+                  <a:ext uri="{FF2B5EF4-FFF2-40B4-BE49-F238E27FC236}">
+                    <a16:creationId xmlns:a16="http://schemas.microsoft.com/office/drawing/2014/main" id="{CF6E43D3-89E2-8F4C-B151-99E0F1DEC82B}"/>
+                  </a:ext>
+                </a:extLst>
+              </p:cNvPr>
+              <p:cNvSpPr/>
+              <p:nvPr/>
+            </p:nvSpPr>
+            <p:spPr>
+              <a:xfrm>
+                <a:off x="9243140" y="1538131"/>
+                <a:ext cx="1570160" cy="522443"/>
+              </a:xfrm>
+              <a:prstGeom prst="rect">
+                <a:avLst/>
+              </a:prstGeom>
+              <a:noFill/>
+              <a:ln w="19050">
                 <a:solidFill>
-                  <a:schemeClr val="bg1"/>
+                  <a:srgbClr val="0A6EFA"/>
                 </a:solidFill>
-              </a:rPr>
-              <a:t>Task 2</a:t>
-            </a:r>
-            <a:endParaRPr lang="en-US" sz="1400" dirty="0">
-              <a:solidFill>
-                <a:schemeClr val="bg1"/>
-              </a:solidFill>
-            </a:endParaRPr>
-          </a:p>
-        </p:txBody>
-      </p:sp>
-      <p:sp>
-        <p:nvSpPr>
-          <p:cNvPr id="18" name="Rectangle 9">
-            <a:extLst>
-              <a:ext uri="{FF2B5EF4-FFF2-40B4-BE49-F238E27FC236}">
-                <a16:creationId xmlns:a16="http://schemas.microsoft.com/office/drawing/2014/main" id="{3F633B44-BF29-DA48-9C0D-5DDF063079E3}"/>
-              </a:ext>
-            </a:extLst>
-          </p:cNvPr>
-          <p:cNvSpPr/>
-          <p:nvPr/>
-        </p:nvSpPr>
-        <p:spPr>
-          <a:xfrm>
-            <a:off x="5830918" y="4284674"/>
-            <a:ext cx="1265382" cy="435405"/>
-          </a:xfrm>
-          <a:prstGeom prst="rect">
-            <a:avLst/>
-          </a:prstGeom>
-          <a:ln/>
-        </p:spPr>
-        <p:style>
-          <a:lnRef idx="0">
-            <a:schemeClr val="accent1"/>
-          </a:lnRef>
-          <a:fillRef idx="3">
-            <a:schemeClr val="accent1"/>
-          </a:fillRef>
-          <a:effectRef idx="3">
-            <a:schemeClr val="accent1"/>
-          </a:effectRef>
-          <a:fontRef idx="minor">
-            <a:schemeClr val="lt1"/>
-          </a:fontRef>
-        </p:style>
-        <p:txBody>
-          <a:bodyPr rtlCol="0" anchor="ctr"/>
-          <a:lstStyle/>
-          <a:p>
-            <a:pPr algn="ctr"/>
-            <a:r>
-              <a:rPr lang="en-US" altLang="zh-CN" sz="1400" dirty="0" smtClean="0">
+              </a:ln>
+            </p:spPr>
+            <p:style>
+              <a:lnRef idx="2">
+                <a:schemeClr val="accent1">
+                  <a:shade val="50000"/>
+                </a:schemeClr>
+              </a:lnRef>
+              <a:fillRef idx="1">
+                <a:schemeClr val="accent1"/>
+              </a:fillRef>
+              <a:effectRef idx="0">
+                <a:schemeClr val="accent1"/>
+              </a:effectRef>
+              <a:fontRef idx="minor">
+                <a:schemeClr val="lt1"/>
+              </a:fontRef>
+            </p:style>
+            <p:txBody>
+              <a:bodyPr rtlCol="0" anchor="ctr"/>
+              <a:lstStyle/>
+              <a:p>
+                <a:pPr algn="ctr"/>
+                <a:r>
+                  <a:rPr lang="en-US" altLang="zh-CN" sz="1600" dirty="0">
+                    <a:solidFill>
+                      <a:srgbClr val="383B55"/>
+                    </a:solidFill>
+                    <a:latin typeface="Helvetica" pitchFamily="2" charset="0"/>
+                    <a:ea typeface="微软雅黑" panose="020B0503020204020204" pitchFamily="34" charset="-122"/>
+                  </a:rPr>
+                  <a:t>Task</a:t>
+                </a:r>
+                <a:r>
+                  <a:rPr lang="zh-CN" altLang="en-US" sz="1600" dirty="0">
+                    <a:solidFill>
+                      <a:srgbClr val="383B55"/>
+                    </a:solidFill>
+                    <a:latin typeface="Helvetica" pitchFamily="2" charset="0"/>
+                    <a:ea typeface="微软雅黑" panose="020B0503020204020204" pitchFamily="34" charset="-122"/>
+                  </a:rPr>
+                  <a:t> </a:t>
+                </a:r>
+                <a:r>
+                  <a:rPr lang="en-US" altLang="zh-CN" sz="1600" dirty="0">
+                    <a:solidFill>
+                      <a:srgbClr val="383B55"/>
+                    </a:solidFill>
+                    <a:latin typeface="Helvetica" pitchFamily="2" charset="0"/>
+                    <a:ea typeface="微软雅黑" panose="020B0503020204020204" pitchFamily="34" charset="-122"/>
+                  </a:rPr>
+                  <a:t>2</a:t>
+                </a:r>
+                <a:endParaRPr lang="zh-CN" altLang="en-US" sz="1600" dirty="0">
+                  <a:solidFill>
+                    <a:srgbClr val="383B55"/>
+                  </a:solidFill>
+                  <a:latin typeface="Helvetica" pitchFamily="2" charset="0"/>
+                  <a:ea typeface="微软雅黑" panose="020B0503020204020204" pitchFamily="34" charset="-122"/>
+                </a:endParaRPr>
+              </a:p>
+            </p:txBody>
+          </p:sp>
+          <p:sp>
+            <p:nvSpPr>
+              <p:cNvPr id="49" name="矩形 48">
+                <a:extLst>
+                  <a:ext uri="{FF2B5EF4-FFF2-40B4-BE49-F238E27FC236}">
+                    <a16:creationId xmlns:a16="http://schemas.microsoft.com/office/drawing/2014/main" id="{3FF9A1CD-C027-2B45-8889-A3C3E2A87FE1}"/>
+                  </a:ext>
+                </a:extLst>
+              </p:cNvPr>
+              <p:cNvSpPr/>
+              <p:nvPr/>
+            </p:nvSpPr>
+            <p:spPr>
+              <a:xfrm>
+                <a:off x="9243140" y="2489216"/>
+                <a:ext cx="1570160" cy="522443"/>
+              </a:xfrm>
+              <a:prstGeom prst="rect">
+                <a:avLst/>
+              </a:prstGeom>
+              <a:noFill/>
+              <a:ln w="19050">
                 <a:solidFill>
-                  <a:schemeClr val="bg1"/>
+                  <a:srgbClr val="0A6EFA"/>
                 </a:solidFill>
-              </a:rPr>
-              <a:t>Task 3</a:t>
-            </a:r>
-            <a:endParaRPr lang="en-US" sz="1400" dirty="0">
-              <a:solidFill>
-                <a:schemeClr val="bg1"/>
-              </a:solidFill>
-            </a:endParaRPr>
-          </a:p>
-        </p:txBody>
-      </p:sp>
+              </a:ln>
+            </p:spPr>
+            <p:style>
+              <a:lnRef idx="2">
+                <a:schemeClr val="accent1">
+                  <a:shade val="50000"/>
+                </a:schemeClr>
+              </a:lnRef>
+              <a:fillRef idx="1">
+                <a:schemeClr val="accent1"/>
+              </a:fillRef>
+              <a:effectRef idx="0">
+                <a:schemeClr val="accent1"/>
+              </a:effectRef>
+              <a:fontRef idx="minor">
+                <a:schemeClr val="lt1"/>
+              </a:fontRef>
+            </p:style>
+            <p:txBody>
+              <a:bodyPr rtlCol="0" anchor="ctr"/>
+              <a:lstStyle/>
+              <a:p>
+                <a:pPr algn="ctr"/>
+                <a:r>
+                  <a:rPr lang="en-US" altLang="zh-CN" sz="1600" dirty="0">
+                    <a:solidFill>
+                      <a:srgbClr val="383B55"/>
+                    </a:solidFill>
+                    <a:latin typeface="Helvetica" pitchFamily="2" charset="0"/>
+                    <a:ea typeface="微软雅黑" panose="020B0503020204020204" pitchFamily="34" charset="-122"/>
+                  </a:rPr>
+                  <a:t>Task</a:t>
+                </a:r>
+                <a:r>
+                  <a:rPr lang="zh-CN" altLang="en-US" sz="1600" dirty="0">
+                    <a:solidFill>
+                      <a:srgbClr val="383B55"/>
+                    </a:solidFill>
+                    <a:latin typeface="Helvetica" pitchFamily="2" charset="0"/>
+                    <a:ea typeface="微软雅黑" panose="020B0503020204020204" pitchFamily="34" charset="-122"/>
+                  </a:rPr>
+                  <a:t> </a:t>
+                </a:r>
+                <a:r>
+                  <a:rPr lang="en-US" altLang="zh-CN" sz="1600" dirty="0">
+                    <a:solidFill>
+                      <a:srgbClr val="383B55"/>
+                    </a:solidFill>
+                    <a:latin typeface="Helvetica" pitchFamily="2" charset="0"/>
+                    <a:ea typeface="微软雅黑" panose="020B0503020204020204" pitchFamily="34" charset="-122"/>
+                  </a:rPr>
+                  <a:t>3</a:t>
+                </a:r>
+                <a:endParaRPr lang="zh-CN" altLang="en-US" sz="1600" dirty="0">
+                  <a:solidFill>
+                    <a:srgbClr val="383B55"/>
+                  </a:solidFill>
+                  <a:latin typeface="Helvetica" pitchFamily="2" charset="0"/>
+                  <a:ea typeface="微软雅黑" panose="020B0503020204020204" pitchFamily="34" charset="-122"/>
+                </a:endParaRPr>
+              </a:p>
+            </p:txBody>
+          </p:sp>
+          <p:cxnSp>
+            <p:nvCxnSpPr>
+              <p:cNvPr id="50" name="肘形连接符 49">
+                <a:extLst>
+                  <a:ext uri="{FF2B5EF4-FFF2-40B4-BE49-F238E27FC236}">
+                    <a16:creationId xmlns:a16="http://schemas.microsoft.com/office/drawing/2014/main" id="{8CD7C8DE-1F7F-BE4A-8D64-2F6C3AC04E92}"/>
+                  </a:ext>
+                </a:extLst>
+              </p:cNvPr>
+              <p:cNvCxnSpPr>
+                <a:stCxn id="46" idx="1"/>
+                <a:endCxn id="47" idx="0"/>
+              </p:cNvCxnSpPr>
+              <p:nvPr/>
+            </p:nvCxnSpPr>
+            <p:spPr>
+              <a:xfrm rot="10800000" flipV="1">
+                <a:off x="6887900" y="848268"/>
+                <a:ext cx="785080" cy="689864"/>
+              </a:xfrm>
+              <a:prstGeom prst="bentConnector2">
+                <a:avLst/>
+              </a:prstGeom>
+              <a:ln w="19050">
+                <a:solidFill>
+                  <a:srgbClr val="A2A5BC"/>
+                </a:solidFill>
+                <a:tailEnd type="triangle"/>
+              </a:ln>
+            </p:spPr>
+            <p:style>
+              <a:lnRef idx="1">
+                <a:schemeClr val="accent1"/>
+              </a:lnRef>
+              <a:fillRef idx="0">
+                <a:schemeClr val="accent1"/>
+              </a:fillRef>
+              <a:effectRef idx="0">
+                <a:schemeClr val="accent1"/>
+              </a:effectRef>
+              <a:fontRef idx="minor">
+                <a:schemeClr val="tx1"/>
+              </a:fontRef>
+            </p:style>
+          </p:cxnSp>
+          <p:cxnSp>
+            <p:nvCxnSpPr>
+              <p:cNvPr id="51" name="肘形连接符 50">
+                <a:extLst>
+                  <a:ext uri="{FF2B5EF4-FFF2-40B4-BE49-F238E27FC236}">
+                    <a16:creationId xmlns:a16="http://schemas.microsoft.com/office/drawing/2014/main" id="{28B8CD2E-7F34-774C-AE6B-72DA5FCD0D68}"/>
+                  </a:ext>
+                </a:extLst>
+              </p:cNvPr>
+              <p:cNvCxnSpPr>
+                <a:stCxn id="46" idx="3"/>
+                <a:endCxn id="48" idx="0"/>
+              </p:cNvCxnSpPr>
+              <p:nvPr/>
+            </p:nvCxnSpPr>
+            <p:spPr>
+              <a:xfrm>
+                <a:off x="9243140" y="848268"/>
+                <a:ext cx="785080" cy="689863"/>
+              </a:xfrm>
+              <a:prstGeom prst="bentConnector2">
+                <a:avLst/>
+              </a:prstGeom>
+              <a:ln w="19050">
+                <a:solidFill>
+                  <a:srgbClr val="A2A5BC"/>
+                </a:solidFill>
+                <a:tailEnd type="triangle"/>
+              </a:ln>
+            </p:spPr>
+            <p:style>
+              <a:lnRef idx="1">
+                <a:schemeClr val="accent1"/>
+              </a:lnRef>
+              <a:fillRef idx="0">
+                <a:schemeClr val="accent1"/>
+              </a:fillRef>
+              <a:effectRef idx="0">
+                <a:schemeClr val="accent1"/>
+              </a:effectRef>
+              <a:fontRef idx="minor">
+                <a:schemeClr val="tx1"/>
+              </a:fontRef>
+            </p:style>
+          </p:cxnSp>
+          <p:cxnSp>
+            <p:nvCxnSpPr>
+              <p:cNvPr id="52" name="直线箭头连接符 51">
+                <a:extLst>
+                  <a:ext uri="{FF2B5EF4-FFF2-40B4-BE49-F238E27FC236}">
+                    <a16:creationId xmlns:a16="http://schemas.microsoft.com/office/drawing/2014/main" id="{D427DB44-DCDA-5242-B416-CCD6DB7DDD09}"/>
+                  </a:ext>
+                </a:extLst>
+              </p:cNvPr>
+              <p:cNvCxnSpPr>
+                <a:stCxn id="48" idx="2"/>
+                <a:endCxn id="49" idx="0"/>
+              </p:cNvCxnSpPr>
+              <p:nvPr/>
+            </p:nvCxnSpPr>
+            <p:spPr>
+              <a:xfrm>
+                <a:off x="10028220" y="2060574"/>
+                <a:ext cx="0" cy="428642"/>
+              </a:xfrm>
+              <a:prstGeom prst="straightConnector1">
+                <a:avLst/>
+              </a:prstGeom>
+              <a:ln w="19050">
+                <a:solidFill>
+                  <a:srgbClr val="A2A5BC"/>
+                </a:solidFill>
+                <a:tailEnd type="triangle"/>
+              </a:ln>
+            </p:spPr>
+            <p:style>
+              <a:lnRef idx="1">
+                <a:schemeClr val="accent1"/>
+              </a:lnRef>
+              <a:fillRef idx="0">
+                <a:schemeClr val="accent1"/>
+              </a:fillRef>
+              <a:effectRef idx="0">
+                <a:schemeClr val="accent1"/>
+              </a:effectRef>
+              <a:fontRef idx="minor">
+                <a:schemeClr val="tx1"/>
+              </a:fontRef>
+            </p:style>
+          </p:cxnSp>
+        </p:grpSp>
+      </p:grpSp>
     </p:spTree>
     <p:extLst>
       <p:ext uri="{BB962C8B-B14F-4D97-AF65-F5344CB8AC3E}">
@@ -4614,12 +5275,42 @@
           <a:chExt cx="0" cy="0"/>
         </a:xfrm>
       </p:grpSpPr>
+      <p:sp>
+        <p:nvSpPr>
+          <p:cNvPr id="15" name="文本框 14"/>
+          <p:cNvSpPr txBox="1"/>
+          <p:nvPr/>
+        </p:nvSpPr>
+        <p:spPr>
+          <a:xfrm>
+            <a:off x="130629" y="200297"/>
+            <a:ext cx="3701142" cy="369332"/>
+          </a:xfrm>
+          <a:prstGeom prst="rect">
+            <a:avLst/>
+          </a:prstGeom>
+          <a:noFill/>
+        </p:spPr>
+        <p:txBody>
+          <a:bodyPr wrap="square" rtlCol="0">
+            <a:spAutoFit/>
+          </a:bodyPr>
+          <a:lstStyle/>
+          <a:p>
+            <a:r>
+              <a:rPr lang="en-US" altLang="zh-CN" dirty="0"/>
+              <a:t>di_flow.png</a:t>
+            </a:r>
+            <a:endParaRPr lang="zh-CN" altLang="en-US" dirty="0"/>
+          </a:p>
+        </p:txBody>
+      </p:sp>
       <p:grpSp>
         <p:nvGrpSpPr>
-          <p:cNvPr id="4" name="Group 24">
+          <p:cNvPr id="29" name="组合 28">
             <a:extLst>
               <a:ext uri="{FF2B5EF4-FFF2-40B4-BE49-F238E27FC236}">
-                <a16:creationId xmlns:a16="http://schemas.microsoft.com/office/drawing/2014/main" id="{E07C4599-4AF3-1C41-90EC-58C9E9855C50}"/>
+                <a16:creationId xmlns:a16="http://schemas.microsoft.com/office/drawing/2014/main" id="{D29AC9CA-632F-224E-A9EF-10E3228A00E8}"/>
               </a:ext>
             </a:extLst>
           </p:cNvPr>
@@ -4628,18 +5319,18 @@
         </p:nvGrpSpPr>
         <p:grpSpPr>
           <a:xfrm>
-            <a:off x="742828" y="3135444"/>
-            <a:ext cx="10433172" cy="690880"/>
-            <a:chOff x="742828" y="3596640"/>
-            <a:chExt cx="9579732" cy="690880"/>
+            <a:off x="574084" y="2788314"/>
+            <a:ext cx="10755310" cy="1241210"/>
+            <a:chOff x="574084" y="2788314"/>
+            <a:chExt cx="10755310" cy="1241210"/>
           </a:xfrm>
         </p:grpSpPr>
         <p:sp>
           <p:nvSpPr>
-            <p:cNvPr id="5" name="Rectangle 4">
+            <p:cNvPr id="14" name="Rectangle 25">
               <a:extLst>
                 <a:ext uri="{FF2B5EF4-FFF2-40B4-BE49-F238E27FC236}">
-                  <a16:creationId xmlns:a16="http://schemas.microsoft.com/office/drawing/2014/main" id="{D000539B-8E6A-B54D-AD63-AE8CFC9CF747}"/>
+                  <a16:creationId xmlns:a16="http://schemas.microsoft.com/office/drawing/2014/main" id="{BF1430C9-83DA-0E4A-98AC-012C811D4CBB}"/>
                 </a:ext>
               </a:extLst>
             </p:cNvPr>
@@ -4648,24 +5339,102 @@
           </p:nvSpPr>
           <p:spPr>
             <a:xfrm>
-              <a:off x="742828" y="3596640"/>
-              <a:ext cx="1492372" cy="690880"/>
+              <a:off x="2708764" y="2788314"/>
+              <a:ext cx="6475876" cy="1241210"/>
             </a:xfrm>
             <a:prstGeom prst="rect">
               <a:avLst/>
             </a:prstGeom>
-            <a:solidFill>
-              <a:schemeClr val="bg1">
-                <a:lumMod val="85000"/>
-              </a:schemeClr>
-            </a:solidFill>
+            <a:noFill/>
             <a:ln w="19050">
               <a:solidFill>
-                <a:schemeClr val="bg1">
-                  <a:lumMod val="50000"/>
-                </a:schemeClr>
+                <a:srgbClr val="42CBF6"/>
               </a:solidFill>
-              <a:prstDash val="sysDash"/>
+              <a:prstDash val="dash"/>
+            </a:ln>
+          </p:spPr>
+          <p:style>
+            <a:lnRef idx="2">
+              <a:schemeClr val="accent1">
+                <a:shade val="50000"/>
+              </a:schemeClr>
+            </a:lnRef>
+            <a:fillRef idx="1">
+              <a:schemeClr val="accent1"/>
+            </a:fillRef>
+            <a:effectRef idx="0">
+              <a:schemeClr val="accent1"/>
+            </a:effectRef>
+            <a:fontRef idx="minor">
+              <a:schemeClr val="lt1"/>
+            </a:fontRef>
+          </p:style>
+          <p:txBody>
+            <a:bodyPr rtlCol="0" anchor="t"/>
+            <a:lstStyle/>
+            <a:p>
+              <a:pPr algn="ctr"/>
+              <a:r>
+                <a:rPr lang="en-US" altLang="zh-CN" sz="1400" b="1" dirty="0">
+                  <a:solidFill>
+                    <a:srgbClr val="383B55"/>
+                  </a:solidFill>
+                  <a:latin typeface="Helvetica" pitchFamily="2" charset="0"/>
+                </a:rPr>
+                <a:t>Data</a:t>
+              </a:r>
+              <a:r>
+                <a:rPr lang="zh-CN" altLang="en-US" sz="1400" b="1" dirty="0">
+                  <a:solidFill>
+                    <a:srgbClr val="383B55"/>
+                  </a:solidFill>
+                  <a:latin typeface="Helvetica" pitchFamily="2" charset="0"/>
+                </a:rPr>
+                <a:t> </a:t>
+              </a:r>
+              <a:r>
+                <a:rPr lang="en-US" altLang="zh-CN" sz="1400" b="1" dirty="0">
+                  <a:solidFill>
+                    <a:srgbClr val="383B55"/>
+                  </a:solidFill>
+                  <a:latin typeface="Helvetica" pitchFamily="2" charset="0"/>
+                </a:rPr>
+                <a:t>synchronization</a:t>
+              </a:r>
+              <a:endParaRPr lang="en-US" sz="1400" b="1" dirty="0">
+                <a:solidFill>
+                  <a:srgbClr val="383B55"/>
+                </a:solidFill>
+                <a:latin typeface="Helvetica" pitchFamily="2" charset="0"/>
+              </a:endParaRPr>
+            </a:p>
+          </p:txBody>
+        </p:sp>
+        <p:sp>
+          <p:nvSpPr>
+            <p:cNvPr id="16" name="矩形 15">
+              <a:extLst>
+                <a:ext uri="{FF2B5EF4-FFF2-40B4-BE49-F238E27FC236}">
+                  <a16:creationId xmlns:a16="http://schemas.microsoft.com/office/drawing/2014/main" id="{EB9FD343-1992-4447-A1EA-42A6CC021F86}"/>
+                </a:ext>
+              </a:extLst>
+            </p:cNvPr>
+            <p:cNvSpPr/>
+            <p:nvPr/>
+          </p:nvSpPr>
+          <p:spPr>
+            <a:xfrm>
+              <a:off x="574084" y="3219662"/>
+              <a:ext cx="1768645" cy="522443"/>
+            </a:xfrm>
+            <a:prstGeom prst="rect">
+              <a:avLst/>
+            </a:prstGeom>
+            <a:noFill/>
+            <a:ln w="19050">
+              <a:solidFill>
+                <a:srgbClr val="0A6EFA"/>
+              </a:solidFill>
             </a:ln>
           </p:spPr>
           <p:style>
@@ -4690,43 +5459,31 @@
             <a:p>
               <a:pPr algn="ctr"/>
               <a:r>
-                <a:rPr lang="en-US" altLang="zh-CN" sz="1400" dirty="0">
+                <a:rPr lang="en-US" altLang="zh-CN" sz="1600" dirty="0">
                   <a:solidFill>
-                    <a:schemeClr val="tx1"/>
+                    <a:srgbClr val="383B55"/>
                   </a:solidFill>
+                  <a:latin typeface="Helvetica" pitchFamily="2" charset="0"/>
+                  <a:ea typeface="微软雅黑" panose="020B0503020204020204" pitchFamily="34" charset="-122"/>
                 </a:rPr>
-                <a:t>Data</a:t>
+                <a:t>Data Store</a:t>
               </a:r>
-              <a:r>
-                <a:rPr lang="zh-CN" altLang="en-US" sz="1400" dirty="0">
-                  <a:solidFill>
-                    <a:schemeClr val="tx1"/>
-                  </a:solidFill>
-                </a:rPr>
-                <a:t> </a:t>
-              </a:r>
-              <a:r>
-                <a:rPr lang="en-US" altLang="zh-CN" sz="1400" dirty="0">
-                  <a:solidFill>
-                    <a:schemeClr val="tx1"/>
-                  </a:solidFill>
-                </a:rPr>
-                <a:t>Source</a:t>
-              </a:r>
-              <a:endParaRPr lang="en-US" sz="1400" dirty="0">
+              <a:endParaRPr lang="zh-CN" altLang="en-US" sz="1600" dirty="0">
                 <a:solidFill>
-                  <a:schemeClr val="tx1"/>
+                  <a:srgbClr val="383B55"/>
                 </a:solidFill>
+                <a:latin typeface="Helvetica" pitchFamily="2" charset="0"/>
+                <a:ea typeface="微软雅黑" panose="020B0503020204020204" pitchFamily="34" charset="-122"/>
               </a:endParaRPr>
             </a:p>
           </p:txBody>
         </p:sp>
         <p:sp>
           <p:nvSpPr>
-            <p:cNvPr id="6" name="Rectangle 9">
+            <p:cNvPr id="18" name="矩形 17">
               <a:extLst>
                 <a:ext uri="{FF2B5EF4-FFF2-40B4-BE49-F238E27FC236}">
-                  <a16:creationId xmlns:a16="http://schemas.microsoft.com/office/drawing/2014/main" id="{3F633B44-BF29-DA48-9C0D-5DDF063079E3}"/>
+                  <a16:creationId xmlns:a16="http://schemas.microsoft.com/office/drawing/2014/main" id="{DCAF2CBC-DA8A-644D-8115-AFCDD15D27B0}"/>
                 </a:ext>
               </a:extLst>
             </p:cNvPr>
@@ -4735,338 +5492,17 @@
           </p:nvSpPr>
           <p:spPr>
             <a:xfrm>
-              <a:off x="2764668" y="3596640"/>
-              <a:ext cx="1492372" cy="690880"/>
+              <a:off x="9560749" y="3214092"/>
+              <a:ext cx="1768645" cy="522443"/>
             </a:xfrm>
             <a:prstGeom prst="rect">
               <a:avLst/>
             </a:prstGeom>
-            <a:ln/>
-          </p:spPr>
-          <p:style>
-            <a:lnRef idx="0">
-              <a:schemeClr val="accent1"/>
-            </a:lnRef>
-            <a:fillRef idx="3">
-              <a:schemeClr val="accent1"/>
-            </a:fillRef>
-            <a:effectRef idx="3">
-              <a:schemeClr val="accent1"/>
-            </a:effectRef>
-            <a:fontRef idx="minor">
-              <a:schemeClr val="lt1"/>
-            </a:fontRef>
-          </p:style>
-          <p:txBody>
-            <a:bodyPr rtlCol="0" anchor="ctr"/>
-            <a:lstStyle/>
-            <a:p>
-              <a:pPr algn="ctr"/>
-              <a:r>
-                <a:rPr lang="en-US" altLang="zh-CN" sz="1400" dirty="0">
-                  <a:solidFill>
-                    <a:schemeClr val="bg1"/>
-                  </a:solidFill>
-                </a:rPr>
-                <a:t>Reader</a:t>
-              </a:r>
-              <a:endParaRPr lang="en-US" sz="1400" dirty="0">
-                <a:solidFill>
-                  <a:schemeClr val="bg1"/>
-                </a:solidFill>
-              </a:endParaRPr>
-            </a:p>
-          </p:txBody>
-        </p:sp>
-        <p:cxnSp>
-          <p:nvCxnSpPr>
-            <p:cNvPr id="7" name="Straight Arrow Connector 10">
-              <a:extLst>
-                <a:ext uri="{FF2B5EF4-FFF2-40B4-BE49-F238E27FC236}">
-                  <a16:creationId xmlns:a16="http://schemas.microsoft.com/office/drawing/2014/main" id="{F17C6931-E1B5-F947-92C7-5645F7306FD8}"/>
-                </a:ext>
-              </a:extLst>
-            </p:cNvPr>
-            <p:cNvCxnSpPr>
-              <a:stCxn id="5" idx="3"/>
-              <a:endCxn id="6" idx="1"/>
-            </p:cNvCxnSpPr>
-            <p:nvPr/>
-          </p:nvCxnSpPr>
-          <p:spPr>
-            <a:xfrm>
-              <a:off x="2235200" y="3942080"/>
-              <a:ext cx="529468" cy="0"/>
-            </a:xfrm>
-            <a:prstGeom prst="straightConnector1">
-              <a:avLst/>
-            </a:prstGeom>
+            <a:noFill/>
             <a:ln w="19050">
               <a:solidFill>
-                <a:schemeClr val="bg1">
-                  <a:lumMod val="50000"/>
-                </a:schemeClr>
+                <a:srgbClr val="0A6EFA"/>
               </a:solidFill>
-              <a:tailEnd type="triangle"/>
-            </a:ln>
-          </p:spPr>
-          <p:style>
-            <a:lnRef idx="1">
-              <a:schemeClr val="accent1"/>
-            </a:lnRef>
-            <a:fillRef idx="0">
-              <a:schemeClr val="accent1"/>
-            </a:fillRef>
-            <a:effectRef idx="0">
-              <a:schemeClr val="accent1"/>
-            </a:effectRef>
-            <a:fontRef idx="minor">
-              <a:schemeClr val="tx1"/>
-            </a:fontRef>
-          </p:style>
-        </p:cxnSp>
-        <p:sp>
-          <p:nvSpPr>
-            <p:cNvPr id="8" name="Rectangle 11">
-              <a:extLst>
-                <a:ext uri="{FF2B5EF4-FFF2-40B4-BE49-F238E27FC236}">
-                  <a16:creationId xmlns:a16="http://schemas.microsoft.com/office/drawing/2014/main" id="{5803F599-66C4-C64C-BFBA-0402DE8E0603}"/>
-                </a:ext>
-              </a:extLst>
-            </p:cNvPr>
-            <p:cNvSpPr/>
-            <p:nvPr/>
-          </p:nvSpPr>
-          <p:spPr>
-            <a:xfrm>
-              <a:off x="6666678" y="3596640"/>
-              <a:ext cx="1492372" cy="690880"/>
-            </a:xfrm>
-            <a:prstGeom prst="rect">
-              <a:avLst/>
-            </a:prstGeom>
-            <a:ln/>
-          </p:spPr>
-          <p:style>
-            <a:lnRef idx="0">
-              <a:schemeClr val="accent1"/>
-            </a:lnRef>
-            <a:fillRef idx="3">
-              <a:schemeClr val="accent1"/>
-            </a:fillRef>
-            <a:effectRef idx="3">
-              <a:schemeClr val="accent1"/>
-            </a:effectRef>
-            <a:fontRef idx="minor">
-              <a:schemeClr val="lt1"/>
-            </a:fontRef>
-          </p:style>
-          <p:txBody>
-            <a:bodyPr rtlCol="0" anchor="ctr"/>
-            <a:lstStyle/>
-            <a:p>
-              <a:pPr algn="ctr"/>
-              <a:r>
-                <a:rPr lang="en-US" sz="1400" dirty="0" smtClean="0">
-                  <a:solidFill>
-                    <a:schemeClr val="bg1"/>
-                  </a:solidFill>
-                </a:rPr>
-                <a:t>Writer</a:t>
-              </a:r>
-              <a:endParaRPr lang="en-US" sz="1400" dirty="0">
-                <a:solidFill>
-                  <a:schemeClr val="bg1"/>
-                </a:solidFill>
-              </a:endParaRPr>
-            </a:p>
-          </p:txBody>
-        </p:sp>
-        <p:cxnSp>
-          <p:nvCxnSpPr>
-            <p:cNvPr id="9" name="Straight Arrow Connector 12">
-              <a:extLst>
-                <a:ext uri="{FF2B5EF4-FFF2-40B4-BE49-F238E27FC236}">
-                  <a16:creationId xmlns:a16="http://schemas.microsoft.com/office/drawing/2014/main" id="{39C62BF6-9C35-0F40-9E37-D3B87C0CED68}"/>
-                </a:ext>
-              </a:extLst>
-            </p:cNvPr>
-            <p:cNvCxnSpPr>
-              <a:cxnSpLocks/>
-              <a:stCxn id="10" idx="3"/>
-              <a:endCxn id="8" idx="1"/>
-            </p:cNvCxnSpPr>
-            <p:nvPr/>
-          </p:nvCxnSpPr>
-          <p:spPr>
-            <a:xfrm>
-              <a:off x="6238656" y="3942080"/>
-              <a:ext cx="428021" cy="0"/>
-            </a:xfrm>
-            <a:prstGeom prst="straightConnector1">
-              <a:avLst/>
-            </a:prstGeom>
-            <a:ln w="19050">
-              <a:solidFill>
-                <a:schemeClr val="bg1">
-                  <a:lumMod val="50000"/>
-                </a:schemeClr>
-              </a:solidFill>
-              <a:tailEnd type="triangle"/>
-            </a:ln>
-          </p:spPr>
-          <p:style>
-            <a:lnRef idx="1">
-              <a:schemeClr val="accent1"/>
-            </a:lnRef>
-            <a:fillRef idx="0">
-              <a:schemeClr val="accent1"/>
-            </a:fillRef>
-            <a:effectRef idx="0">
-              <a:schemeClr val="accent1"/>
-            </a:effectRef>
-            <a:fontRef idx="minor">
-              <a:schemeClr val="tx1"/>
-            </a:fontRef>
-          </p:style>
-        </p:cxnSp>
-        <p:sp>
-          <p:nvSpPr>
-            <p:cNvPr id="10" name="Rectangle 15">
-              <a:extLst>
-                <a:ext uri="{FF2B5EF4-FFF2-40B4-BE49-F238E27FC236}">
-                  <a16:creationId xmlns:a16="http://schemas.microsoft.com/office/drawing/2014/main" id="{54B66087-A481-C94D-8D67-2663DEBAFD76}"/>
-                </a:ext>
-              </a:extLst>
-            </p:cNvPr>
-            <p:cNvSpPr/>
-            <p:nvPr/>
-          </p:nvSpPr>
-          <p:spPr>
-            <a:xfrm>
-              <a:off x="4746284" y="3596640"/>
-              <a:ext cx="1492372" cy="690880"/>
-            </a:xfrm>
-            <a:prstGeom prst="rect">
-              <a:avLst/>
-            </a:prstGeom>
-            <a:ln/>
-          </p:spPr>
-          <p:style>
-            <a:lnRef idx="0">
-              <a:schemeClr val="accent1"/>
-            </a:lnRef>
-            <a:fillRef idx="3">
-              <a:schemeClr val="accent1"/>
-            </a:fillRef>
-            <a:effectRef idx="3">
-              <a:schemeClr val="accent1"/>
-            </a:effectRef>
-            <a:fontRef idx="minor">
-              <a:schemeClr val="lt1"/>
-            </a:fontRef>
-          </p:style>
-          <p:txBody>
-            <a:bodyPr rtlCol="0" anchor="ctr"/>
-            <a:lstStyle/>
-            <a:p>
-              <a:pPr algn="ctr"/>
-              <a:r>
-                <a:rPr lang="en-US" altLang="zh-CN" sz="1400" dirty="0" smtClean="0">
-                  <a:solidFill>
-                    <a:schemeClr val="bg1"/>
-                  </a:solidFill>
-                </a:rPr>
-                <a:t>Channel</a:t>
-              </a:r>
-              <a:endParaRPr lang="en-US" sz="1400" dirty="0">
-                <a:solidFill>
-                  <a:schemeClr val="bg1"/>
-                </a:solidFill>
-              </a:endParaRPr>
-            </a:p>
-          </p:txBody>
-        </p:sp>
-        <p:cxnSp>
-          <p:nvCxnSpPr>
-            <p:cNvPr id="11" name="Straight Arrow Connector 16">
-              <a:extLst>
-                <a:ext uri="{FF2B5EF4-FFF2-40B4-BE49-F238E27FC236}">
-                  <a16:creationId xmlns:a16="http://schemas.microsoft.com/office/drawing/2014/main" id="{A27C083A-1F94-144D-9FE0-F9D678700CE3}"/>
-                </a:ext>
-              </a:extLst>
-            </p:cNvPr>
-            <p:cNvCxnSpPr>
-              <a:cxnSpLocks/>
-              <a:stCxn id="6" idx="3"/>
-              <a:endCxn id="10" idx="1"/>
-            </p:cNvCxnSpPr>
-            <p:nvPr/>
-          </p:nvCxnSpPr>
-          <p:spPr>
-            <a:xfrm>
-              <a:off x="4257041" y="3942080"/>
-              <a:ext cx="489243" cy="0"/>
-            </a:xfrm>
-            <a:prstGeom prst="straightConnector1">
-              <a:avLst/>
-            </a:prstGeom>
-            <a:ln w="19050">
-              <a:solidFill>
-                <a:schemeClr val="bg1">
-                  <a:lumMod val="50000"/>
-                </a:schemeClr>
-              </a:solidFill>
-              <a:tailEnd type="triangle"/>
-            </a:ln>
-          </p:spPr>
-          <p:style>
-            <a:lnRef idx="1">
-              <a:schemeClr val="accent1"/>
-            </a:lnRef>
-            <a:fillRef idx="0">
-              <a:schemeClr val="accent1"/>
-            </a:fillRef>
-            <a:effectRef idx="0">
-              <a:schemeClr val="accent1"/>
-            </a:effectRef>
-            <a:fontRef idx="minor">
-              <a:schemeClr val="tx1"/>
-            </a:fontRef>
-          </p:style>
-        </p:cxnSp>
-        <p:sp>
-          <p:nvSpPr>
-            <p:cNvPr id="12" name="Rectangle 20">
-              <a:extLst>
-                <a:ext uri="{FF2B5EF4-FFF2-40B4-BE49-F238E27FC236}">
-                  <a16:creationId xmlns:a16="http://schemas.microsoft.com/office/drawing/2014/main" id="{BF3E9C08-35AE-6749-9090-FA5552231333}"/>
-                </a:ext>
-              </a:extLst>
-            </p:cNvPr>
-            <p:cNvSpPr/>
-            <p:nvPr/>
-          </p:nvSpPr>
-          <p:spPr>
-            <a:xfrm>
-              <a:off x="8830188" y="3596640"/>
-              <a:ext cx="1492372" cy="690880"/>
-            </a:xfrm>
-            <a:prstGeom prst="rect">
-              <a:avLst/>
-            </a:prstGeom>
-            <a:solidFill>
-              <a:schemeClr val="bg1">
-                <a:lumMod val="85000"/>
-              </a:schemeClr>
-            </a:solidFill>
-            <a:ln w="19050">
-              <a:solidFill>
-                <a:schemeClr val="bg1">
-                  <a:lumMod val="50000"/>
-                </a:schemeClr>
-              </a:solidFill>
-              <a:prstDash val="sysDash"/>
             </a:ln>
           </p:spPr>
           <p:style>
@@ -5091,66 +5527,372 @@
             <a:p>
               <a:pPr algn="ctr"/>
               <a:r>
-                <a:rPr lang="en-US" altLang="zh-CN" sz="1400" dirty="0">
+                <a:rPr lang="en-US" altLang="zh-CN" sz="1600" dirty="0">
                   <a:solidFill>
-                    <a:schemeClr val="tx1"/>
+                    <a:srgbClr val="383B55"/>
                   </a:solidFill>
+                  <a:latin typeface="Helvetica" pitchFamily="2" charset="0"/>
                 </a:rPr>
                 <a:t>Target</a:t>
               </a:r>
               <a:r>
-                <a:rPr lang="zh-CN" altLang="en-US" sz="1400" dirty="0">
+                <a:rPr lang="zh-CN" altLang="en-US" sz="1600" dirty="0">
                   <a:solidFill>
-                    <a:schemeClr val="tx1"/>
+                    <a:srgbClr val="383B55"/>
                   </a:solidFill>
+                  <a:latin typeface="Helvetica" pitchFamily="2" charset="0"/>
                 </a:rPr>
                 <a:t> </a:t>
               </a:r>
               <a:r>
-                <a:rPr lang="en-US" altLang="zh-CN" sz="1400" dirty="0" smtClean="0">
+                <a:rPr lang="en-US" altLang="zh-CN" sz="1600" dirty="0">
                   <a:solidFill>
-                    <a:schemeClr val="tx1"/>
+                    <a:srgbClr val="383B55"/>
                   </a:solidFill>
+                  <a:latin typeface="Helvetica" pitchFamily="2" charset="0"/>
                 </a:rPr>
                 <a:t>Datastore</a:t>
               </a:r>
-              <a:endParaRPr lang="en-US" sz="1400" dirty="0">
-                <a:solidFill>
-                  <a:schemeClr val="tx1"/>
-                </a:solidFill>
-              </a:endParaRPr>
+            </a:p>
+          </p:txBody>
+        </p:sp>
+        <p:sp>
+          <p:nvSpPr>
+            <p:cNvPr id="20" name="矩形 19">
+              <a:extLst>
+                <a:ext uri="{FF2B5EF4-FFF2-40B4-BE49-F238E27FC236}">
+                  <a16:creationId xmlns:a16="http://schemas.microsoft.com/office/drawing/2014/main" id="{5ECF52FA-A125-8542-838D-6127F3248455}"/>
+                </a:ext>
+              </a:extLst>
+            </p:cNvPr>
+            <p:cNvSpPr/>
+            <p:nvPr/>
+          </p:nvSpPr>
+          <p:spPr>
+            <a:xfrm>
+              <a:off x="2934715" y="3214091"/>
+              <a:ext cx="1609744" cy="522443"/>
+            </a:xfrm>
+            <a:prstGeom prst="rect">
+              <a:avLst/>
+            </a:prstGeom>
+            <a:solidFill>
+              <a:srgbClr val="42CBF5"/>
+            </a:solidFill>
+            <a:ln>
+              <a:noFill/>
+            </a:ln>
+          </p:spPr>
+          <p:style>
+            <a:lnRef idx="2">
+              <a:schemeClr val="accent1">
+                <a:shade val="50000"/>
+              </a:schemeClr>
+            </a:lnRef>
+            <a:fillRef idx="1">
+              <a:schemeClr val="accent1"/>
+            </a:fillRef>
+            <a:effectRef idx="0">
+              <a:schemeClr val="accent1"/>
+            </a:effectRef>
+            <a:fontRef idx="minor">
+              <a:schemeClr val="lt1"/>
+            </a:fontRef>
+          </p:style>
+          <p:txBody>
+            <a:bodyPr rtlCol="0" anchor="ctr"/>
+            <a:lstStyle/>
+            <a:p>
+              <a:pPr algn="ctr"/>
+              <a:r>
+                <a:rPr lang="en-US" altLang="zh-CN" sz="1600" dirty="0">
+                  <a:solidFill>
+                    <a:schemeClr val="bg1"/>
+                  </a:solidFill>
+                  <a:latin typeface="Helvetica" pitchFamily="2" charset="0"/>
+                </a:rPr>
+                <a:t>Reader</a:t>
+              </a:r>
+            </a:p>
+          </p:txBody>
+        </p:sp>
+        <p:sp>
+          <p:nvSpPr>
+            <p:cNvPr id="21" name="矩形 20">
+              <a:extLst>
+                <a:ext uri="{FF2B5EF4-FFF2-40B4-BE49-F238E27FC236}">
+                  <a16:creationId xmlns:a16="http://schemas.microsoft.com/office/drawing/2014/main" id="{DDC39871-339B-794C-BAA7-606671137B02}"/>
+                </a:ext>
+              </a:extLst>
+            </p:cNvPr>
+            <p:cNvSpPr/>
+            <p:nvPr/>
+          </p:nvSpPr>
+          <p:spPr>
+            <a:xfrm>
+              <a:off x="5141830" y="3214091"/>
+              <a:ext cx="1609744" cy="522443"/>
+            </a:xfrm>
+            <a:prstGeom prst="rect">
+              <a:avLst/>
+            </a:prstGeom>
+            <a:solidFill>
+              <a:srgbClr val="42CBF5"/>
+            </a:solidFill>
+            <a:ln>
+              <a:noFill/>
+            </a:ln>
+          </p:spPr>
+          <p:style>
+            <a:lnRef idx="2">
+              <a:schemeClr val="accent1">
+                <a:shade val="50000"/>
+              </a:schemeClr>
+            </a:lnRef>
+            <a:fillRef idx="1">
+              <a:schemeClr val="accent1"/>
+            </a:fillRef>
+            <a:effectRef idx="0">
+              <a:schemeClr val="accent1"/>
+            </a:effectRef>
+            <a:fontRef idx="minor">
+              <a:schemeClr val="lt1"/>
+            </a:fontRef>
+          </p:style>
+          <p:txBody>
+            <a:bodyPr rtlCol="0" anchor="ctr"/>
+            <a:lstStyle/>
+            <a:p>
+              <a:pPr algn="ctr"/>
+              <a:r>
+                <a:rPr lang="en-US" altLang="zh-CN" sz="1600" dirty="0">
+                  <a:solidFill>
+                    <a:schemeClr val="bg1"/>
+                  </a:solidFill>
+                  <a:latin typeface="Helvetica" pitchFamily="2" charset="0"/>
+                </a:rPr>
+                <a:t>Channel</a:t>
+              </a:r>
+            </a:p>
+          </p:txBody>
+        </p:sp>
+        <p:sp>
+          <p:nvSpPr>
+            <p:cNvPr id="22" name="矩形 21">
+              <a:extLst>
+                <a:ext uri="{FF2B5EF4-FFF2-40B4-BE49-F238E27FC236}">
+                  <a16:creationId xmlns:a16="http://schemas.microsoft.com/office/drawing/2014/main" id="{44BFF7BB-E77B-1F40-9C6C-61B7F47D2514}"/>
+                </a:ext>
+              </a:extLst>
+            </p:cNvPr>
+            <p:cNvSpPr/>
+            <p:nvPr/>
+          </p:nvSpPr>
+          <p:spPr>
+            <a:xfrm>
+              <a:off x="7348945" y="3214091"/>
+              <a:ext cx="1609744" cy="522443"/>
+            </a:xfrm>
+            <a:prstGeom prst="rect">
+              <a:avLst/>
+            </a:prstGeom>
+            <a:solidFill>
+              <a:srgbClr val="42CBF5"/>
+            </a:solidFill>
+            <a:ln>
+              <a:noFill/>
+            </a:ln>
+          </p:spPr>
+          <p:style>
+            <a:lnRef idx="2">
+              <a:schemeClr val="accent1">
+                <a:shade val="50000"/>
+              </a:schemeClr>
+            </a:lnRef>
+            <a:fillRef idx="1">
+              <a:schemeClr val="accent1"/>
+            </a:fillRef>
+            <a:effectRef idx="0">
+              <a:schemeClr val="accent1"/>
+            </a:effectRef>
+            <a:fontRef idx="minor">
+              <a:schemeClr val="lt1"/>
+            </a:fontRef>
+          </p:style>
+          <p:txBody>
+            <a:bodyPr rtlCol="0" anchor="ctr"/>
+            <a:lstStyle/>
+            <a:p>
+              <a:pPr algn="ctr"/>
+              <a:r>
+                <a:rPr lang="en-US" altLang="zh-CN" sz="1600" dirty="0">
+                  <a:solidFill>
+                    <a:schemeClr val="bg1"/>
+                  </a:solidFill>
+                  <a:latin typeface="Helvetica" pitchFamily="2" charset="0"/>
+                </a:rPr>
+                <a:t>Writer</a:t>
+              </a:r>
             </a:p>
           </p:txBody>
         </p:sp>
         <p:cxnSp>
           <p:nvCxnSpPr>
-            <p:cNvPr id="13" name="Straight Arrow Connector 21">
+            <p:cNvPr id="24" name="直线箭头连接符 23">
               <a:extLst>
                 <a:ext uri="{FF2B5EF4-FFF2-40B4-BE49-F238E27FC236}">
-                  <a16:creationId xmlns:a16="http://schemas.microsoft.com/office/drawing/2014/main" id="{AFECFB2E-A6C2-3049-BFDC-BB2F17A783E9}"/>
+                  <a16:creationId xmlns:a16="http://schemas.microsoft.com/office/drawing/2014/main" id="{3249CF6A-D597-4546-9114-A914F5C7509E}"/>
                 </a:ext>
               </a:extLst>
             </p:cNvPr>
             <p:cNvCxnSpPr>
               <a:cxnSpLocks/>
-              <a:stCxn id="8" idx="3"/>
-              <a:endCxn id="12" idx="1"/>
             </p:cNvCxnSpPr>
             <p:nvPr/>
           </p:nvCxnSpPr>
           <p:spPr>
             <a:xfrm>
-              <a:off x="8159050" y="3942080"/>
-              <a:ext cx="671138" cy="0"/>
+              <a:off x="2400168" y="3475312"/>
+              <a:ext cx="414284" cy="0"/>
             </a:xfrm>
             <a:prstGeom prst="straightConnector1">
               <a:avLst/>
             </a:prstGeom>
             <a:ln w="19050">
               <a:solidFill>
-                <a:schemeClr val="bg1">
-                  <a:lumMod val="50000"/>
-                </a:schemeClr>
+                <a:srgbClr val="0A6EFA"/>
+              </a:solidFill>
+              <a:tailEnd type="triangle"/>
+            </a:ln>
+          </p:spPr>
+          <p:style>
+            <a:lnRef idx="1">
+              <a:schemeClr val="accent1"/>
+            </a:lnRef>
+            <a:fillRef idx="0">
+              <a:schemeClr val="accent1"/>
+            </a:fillRef>
+            <a:effectRef idx="0">
+              <a:schemeClr val="accent1"/>
+            </a:effectRef>
+            <a:fontRef idx="minor">
+              <a:schemeClr val="tx1"/>
+            </a:fontRef>
+          </p:style>
+        </p:cxnSp>
+        <p:cxnSp>
+          <p:nvCxnSpPr>
+            <p:cNvPr id="26" name="直线箭头连接符 25">
+              <a:extLst>
+                <a:ext uri="{FF2B5EF4-FFF2-40B4-BE49-F238E27FC236}">
+                  <a16:creationId xmlns:a16="http://schemas.microsoft.com/office/drawing/2014/main" id="{6EE96238-F67F-8948-B9E0-BFBA01AA9860}"/>
+                </a:ext>
+              </a:extLst>
+            </p:cNvPr>
+            <p:cNvCxnSpPr>
+              <a:cxnSpLocks/>
+            </p:cNvCxnSpPr>
+            <p:nvPr/>
+          </p:nvCxnSpPr>
+          <p:spPr>
+            <a:xfrm>
+              <a:off x="4629847" y="3475312"/>
+              <a:ext cx="414284" cy="0"/>
+            </a:xfrm>
+            <a:prstGeom prst="straightConnector1">
+              <a:avLst/>
+            </a:prstGeom>
+            <a:ln w="19050">
+              <a:solidFill>
+                <a:srgbClr val="0A6EFA"/>
+              </a:solidFill>
+              <a:tailEnd type="triangle"/>
+            </a:ln>
+          </p:spPr>
+          <p:style>
+            <a:lnRef idx="1">
+              <a:schemeClr val="accent1"/>
+            </a:lnRef>
+            <a:fillRef idx="0">
+              <a:schemeClr val="accent1"/>
+            </a:fillRef>
+            <a:effectRef idx="0">
+              <a:schemeClr val="accent1"/>
+            </a:effectRef>
+            <a:fontRef idx="minor">
+              <a:schemeClr val="tx1"/>
+            </a:fontRef>
+          </p:style>
+        </p:cxnSp>
+        <p:cxnSp>
+          <p:nvCxnSpPr>
+            <p:cNvPr id="27" name="直线箭头连接符 26">
+              <a:extLst>
+                <a:ext uri="{FF2B5EF4-FFF2-40B4-BE49-F238E27FC236}">
+                  <a16:creationId xmlns:a16="http://schemas.microsoft.com/office/drawing/2014/main" id="{978DA94E-B390-D04F-B7EE-FF2983DA2102}"/>
+                </a:ext>
+              </a:extLst>
+            </p:cNvPr>
+            <p:cNvCxnSpPr>
+              <a:cxnSpLocks/>
+            </p:cNvCxnSpPr>
+            <p:nvPr/>
+          </p:nvCxnSpPr>
+          <p:spPr>
+            <a:xfrm>
+              <a:off x="6846272" y="3475312"/>
+              <a:ext cx="414284" cy="0"/>
+            </a:xfrm>
+            <a:prstGeom prst="straightConnector1">
+              <a:avLst/>
+            </a:prstGeom>
+            <a:ln w="19050">
+              <a:solidFill>
+                <a:srgbClr val="0A6EFA"/>
+              </a:solidFill>
+              <a:tailEnd type="triangle"/>
+            </a:ln>
+          </p:spPr>
+          <p:style>
+            <a:lnRef idx="1">
+              <a:schemeClr val="accent1"/>
+            </a:lnRef>
+            <a:fillRef idx="0">
+              <a:schemeClr val="accent1"/>
+            </a:fillRef>
+            <a:effectRef idx="0">
+              <a:schemeClr val="accent1"/>
+            </a:effectRef>
+            <a:fontRef idx="minor">
+              <a:schemeClr val="tx1"/>
+            </a:fontRef>
+          </p:style>
+        </p:cxnSp>
+        <p:cxnSp>
+          <p:nvCxnSpPr>
+            <p:cNvPr id="28" name="直线箭头连接符 27">
+              <a:extLst>
+                <a:ext uri="{FF2B5EF4-FFF2-40B4-BE49-F238E27FC236}">
+                  <a16:creationId xmlns:a16="http://schemas.microsoft.com/office/drawing/2014/main" id="{2878D4C6-7095-3D49-99C0-CCDC30804FBF}"/>
+                </a:ext>
+              </a:extLst>
+            </p:cNvPr>
+            <p:cNvCxnSpPr>
+              <a:cxnSpLocks/>
+            </p:cNvCxnSpPr>
+            <p:nvPr/>
+          </p:nvCxnSpPr>
+          <p:spPr>
+            <a:xfrm>
+              <a:off x="9073521" y="3475312"/>
+              <a:ext cx="414284" cy="0"/>
+            </a:xfrm>
+            <a:prstGeom prst="straightConnector1">
+              <a:avLst/>
+            </a:prstGeom>
+            <a:ln w="19050">
+              <a:solidFill>
+                <a:srgbClr val="0A6EFA"/>
               </a:solidFill>
               <a:tailEnd type="triangle"/>
             </a:ln>
@@ -5171,119 +5913,6 @@
           </p:style>
         </p:cxnSp>
       </p:grpSp>
-      <p:sp>
-        <p:nvSpPr>
-          <p:cNvPr id="14" name="Rectangle 25">
-            <a:extLst>
-              <a:ext uri="{FF2B5EF4-FFF2-40B4-BE49-F238E27FC236}">
-                <a16:creationId xmlns:a16="http://schemas.microsoft.com/office/drawing/2014/main" id="{BF1430C9-83DA-0E4A-98AC-012C811D4CBB}"/>
-              </a:ext>
-            </a:extLst>
-          </p:cNvPr>
-          <p:cNvSpPr/>
-          <p:nvPr/>
-        </p:nvSpPr>
-        <p:spPr>
-          <a:xfrm>
-            <a:off x="2708764" y="2788314"/>
-            <a:ext cx="6475876" cy="1241210"/>
-          </a:xfrm>
-          <a:prstGeom prst="rect">
-            <a:avLst/>
-          </a:prstGeom>
-          <a:noFill/>
-          <a:ln w="38100">
-            <a:solidFill>
-              <a:schemeClr val="bg1">
-                <a:lumMod val="50000"/>
-              </a:schemeClr>
-            </a:solidFill>
-            <a:prstDash val="sysDot"/>
-          </a:ln>
-        </p:spPr>
-        <p:style>
-          <a:lnRef idx="2">
-            <a:schemeClr val="accent1">
-              <a:shade val="50000"/>
-            </a:schemeClr>
-          </a:lnRef>
-          <a:fillRef idx="1">
-            <a:schemeClr val="accent1"/>
-          </a:fillRef>
-          <a:effectRef idx="0">
-            <a:schemeClr val="accent1"/>
-          </a:effectRef>
-          <a:fontRef idx="minor">
-            <a:schemeClr val="lt1"/>
-          </a:fontRef>
-        </p:style>
-        <p:txBody>
-          <a:bodyPr rtlCol="0" anchor="t"/>
-          <a:lstStyle/>
-          <a:p>
-            <a:pPr algn="ctr"/>
-            <a:r>
-              <a:rPr lang="en-US" altLang="zh-CN" sz="1400" b="1" dirty="0" smtClean="0">
-                <a:solidFill>
-                  <a:schemeClr val="tx1"/>
-                </a:solidFill>
-              </a:rPr>
-              <a:t>Data</a:t>
-            </a:r>
-            <a:r>
-              <a:rPr lang="zh-CN" altLang="en-US" sz="1400" b="1" dirty="0" smtClean="0">
-                <a:solidFill>
-                  <a:schemeClr val="tx1"/>
-                </a:solidFill>
-              </a:rPr>
-              <a:t> </a:t>
-            </a:r>
-            <a:r>
-              <a:rPr lang="en-US" altLang="zh-CN" sz="1400" b="1" dirty="0">
-                <a:solidFill>
-                  <a:schemeClr val="tx1"/>
-                </a:solidFill>
-              </a:rPr>
-              <a:t>synchronization</a:t>
-            </a:r>
-            <a:endParaRPr lang="en-US" sz="1400" b="1" dirty="0">
-              <a:solidFill>
-                <a:schemeClr val="tx1"/>
-              </a:solidFill>
-            </a:endParaRPr>
-          </a:p>
-        </p:txBody>
-      </p:sp>
-      <p:sp>
-        <p:nvSpPr>
-          <p:cNvPr id="15" name="文本框 14"/>
-          <p:cNvSpPr txBox="1"/>
-          <p:nvPr/>
-        </p:nvSpPr>
-        <p:spPr>
-          <a:xfrm>
-            <a:off x="130629" y="200297"/>
-            <a:ext cx="3701142" cy="369332"/>
-          </a:xfrm>
-          <a:prstGeom prst="rect">
-            <a:avLst/>
-          </a:prstGeom>
-          <a:noFill/>
-        </p:spPr>
-        <p:txBody>
-          <a:bodyPr wrap="square" rtlCol="0">
-            <a:spAutoFit/>
-          </a:bodyPr>
-          <a:lstStyle/>
-          <a:p>
-            <a:r>
-              <a:rPr lang="en-US" altLang="zh-CN" dirty="0" smtClean="0"/>
-              <a:t>di_flow.png</a:t>
-            </a:r>
-            <a:endParaRPr lang="zh-CN" altLang="en-US" dirty="0"/>
-          </a:p>
-        </p:txBody>
-      </p:sp>
     </p:spTree>
     <p:extLst>
       <p:ext uri="{BB962C8B-B14F-4D97-AF65-F5344CB8AC3E}">

--- a/media/offline_en.pptx
+++ b/media/offline_en.pptx
@@ -255,7 +255,7 @@
           <a:p>
             <a:fld id="{5DB3B267-654E-4BAE-9027-1C49D2B9171B}" type="datetimeFigureOut">
               <a:rPr lang="zh-CN" altLang="en-US" smtClean="0"/>
-              <a:t>2019/4/2</a:t>
+              <a:t>2019/5/29</a:t>
             </a:fld>
             <a:endParaRPr lang="zh-CN" altLang="en-US"/>
           </a:p>
@@ -423,7 +423,7 @@
           <a:p>
             <a:fld id="{5DB3B267-654E-4BAE-9027-1C49D2B9171B}" type="datetimeFigureOut">
               <a:rPr lang="zh-CN" altLang="en-US" smtClean="0"/>
-              <a:t>2019/4/2</a:t>
+              <a:t>2019/5/29</a:t>
             </a:fld>
             <a:endParaRPr lang="zh-CN" altLang="en-US"/>
           </a:p>
@@ -601,7 +601,7 @@
           <a:p>
             <a:fld id="{5DB3B267-654E-4BAE-9027-1C49D2B9171B}" type="datetimeFigureOut">
               <a:rPr lang="zh-CN" altLang="en-US" smtClean="0"/>
-              <a:t>2019/4/2</a:t>
+              <a:t>2019/5/29</a:t>
             </a:fld>
             <a:endParaRPr lang="zh-CN" altLang="en-US"/>
           </a:p>
@@ -769,7 +769,7 @@
           <a:p>
             <a:fld id="{5DB3B267-654E-4BAE-9027-1C49D2B9171B}" type="datetimeFigureOut">
               <a:rPr lang="zh-CN" altLang="en-US" smtClean="0"/>
-              <a:t>2019/4/2</a:t>
+              <a:t>2019/5/29</a:t>
             </a:fld>
             <a:endParaRPr lang="zh-CN" altLang="en-US"/>
           </a:p>
@@ -1014,7 +1014,7 @@
           <a:p>
             <a:fld id="{5DB3B267-654E-4BAE-9027-1C49D2B9171B}" type="datetimeFigureOut">
               <a:rPr lang="zh-CN" altLang="en-US" smtClean="0"/>
-              <a:t>2019/4/2</a:t>
+              <a:t>2019/5/29</a:t>
             </a:fld>
             <a:endParaRPr lang="zh-CN" altLang="en-US"/>
           </a:p>
@@ -1243,7 +1243,7 @@
           <a:p>
             <a:fld id="{5DB3B267-654E-4BAE-9027-1C49D2B9171B}" type="datetimeFigureOut">
               <a:rPr lang="zh-CN" altLang="en-US" smtClean="0"/>
-              <a:t>2019/4/2</a:t>
+              <a:t>2019/5/29</a:t>
             </a:fld>
             <a:endParaRPr lang="zh-CN" altLang="en-US"/>
           </a:p>
@@ -1607,7 +1607,7 @@
           <a:p>
             <a:fld id="{5DB3B267-654E-4BAE-9027-1C49D2B9171B}" type="datetimeFigureOut">
               <a:rPr lang="zh-CN" altLang="en-US" smtClean="0"/>
-              <a:t>2019/4/2</a:t>
+              <a:t>2019/5/29</a:t>
             </a:fld>
             <a:endParaRPr lang="zh-CN" altLang="en-US"/>
           </a:p>
@@ -1724,7 +1724,7 @@
           <a:p>
             <a:fld id="{5DB3B267-654E-4BAE-9027-1C49D2B9171B}" type="datetimeFigureOut">
               <a:rPr lang="zh-CN" altLang="en-US" smtClean="0"/>
-              <a:t>2019/4/2</a:t>
+              <a:t>2019/5/29</a:t>
             </a:fld>
             <a:endParaRPr lang="zh-CN" altLang="en-US"/>
           </a:p>
@@ -1819,7 +1819,7 @@
           <a:p>
             <a:fld id="{5DB3B267-654E-4BAE-9027-1C49D2B9171B}" type="datetimeFigureOut">
               <a:rPr lang="zh-CN" altLang="en-US" smtClean="0"/>
-              <a:t>2019/4/2</a:t>
+              <a:t>2019/5/29</a:t>
             </a:fld>
             <a:endParaRPr lang="zh-CN" altLang="en-US"/>
           </a:p>
@@ -2094,7 +2094,7 @@
           <a:p>
             <a:fld id="{5DB3B267-654E-4BAE-9027-1C49D2B9171B}" type="datetimeFigureOut">
               <a:rPr lang="zh-CN" altLang="en-US" smtClean="0"/>
-              <a:t>2019/4/2</a:t>
+              <a:t>2019/5/29</a:t>
             </a:fld>
             <a:endParaRPr lang="zh-CN" altLang="en-US"/>
           </a:p>
@@ -2346,7 +2346,7 @@
           <a:p>
             <a:fld id="{5DB3B267-654E-4BAE-9027-1C49D2B9171B}" type="datetimeFigureOut">
               <a:rPr lang="zh-CN" altLang="en-US" smtClean="0"/>
-              <a:t>2019/4/2</a:t>
+              <a:t>2019/5/29</a:t>
             </a:fld>
             <a:endParaRPr lang="zh-CN" altLang="en-US"/>
           </a:p>
@@ -2557,7 +2557,7 @@
           <a:p>
             <a:fld id="{5DB3B267-654E-4BAE-9027-1C49D2B9171B}" type="datetimeFigureOut">
               <a:rPr lang="zh-CN" altLang="en-US" smtClean="0"/>
-              <a:t>2019/4/2</a:t>
+              <a:t>2019/5/29</a:t>
             </a:fld>
             <a:endParaRPr lang="zh-CN" altLang="en-US"/>
           </a:p>
@@ -5399,7 +5399,7 @@
                   </a:solidFill>
                   <a:latin typeface="Helvetica" pitchFamily="2" charset="0"/>
                 </a:rPr>
-                <a:t>synchronization</a:t>
+                <a:t>Synchronization</a:t>
               </a:r>
               <a:endParaRPr lang="en-US" sz="1400" b="1" dirty="0">
                 <a:solidFill>
@@ -5466,7 +5466,7 @@
                   <a:latin typeface="Helvetica" pitchFamily="2" charset="0"/>
                   <a:ea typeface="微软雅黑" panose="020B0503020204020204" pitchFamily="34" charset="-122"/>
                 </a:rPr>
-                <a:t>Data Store</a:t>
+                <a:t>Source Datastore</a:t>
               </a:r>
               <a:endParaRPr lang="zh-CN" altLang="en-US" sz="1600" dirty="0">
                 <a:solidFill>
